--- a/static/images/git-repository/git_tag.pptx
+++ b/static/images/git-repository/git_tag.pptx
@@ -11,7 +11,7 @@
     <p:sldId id="263" r:id="rId5"/>
     <p:sldId id="264" r:id="rId6"/>
   </p:sldIdLst>
-  <p:sldSz cx="9144000" cy="6858000" type="screen4x3"/>
+  <p:sldSz cx="9145588" cy="6121400"/>
   <p:notesSz cx="6858000" cy="9144000"/>
   <p:defaultTextStyle>
     <a:defPPr>
@@ -140,8 +140,8 @@
         </p:nvSpPr>
         <p:spPr>
           <a:xfrm>
-            <a:off x="685800" y="2130425"/>
-            <a:ext cx="7772400" cy="1470025"/>
+            <a:off x="685919" y="1901602"/>
+            <a:ext cx="7773750" cy="1312133"/>
           </a:xfrm>
         </p:spPr>
         <p:txBody>
@@ -168,8 +168,8 @@
         </p:nvSpPr>
         <p:spPr>
           <a:xfrm>
-            <a:off x="1371600" y="3886200"/>
-            <a:ext cx="6400800" cy="1752600"/>
+            <a:off x="1371838" y="3468793"/>
+            <a:ext cx="6401912" cy="1564358"/>
           </a:xfrm>
         </p:spPr>
         <p:txBody>
@@ -292,7 +292,7 @@
           <a:p>
             <a:fld id="{B5CA565D-B2B5-478A-B2C3-113F166969BB}" type="datetimeFigureOut">
               <a:rPr kumimoji="1" lang="ja-JP" altLang="en-US" smtClean="0"/>
-              <a:t>2015/12/27</a:t>
+              <a:t>2016/4/17</a:t>
             </a:fld>
             <a:endParaRPr kumimoji="1" lang="ja-JP" altLang="en-US"/>
           </a:p>
@@ -494,7 +494,7 @@
           <a:p>
             <a:fld id="{B5CA565D-B2B5-478A-B2C3-113F166969BB}" type="datetimeFigureOut">
               <a:rPr kumimoji="1" lang="ja-JP" altLang="en-US" smtClean="0"/>
-              <a:t>2015/12/27</a:t>
+              <a:t>2016/4/17</a:t>
             </a:fld>
             <a:endParaRPr kumimoji="1" lang="ja-JP" altLang="en-US"/>
           </a:p>
@@ -584,8 +584,8 @@
         </p:nvSpPr>
         <p:spPr>
           <a:xfrm>
-            <a:off x="6629400" y="274638"/>
-            <a:ext cx="2057400" cy="5851525"/>
+            <a:off x="6630551" y="245140"/>
+            <a:ext cx="2057757" cy="5223028"/>
           </a:xfrm>
         </p:spPr>
         <p:txBody>
@@ -612,8 +612,8 @@
         </p:nvSpPr>
         <p:spPr>
           <a:xfrm>
-            <a:off x="457200" y="274638"/>
-            <a:ext cx="6019800" cy="5851525"/>
+            <a:off x="457280" y="245140"/>
+            <a:ext cx="6020845" cy="5223028"/>
           </a:xfrm>
         </p:spPr>
         <p:txBody>
@@ -706,7 +706,7 @@
           <a:p>
             <a:fld id="{B5CA565D-B2B5-478A-B2C3-113F166969BB}" type="datetimeFigureOut">
               <a:rPr kumimoji="1" lang="ja-JP" altLang="en-US" smtClean="0"/>
-              <a:t>2015/12/27</a:t>
+              <a:t>2016/4/17</a:t>
             </a:fld>
             <a:endParaRPr kumimoji="1" lang="ja-JP" altLang="en-US"/>
           </a:p>
@@ -908,7 +908,7 @@
           <a:p>
             <a:fld id="{B5CA565D-B2B5-478A-B2C3-113F166969BB}" type="datetimeFigureOut">
               <a:rPr kumimoji="1" lang="ja-JP" altLang="en-US" smtClean="0"/>
-              <a:t>2015/12/27</a:t>
+              <a:t>2016/4/17</a:t>
             </a:fld>
             <a:endParaRPr kumimoji="1" lang="ja-JP" altLang="en-US"/>
           </a:p>
@@ -998,8 +998,8 @@
         </p:nvSpPr>
         <p:spPr>
           <a:xfrm>
-            <a:off x="722313" y="4406900"/>
-            <a:ext cx="7772400" cy="1362075"/>
+            <a:off x="722438" y="3933567"/>
+            <a:ext cx="7773750" cy="1215778"/>
           </a:xfrm>
         </p:spPr>
         <p:txBody>
@@ -1030,8 +1030,8 @@
         </p:nvSpPr>
         <p:spPr>
           <a:xfrm>
-            <a:off x="722313" y="2906713"/>
-            <a:ext cx="7772400" cy="1500187"/>
+            <a:off x="722438" y="2594511"/>
+            <a:ext cx="7773750" cy="1339056"/>
           </a:xfrm>
         </p:spPr>
         <p:txBody>
@@ -1154,7 +1154,7 @@
           <a:p>
             <a:fld id="{B5CA565D-B2B5-478A-B2C3-113F166969BB}" type="datetimeFigureOut">
               <a:rPr kumimoji="1" lang="ja-JP" altLang="en-US" smtClean="0"/>
-              <a:t>2015/12/27</a:t>
+              <a:t>2016/4/17</a:t>
             </a:fld>
             <a:endParaRPr kumimoji="1" lang="ja-JP" altLang="en-US"/>
           </a:p>
@@ -1267,8 +1267,8 @@
         </p:nvSpPr>
         <p:spPr>
           <a:xfrm>
-            <a:off x="457200" y="1600200"/>
-            <a:ext cx="4038600" cy="4525963"/>
+            <a:off x="457280" y="1428327"/>
+            <a:ext cx="4039301" cy="4039841"/>
           </a:xfrm>
         </p:spPr>
         <p:txBody>
@@ -1384,8 +1384,8 @@
         </p:nvSpPr>
         <p:spPr>
           <a:xfrm>
-            <a:off x="4648200" y="1600200"/>
-            <a:ext cx="4038600" cy="4525963"/>
+            <a:off x="4649007" y="1428327"/>
+            <a:ext cx="4039301" cy="4039841"/>
           </a:xfrm>
         </p:spPr>
         <p:txBody>
@@ -1506,7 +1506,7 @@
           <a:p>
             <a:fld id="{B5CA565D-B2B5-478A-B2C3-113F166969BB}" type="datetimeFigureOut">
               <a:rPr kumimoji="1" lang="ja-JP" altLang="en-US" smtClean="0"/>
-              <a:t>2015/12/27</a:t>
+              <a:t>2016/4/17</a:t>
             </a:fld>
             <a:endParaRPr kumimoji="1" lang="ja-JP" altLang="en-US"/>
           </a:p>
@@ -1623,8 +1623,8 @@
         </p:nvSpPr>
         <p:spPr>
           <a:xfrm>
-            <a:off x="457200" y="1535113"/>
-            <a:ext cx="4040188" cy="639762"/>
+            <a:off x="457279" y="1370230"/>
+            <a:ext cx="4040890" cy="571047"/>
           </a:xfrm>
         </p:spPr>
         <p:txBody>
@@ -1688,8 +1688,8 @@
         </p:nvSpPr>
         <p:spPr>
           <a:xfrm>
-            <a:off x="457200" y="2174875"/>
-            <a:ext cx="4040188" cy="3951288"/>
+            <a:off x="457279" y="1941278"/>
+            <a:ext cx="4040890" cy="3526890"/>
           </a:xfrm>
         </p:spPr>
         <p:txBody>
@@ -1805,8 +1805,8 @@
         </p:nvSpPr>
         <p:spPr>
           <a:xfrm>
-            <a:off x="4645025" y="1535113"/>
-            <a:ext cx="4041775" cy="639762"/>
+            <a:off x="4645832" y="1370230"/>
+            <a:ext cx="4042477" cy="571047"/>
           </a:xfrm>
         </p:spPr>
         <p:txBody>
@@ -1870,8 +1870,8 @@
         </p:nvSpPr>
         <p:spPr>
           <a:xfrm>
-            <a:off x="4645025" y="2174875"/>
-            <a:ext cx="4041775" cy="3951288"/>
+            <a:off x="4645832" y="1941278"/>
+            <a:ext cx="4042477" cy="3526890"/>
           </a:xfrm>
         </p:spPr>
         <p:txBody>
@@ -1992,7 +1992,7 @@
           <a:p>
             <a:fld id="{B5CA565D-B2B5-478A-B2C3-113F166969BB}" type="datetimeFigureOut">
               <a:rPr kumimoji="1" lang="ja-JP" altLang="en-US" smtClean="0"/>
-              <a:t>2015/12/27</a:t>
+              <a:t>2016/4/17</a:t>
             </a:fld>
             <a:endParaRPr kumimoji="1" lang="ja-JP" altLang="en-US"/>
           </a:p>
@@ -2110,7 +2110,7 @@
           <a:p>
             <a:fld id="{B5CA565D-B2B5-478A-B2C3-113F166969BB}" type="datetimeFigureOut">
               <a:rPr kumimoji="1" lang="ja-JP" altLang="en-US" smtClean="0"/>
-              <a:t>2015/12/27</a:t>
+              <a:t>2016/4/17</a:t>
             </a:fld>
             <a:endParaRPr kumimoji="1" lang="ja-JP" altLang="en-US"/>
           </a:p>
@@ -2205,7 +2205,7 @@
           <a:p>
             <a:fld id="{B5CA565D-B2B5-478A-B2C3-113F166969BB}" type="datetimeFigureOut">
               <a:rPr kumimoji="1" lang="ja-JP" altLang="en-US" smtClean="0"/>
-              <a:t>2015/12/27</a:t>
+              <a:t>2016/4/17</a:t>
             </a:fld>
             <a:endParaRPr kumimoji="1" lang="ja-JP" altLang="en-US"/>
           </a:p>
@@ -2295,8 +2295,8 @@
         </p:nvSpPr>
         <p:spPr>
           <a:xfrm>
-            <a:off x="457200" y="273050"/>
-            <a:ext cx="3008313" cy="1162050"/>
+            <a:off x="457280" y="243723"/>
+            <a:ext cx="3008835" cy="1037237"/>
           </a:xfrm>
         </p:spPr>
         <p:txBody>
@@ -2327,8 +2327,8 @@
         </p:nvSpPr>
         <p:spPr>
           <a:xfrm>
-            <a:off x="3575050" y="273050"/>
-            <a:ext cx="5111750" cy="5853113"/>
+            <a:off x="3575671" y="243723"/>
+            <a:ext cx="5112638" cy="5224445"/>
           </a:xfrm>
         </p:spPr>
         <p:txBody>
@@ -2444,8 +2444,8 @@
         </p:nvSpPr>
         <p:spPr>
           <a:xfrm>
-            <a:off x="457200" y="1435100"/>
-            <a:ext cx="3008313" cy="4691063"/>
+            <a:off x="457280" y="1280960"/>
+            <a:ext cx="3008835" cy="4187208"/>
           </a:xfrm>
         </p:spPr>
         <p:txBody>
@@ -2514,7 +2514,7 @@
           <a:p>
             <a:fld id="{B5CA565D-B2B5-478A-B2C3-113F166969BB}" type="datetimeFigureOut">
               <a:rPr kumimoji="1" lang="ja-JP" altLang="en-US" smtClean="0"/>
-              <a:t>2015/12/27</a:t>
+              <a:t>2016/4/17</a:t>
             </a:fld>
             <a:endParaRPr kumimoji="1" lang="ja-JP" altLang="en-US"/>
           </a:p>
@@ -2604,8 +2604,8 @@
         </p:nvSpPr>
         <p:spPr>
           <a:xfrm>
-            <a:off x="1792288" y="4800600"/>
-            <a:ext cx="5486400" cy="566738"/>
+            <a:off x="1792599" y="4284980"/>
+            <a:ext cx="5487353" cy="505866"/>
           </a:xfrm>
         </p:spPr>
         <p:txBody>
@@ -2636,8 +2636,8 @@
         </p:nvSpPr>
         <p:spPr>
           <a:xfrm>
-            <a:off x="1792288" y="612775"/>
-            <a:ext cx="5486400" cy="4114800"/>
+            <a:off x="1792599" y="546958"/>
+            <a:ext cx="5487353" cy="3672840"/>
           </a:xfrm>
         </p:spPr>
         <p:txBody>
@@ -2697,8 +2697,8 @@
         </p:nvSpPr>
         <p:spPr>
           <a:xfrm>
-            <a:off x="1792288" y="5367338"/>
-            <a:ext cx="5486400" cy="804862"/>
+            <a:off x="1792599" y="4790846"/>
+            <a:ext cx="5487353" cy="718414"/>
           </a:xfrm>
         </p:spPr>
         <p:txBody>
@@ -2767,7 +2767,7 @@
           <a:p>
             <a:fld id="{B5CA565D-B2B5-478A-B2C3-113F166969BB}" type="datetimeFigureOut">
               <a:rPr kumimoji="1" lang="ja-JP" altLang="en-US" smtClean="0"/>
-              <a:t>2015/12/27</a:t>
+              <a:t>2016/4/17</a:t>
             </a:fld>
             <a:endParaRPr kumimoji="1" lang="ja-JP" altLang="en-US"/>
           </a:p>
@@ -2862,8 +2862,8 @@
         </p:nvSpPr>
         <p:spPr>
           <a:xfrm>
-            <a:off x="457200" y="274638"/>
-            <a:ext cx="8229600" cy="1143000"/>
+            <a:off x="457280" y="245140"/>
+            <a:ext cx="8231029" cy="1020233"/>
           </a:xfrm>
           <a:prstGeom prst="rect">
             <a:avLst/>
@@ -2895,8 +2895,8 @@
         </p:nvSpPr>
         <p:spPr>
           <a:xfrm>
-            <a:off x="457200" y="1600200"/>
-            <a:ext cx="8229600" cy="4525963"/>
+            <a:off x="457280" y="1428327"/>
+            <a:ext cx="8231029" cy="4039841"/>
           </a:xfrm>
           <a:prstGeom prst="rect">
             <a:avLst/>
@@ -2989,8 +2989,8 @@
         </p:nvSpPr>
         <p:spPr>
           <a:xfrm>
-            <a:off x="457200" y="6356350"/>
-            <a:ext cx="2133600" cy="365125"/>
+            <a:off x="457279" y="5673631"/>
+            <a:ext cx="2133971" cy="325908"/>
           </a:xfrm>
           <a:prstGeom prst="rect">
             <a:avLst/>
@@ -3012,7 +3012,7 @@
           <a:p>
             <a:fld id="{B5CA565D-B2B5-478A-B2C3-113F166969BB}" type="datetimeFigureOut">
               <a:rPr kumimoji="1" lang="ja-JP" altLang="en-US" smtClean="0"/>
-              <a:t>2015/12/27</a:t>
+              <a:t>2016/4/17</a:t>
             </a:fld>
             <a:endParaRPr kumimoji="1" lang="ja-JP" altLang="en-US"/>
           </a:p>
@@ -3030,8 +3030,8 @@
         </p:nvSpPr>
         <p:spPr>
           <a:xfrm>
-            <a:off x="3124200" y="6356350"/>
-            <a:ext cx="2895600" cy="365125"/>
+            <a:off x="3124743" y="5673631"/>
+            <a:ext cx="2896103" cy="325908"/>
           </a:xfrm>
           <a:prstGeom prst="rect">
             <a:avLst/>
@@ -3067,8 +3067,8 @@
         </p:nvSpPr>
         <p:spPr>
           <a:xfrm>
-            <a:off x="6553200" y="6356350"/>
-            <a:ext cx="2133600" cy="365125"/>
+            <a:off x="6554338" y="5673631"/>
+            <a:ext cx="2133971" cy="325908"/>
           </a:xfrm>
           <a:prstGeom prst="rect">
             <a:avLst/>
@@ -3389,7 +3389,7 @@
       </p:grpSpPr>
       <p:sp>
         <p:nvSpPr>
-          <p:cNvPr id="11" name="円/楕円 10"/>
+          <p:cNvPr id="12" name="円/楕円 11"/>
           <p:cNvSpPr/>
           <p:nvPr/>
         </p:nvSpPr>
@@ -3401,6 +3401,12 @@
           <a:prstGeom prst="ellipse">
             <a:avLst/>
           </a:prstGeom>
+          <a:solidFill>
+            <a:srgbClr val="FF0066"/>
+          </a:solidFill>
+          <a:ln>
+            <a:noFill/>
+          </a:ln>
         </p:spPr>
         <p:style>
           <a:lnRef idx="2">
@@ -3419,24 +3425,24 @@
           </a:fontRef>
         </p:style>
         <p:txBody>
-          <a:bodyPr rtlCol="0" anchor="ctr"/>
+          <a:bodyPr lIns="91429" tIns="45715" rIns="91429" bIns="45715" rtlCol="0" anchor="ctr"/>
           <a:lstStyle/>
           <a:p>
-            <a:pPr algn="ctr"/>
-            <a:r>
-              <a:rPr kumimoji="1" lang="en-US" altLang="ja-JP" dirty="0" smtClean="0"/>
+            <a:pPr algn="ctr" defTabSz="914295"/>
+            <a:r>
+              <a:rPr lang="en-US" altLang="ja-JP" dirty="0"/>
               <a:t>A</a:t>
             </a:r>
-            <a:endParaRPr kumimoji="1" lang="ja-JP" altLang="en-US" dirty="0"/>
+            <a:endParaRPr lang="ja-JP" altLang="en-US" dirty="0"/>
           </a:p>
         </p:txBody>
       </p:sp>
       <p:cxnSp>
         <p:nvCxnSpPr>
-          <p:cNvPr id="13" name="直線矢印コネクタ 12"/>
+          <p:cNvPr id="15" name="直線矢印コネクタ 14"/>
           <p:cNvCxnSpPr>
-            <a:stCxn id="14" idx="2"/>
-            <a:endCxn id="11" idx="6"/>
+            <a:stCxn id="17" idx="2"/>
+            <a:endCxn id="12" idx="6"/>
           </p:cNvCxnSpPr>
           <p:nvPr/>
         </p:nvCxnSpPr>
@@ -3448,11 +3454,11 @@
           <a:prstGeom prst="straightConnector1">
             <a:avLst/>
           </a:prstGeom>
-          <a:ln w="19050">
+          <a:ln w="31750">
             <a:solidFill>
               <a:schemeClr val="tx1"/>
             </a:solidFill>
-            <a:prstDash val="sysDash"/>
+            <a:prstDash val="sysDot"/>
             <a:tailEnd type="triangle" w="lg" len="med"/>
           </a:ln>
         </p:spPr>
@@ -3473,7 +3479,7 @@
       </p:cxnSp>
       <p:sp>
         <p:nvSpPr>
-          <p:cNvPr id="14" name="円/楕円 13"/>
+          <p:cNvPr id="17" name="円/楕円 16"/>
           <p:cNvSpPr/>
           <p:nvPr/>
         </p:nvSpPr>
@@ -3485,6 +3491,12 @@
           <a:prstGeom prst="ellipse">
             <a:avLst/>
           </a:prstGeom>
+          <a:solidFill>
+            <a:srgbClr val="FF0066"/>
+          </a:solidFill>
+          <a:ln>
+            <a:noFill/>
+          </a:ln>
         </p:spPr>
         <p:style>
           <a:lnRef idx="2">
@@ -3503,21 +3515,21 @@
           </a:fontRef>
         </p:style>
         <p:txBody>
-          <a:bodyPr rtlCol="0" anchor="ctr"/>
+          <a:bodyPr lIns="91429" tIns="45715" rIns="91429" bIns="45715" rtlCol="0" anchor="ctr"/>
           <a:lstStyle/>
           <a:p>
-            <a:pPr algn="ctr"/>
-            <a:r>
-              <a:rPr kumimoji="1" lang="en-US" altLang="ja-JP" dirty="0" smtClean="0"/>
+            <a:pPr algn="ctr" defTabSz="914295"/>
+            <a:r>
+              <a:rPr lang="en-US" altLang="ja-JP" dirty="0"/>
               <a:t>B</a:t>
             </a:r>
-            <a:endParaRPr kumimoji="1" lang="ja-JP" altLang="en-US" dirty="0"/>
-          </a:p>
-        </p:txBody>
-      </p:sp>
-      <p:sp>
-        <p:nvSpPr>
-          <p:cNvPr id="16" name="円/楕円 15"/>
+            <a:endParaRPr lang="ja-JP" altLang="en-US" dirty="0"/>
+          </a:p>
+        </p:txBody>
+      </p:sp>
+      <p:sp>
+        <p:nvSpPr>
+          <p:cNvPr id="21" name="円/楕円 20"/>
           <p:cNvSpPr/>
           <p:nvPr/>
         </p:nvSpPr>
@@ -3529,6 +3541,12 @@
           <a:prstGeom prst="ellipse">
             <a:avLst/>
           </a:prstGeom>
+          <a:solidFill>
+            <a:srgbClr val="FF0066"/>
+          </a:solidFill>
+          <a:ln>
+            <a:noFill/>
+          </a:ln>
         </p:spPr>
         <p:style>
           <a:lnRef idx="2">
@@ -3547,24 +3565,24 @@
           </a:fontRef>
         </p:style>
         <p:txBody>
-          <a:bodyPr rtlCol="0" anchor="ctr"/>
+          <a:bodyPr lIns="91429" tIns="45715" rIns="91429" bIns="45715" rtlCol="0" anchor="ctr"/>
           <a:lstStyle/>
           <a:p>
-            <a:pPr algn="ctr"/>
-            <a:r>
-              <a:rPr kumimoji="1" lang="en-US" altLang="ja-JP" dirty="0" smtClean="0"/>
+            <a:pPr algn="ctr" defTabSz="914295"/>
+            <a:r>
+              <a:rPr lang="en-US" altLang="ja-JP" dirty="0"/>
               <a:t>C</a:t>
             </a:r>
-            <a:endParaRPr kumimoji="1" lang="ja-JP" altLang="en-US" dirty="0"/>
+            <a:endParaRPr lang="ja-JP" altLang="en-US" dirty="0"/>
           </a:p>
         </p:txBody>
       </p:sp>
       <p:cxnSp>
         <p:nvCxnSpPr>
-          <p:cNvPr id="18" name="直線矢印コネクタ 17"/>
+          <p:cNvPr id="22" name="直線矢印コネクタ 21"/>
           <p:cNvCxnSpPr>
-            <a:stCxn id="16" idx="2"/>
-            <a:endCxn id="14" idx="6"/>
+            <a:stCxn id="21" idx="2"/>
+            <a:endCxn id="17" idx="6"/>
           </p:cNvCxnSpPr>
           <p:nvPr/>
         </p:nvCxnSpPr>
@@ -3576,11 +3594,11 @@
           <a:prstGeom prst="straightConnector1">
             <a:avLst/>
           </a:prstGeom>
-          <a:ln w="19050">
+          <a:ln w="31750">
             <a:solidFill>
               <a:schemeClr val="tx1"/>
             </a:solidFill>
-            <a:prstDash val="sysDash"/>
+            <a:prstDash val="sysDot"/>
             <a:tailEnd type="triangle" w="lg" len="med"/>
           </a:ln>
         </p:spPr>
@@ -3601,7 +3619,7 @@
       </p:cxnSp>
       <p:cxnSp>
         <p:nvCxnSpPr>
-          <p:cNvPr id="19" name="直線矢印コネクタ 18"/>
+          <p:cNvPr id="24" name="直線矢印コネクタ 23"/>
           <p:cNvCxnSpPr/>
           <p:nvPr/>
         </p:nvCxnSpPr>
@@ -3613,11 +3631,11 @@
           <a:prstGeom prst="straightConnector1">
             <a:avLst/>
           </a:prstGeom>
-          <a:ln w="19050">
+          <a:ln w="31750">
             <a:solidFill>
               <a:schemeClr val="tx1"/>
             </a:solidFill>
-            <a:prstDash val="sysDash"/>
+            <a:prstDash val="sysDot"/>
             <a:tailEnd type="triangle" w="lg" len="med"/>
           </a:ln>
         </p:spPr>
@@ -3638,7 +3656,7 @@
       </p:cxnSp>
       <p:sp>
         <p:nvSpPr>
-          <p:cNvPr id="20" name="正方形/長方形 19"/>
+          <p:cNvPr id="25" name="正方形/長方形 24"/>
           <p:cNvSpPr/>
           <p:nvPr/>
         </p:nvSpPr>
@@ -3651,6 +3669,7 @@
             <a:avLst/>
           </a:prstGeom>
           <a:ln>
+            <a:noFill/>
             <a:prstDash val="sysDash"/>
           </a:ln>
         </p:spPr>
@@ -3671,49 +3690,379 @@
           </a:fontRef>
         </p:style>
         <p:txBody>
-          <a:bodyPr rtlCol="0" anchor="ctr"/>
+          <a:bodyPr lIns="91429" tIns="45715" rIns="91429" bIns="45715" rtlCol="0" anchor="ctr"/>
           <a:lstStyle/>
           <a:p>
-            <a:pPr algn="ctr"/>
-            <a:r>
-              <a:rPr kumimoji="1" lang="en-US" altLang="ja-JP" dirty="0" smtClean="0"/>
+            <a:pPr algn="ctr" defTabSz="914295"/>
+            <a:r>
+              <a:rPr lang="en-US" altLang="ja-JP" dirty="0"/>
               <a:t>master</a:t>
             </a:r>
-            <a:endParaRPr kumimoji="1" lang="ja-JP" altLang="en-US" dirty="0"/>
-          </a:p>
-        </p:txBody>
-      </p:sp>
-      <p:sp>
-        <p:nvSpPr>
-          <p:cNvPr id="23" name="テキスト ボックス 22"/>
-          <p:cNvSpPr txBox="1"/>
+            <a:endParaRPr lang="ja-JP" altLang="en-US" dirty="0"/>
+          </a:p>
+        </p:txBody>
+      </p:sp>
+      <p:sp>
+        <p:nvSpPr>
+          <p:cNvPr id="26" name="角丸四角形吹き出し 70"/>
+          <p:cNvSpPr/>
           <p:nvPr/>
         </p:nvSpPr>
         <p:spPr>
           <a:xfrm>
-            <a:off x="267552" y="478413"/>
-            <a:ext cx="8624928" cy="369332"/>
-          </a:xfrm>
-          <a:prstGeom prst="rect">
+            <a:off x="203401" y="123901"/>
+            <a:ext cx="8737200" cy="1433282"/>
+          </a:xfrm>
+          <a:custGeom>
             <a:avLst/>
-          </a:prstGeom>
-          <a:noFill/>
-        </p:spPr>
-        <p:txBody>
-          <a:bodyPr wrap="square" rtlCol="0">
-            <a:spAutoFit/>
-          </a:bodyPr>
+            <a:gdLst>
+              <a:gd name="connsiteX0" fmla="*/ 0 w 8541658"/>
+              <a:gd name="connsiteY0" fmla="*/ 214817 h 1288876"/>
+              <a:gd name="connsiteX1" fmla="*/ 214817 w 8541658"/>
+              <a:gd name="connsiteY1" fmla="*/ 0 h 1288876"/>
+              <a:gd name="connsiteX2" fmla="*/ 1423610 w 8541658"/>
+              <a:gd name="connsiteY2" fmla="*/ 0 h 1288876"/>
+              <a:gd name="connsiteX3" fmla="*/ 1423610 w 8541658"/>
+              <a:gd name="connsiteY3" fmla="*/ 0 h 1288876"/>
+              <a:gd name="connsiteX4" fmla="*/ 3559024 w 8541658"/>
+              <a:gd name="connsiteY4" fmla="*/ 0 h 1288876"/>
+              <a:gd name="connsiteX5" fmla="*/ 8326841 w 8541658"/>
+              <a:gd name="connsiteY5" fmla="*/ 0 h 1288876"/>
+              <a:gd name="connsiteX6" fmla="*/ 8541658 w 8541658"/>
+              <a:gd name="connsiteY6" fmla="*/ 214817 h 1288876"/>
+              <a:gd name="connsiteX7" fmla="*/ 8541658 w 8541658"/>
+              <a:gd name="connsiteY7" fmla="*/ 751844 h 1288876"/>
+              <a:gd name="connsiteX8" fmla="*/ 8541658 w 8541658"/>
+              <a:gd name="connsiteY8" fmla="*/ 751844 h 1288876"/>
+              <a:gd name="connsiteX9" fmla="*/ 8541658 w 8541658"/>
+              <a:gd name="connsiteY9" fmla="*/ 1074063 h 1288876"/>
+              <a:gd name="connsiteX10" fmla="*/ 8541658 w 8541658"/>
+              <a:gd name="connsiteY10" fmla="*/ 1074059 h 1288876"/>
+              <a:gd name="connsiteX11" fmla="*/ 8326841 w 8541658"/>
+              <a:gd name="connsiteY11" fmla="*/ 1288876 h 1288876"/>
+              <a:gd name="connsiteX12" fmla="*/ 3559024 w 8541658"/>
+              <a:gd name="connsiteY12" fmla="*/ 1288876 h 1288876"/>
+              <a:gd name="connsiteX13" fmla="*/ 2230227 w 8541658"/>
+              <a:gd name="connsiteY13" fmla="*/ 1471381 h 1288876"/>
+              <a:gd name="connsiteX14" fmla="*/ 1423610 w 8541658"/>
+              <a:gd name="connsiteY14" fmla="*/ 1288876 h 1288876"/>
+              <a:gd name="connsiteX15" fmla="*/ 214817 w 8541658"/>
+              <a:gd name="connsiteY15" fmla="*/ 1288876 h 1288876"/>
+              <a:gd name="connsiteX16" fmla="*/ 0 w 8541658"/>
+              <a:gd name="connsiteY16" fmla="*/ 1074059 h 1288876"/>
+              <a:gd name="connsiteX17" fmla="*/ 0 w 8541658"/>
+              <a:gd name="connsiteY17" fmla="*/ 1074063 h 1288876"/>
+              <a:gd name="connsiteX18" fmla="*/ 0 w 8541658"/>
+              <a:gd name="connsiteY18" fmla="*/ 751844 h 1288876"/>
+              <a:gd name="connsiteX19" fmla="*/ 0 w 8541658"/>
+              <a:gd name="connsiteY19" fmla="*/ 751844 h 1288876"/>
+              <a:gd name="connsiteX20" fmla="*/ 0 w 8541658"/>
+              <a:gd name="connsiteY20" fmla="*/ 214817 h 1288876"/>
+              <a:gd name="connsiteX0" fmla="*/ 0 w 8541658"/>
+              <a:gd name="connsiteY0" fmla="*/ 214817 h 1471381"/>
+              <a:gd name="connsiteX1" fmla="*/ 214817 w 8541658"/>
+              <a:gd name="connsiteY1" fmla="*/ 0 h 1471381"/>
+              <a:gd name="connsiteX2" fmla="*/ 1423610 w 8541658"/>
+              <a:gd name="connsiteY2" fmla="*/ 0 h 1471381"/>
+              <a:gd name="connsiteX3" fmla="*/ 1423610 w 8541658"/>
+              <a:gd name="connsiteY3" fmla="*/ 0 h 1471381"/>
+              <a:gd name="connsiteX4" fmla="*/ 3559024 w 8541658"/>
+              <a:gd name="connsiteY4" fmla="*/ 0 h 1471381"/>
+              <a:gd name="connsiteX5" fmla="*/ 8326841 w 8541658"/>
+              <a:gd name="connsiteY5" fmla="*/ 0 h 1471381"/>
+              <a:gd name="connsiteX6" fmla="*/ 8541658 w 8541658"/>
+              <a:gd name="connsiteY6" fmla="*/ 214817 h 1471381"/>
+              <a:gd name="connsiteX7" fmla="*/ 8541658 w 8541658"/>
+              <a:gd name="connsiteY7" fmla="*/ 751844 h 1471381"/>
+              <a:gd name="connsiteX8" fmla="*/ 8541658 w 8541658"/>
+              <a:gd name="connsiteY8" fmla="*/ 751844 h 1471381"/>
+              <a:gd name="connsiteX9" fmla="*/ 8541658 w 8541658"/>
+              <a:gd name="connsiteY9" fmla="*/ 1074063 h 1471381"/>
+              <a:gd name="connsiteX10" fmla="*/ 8541658 w 8541658"/>
+              <a:gd name="connsiteY10" fmla="*/ 1074059 h 1471381"/>
+              <a:gd name="connsiteX11" fmla="*/ 8326841 w 8541658"/>
+              <a:gd name="connsiteY11" fmla="*/ 1288876 h 1471381"/>
+              <a:gd name="connsiteX12" fmla="*/ 1852144 w 8541658"/>
+              <a:gd name="connsiteY12" fmla="*/ 1288876 h 1471381"/>
+              <a:gd name="connsiteX13" fmla="*/ 2230227 w 8541658"/>
+              <a:gd name="connsiteY13" fmla="*/ 1471381 h 1471381"/>
+              <a:gd name="connsiteX14" fmla="*/ 1423610 w 8541658"/>
+              <a:gd name="connsiteY14" fmla="*/ 1288876 h 1471381"/>
+              <a:gd name="connsiteX15" fmla="*/ 214817 w 8541658"/>
+              <a:gd name="connsiteY15" fmla="*/ 1288876 h 1471381"/>
+              <a:gd name="connsiteX16" fmla="*/ 0 w 8541658"/>
+              <a:gd name="connsiteY16" fmla="*/ 1074059 h 1471381"/>
+              <a:gd name="connsiteX17" fmla="*/ 0 w 8541658"/>
+              <a:gd name="connsiteY17" fmla="*/ 1074063 h 1471381"/>
+              <a:gd name="connsiteX18" fmla="*/ 0 w 8541658"/>
+              <a:gd name="connsiteY18" fmla="*/ 751844 h 1471381"/>
+              <a:gd name="connsiteX19" fmla="*/ 0 w 8541658"/>
+              <a:gd name="connsiteY19" fmla="*/ 751844 h 1471381"/>
+              <a:gd name="connsiteX20" fmla="*/ 0 w 8541658"/>
+              <a:gd name="connsiteY20" fmla="*/ 214817 h 1471381"/>
+              <a:gd name="connsiteX0" fmla="*/ 0 w 8541658"/>
+              <a:gd name="connsiteY0" fmla="*/ 214817 h 1433281"/>
+              <a:gd name="connsiteX1" fmla="*/ 214817 w 8541658"/>
+              <a:gd name="connsiteY1" fmla="*/ 0 h 1433281"/>
+              <a:gd name="connsiteX2" fmla="*/ 1423610 w 8541658"/>
+              <a:gd name="connsiteY2" fmla="*/ 0 h 1433281"/>
+              <a:gd name="connsiteX3" fmla="*/ 1423610 w 8541658"/>
+              <a:gd name="connsiteY3" fmla="*/ 0 h 1433281"/>
+              <a:gd name="connsiteX4" fmla="*/ 3559024 w 8541658"/>
+              <a:gd name="connsiteY4" fmla="*/ 0 h 1433281"/>
+              <a:gd name="connsiteX5" fmla="*/ 8326841 w 8541658"/>
+              <a:gd name="connsiteY5" fmla="*/ 0 h 1433281"/>
+              <a:gd name="connsiteX6" fmla="*/ 8541658 w 8541658"/>
+              <a:gd name="connsiteY6" fmla="*/ 214817 h 1433281"/>
+              <a:gd name="connsiteX7" fmla="*/ 8541658 w 8541658"/>
+              <a:gd name="connsiteY7" fmla="*/ 751844 h 1433281"/>
+              <a:gd name="connsiteX8" fmla="*/ 8541658 w 8541658"/>
+              <a:gd name="connsiteY8" fmla="*/ 751844 h 1433281"/>
+              <a:gd name="connsiteX9" fmla="*/ 8541658 w 8541658"/>
+              <a:gd name="connsiteY9" fmla="*/ 1074063 h 1433281"/>
+              <a:gd name="connsiteX10" fmla="*/ 8541658 w 8541658"/>
+              <a:gd name="connsiteY10" fmla="*/ 1074059 h 1433281"/>
+              <a:gd name="connsiteX11" fmla="*/ 8326841 w 8541658"/>
+              <a:gd name="connsiteY11" fmla="*/ 1288876 h 1433281"/>
+              <a:gd name="connsiteX12" fmla="*/ 1852144 w 8541658"/>
+              <a:gd name="connsiteY12" fmla="*/ 1288876 h 1433281"/>
+              <a:gd name="connsiteX13" fmla="*/ 1864467 w 8541658"/>
+              <a:gd name="connsiteY13" fmla="*/ 1433281 h 1433281"/>
+              <a:gd name="connsiteX14" fmla="*/ 1423610 w 8541658"/>
+              <a:gd name="connsiteY14" fmla="*/ 1288876 h 1433281"/>
+              <a:gd name="connsiteX15" fmla="*/ 214817 w 8541658"/>
+              <a:gd name="connsiteY15" fmla="*/ 1288876 h 1433281"/>
+              <a:gd name="connsiteX16" fmla="*/ 0 w 8541658"/>
+              <a:gd name="connsiteY16" fmla="*/ 1074059 h 1433281"/>
+              <a:gd name="connsiteX17" fmla="*/ 0 w 8541658"/>
+              <a:gd name="connsiteY17" fmla="*/ 1074063 h 1433281"/>
+              <a:gd name="connsiteX18" fmla="*/ 0 w 8541658"/>
+              <a:gd name="connsiteY18" fmla="*/ 751844 h 1433281"/>
+              <a:gd name="connsiteX19" fmla="*/ 0 w 8541658"/>
+              <a:gd name="connsiteY19" fmla="*/ 751844 h 1433281"/>
+              <a:gd name="connsiteX20" fmla="*/ 0 w 8541658"/>
+              <a:gd name="connsiteY20" fmla="*/ 214817 h 1433281"/>
+            </a:gdLst>
+            <a:ahLst/>
+            <a:cxnLst>
+              <a:cxn ang="0">
+                <a:pos x="connsiteX0" y="connsiteY0"/>
+              </a:cxn>
+              <a:cxn ang="0">
+                <a:pos x="connsiteX1" y="connsiteY1"/>
+              </a:cxn>
+              <a:cxn ang="0">
+                <a:pos x="connsiteX2" y="connsiteY2"/>
+              </a:cxn>
+              <a:cxn ang="0">
+                <a:pos x="connsiteX3" y="connsiteY3"/>
+              </a:cxn>
+              <a:cxn ang="0">
+                <a:pos x="connsiteX4" y="connsiteY4"/>
+              </a:cxn>
+              <a:cxn ang="0">
+                <a:pos x="connsiteX5" y="connsiteY5"/>
+              </a:cxn>
+              <a:cxn ang="0">
+                <a:pos x="connsiteX6" y="connsiteY6"/>
+              </a:cxn>
+              <a:cxn ang="0">
+                <a:pos x="connsiteX7" y="connsiteY7"/>
+              </a:cxn>
+              <a:cxn ang="0">
+                <a:pos x="connsiteX8" y="connsiteY8"/>
+              </a:cxn>
+              <a:cxn ang="0">
+                <a:pos x="connsiteX9" y="connsiteY9"/>
+              </a:cxn>
+              <a:cxn ang="0">
+                <a:pos x="connsiteX10" y="connsiteY10"/>
+              </a:cxn>
+              <a:cxn ang="0">
+                <a:pos x="connsiteX11" y="connsiteY11"/>
+              </a:cxn>
+              <a:cxn ang="0">
+                <a:pos x="connsiteX12" y="connsiteY12"/>
+              </a:cxn>
+              <a:cxn ang="0">
+                <a:pos x="connsiteX13" y="connsiteY13"/>
+              </a:cxn>
+              <a:cxn ang="0">
+                <a:pos x="connsiteX14" y="connsiteY14"/>
+              </a:cxn>
+              <a:cxn ang="0">
+                <a:pos x="connsiteX15" y="connsiteY15"/>
+              </a:cxn>
+              <a:cxn ang="0">
+                <a:pos x="connsiteX16" y="connsiteY16"/>
+              </a:cxn>
+              <a:cxn ang="0">
+                <a:pos x="connsiteX17" y="connsiteY17"/>
+              </a:cxn>
+              <a:cxn ang="0">
+                <a:pos x="connsiteX18" y="connsiteY18"/>
+              </a:cxn>
+              <a:cxn ang="0">
+                <a:pos x="connsiteX19" y="connsiteY19"/>
+              </a:cxn>
+              <a:cxn ang="0">
+                <a:pos x="connsiteX20" y="connsiteY20"/>
+              </a:cxn>
+            </a:cxnLst>
+            <a:rect l="l" t="t" r="r" b="b"/>
+            <a:pathLst>
+              <a:path w="8541658" h="1433281">
+                <a:moveTo>
+                  <a:pt x="0" y="214817"/>
+                </a:moveTo>
+                <a:cubicBezTo>
+                  <a:pt x="0" y="96177"/>
+                  <a:pt x="96177" y="0"/>
+                  <a:pt x="214817" y="0"/>
+                </a:cubicBezTo>
+                <a:lnTo>
+                  <a:pt x="1423610" y="0"/>
+                </a:lnTo>
+                <a:lnTo>
+                  <a:pt x="1423610" y="0"/>
+                </a:lnTo>
+                <a:lnTo>
+                  <a:pt x="3559024" y="0"/>
+                </a:lnTo>
+                <a:lnTo>
+                  <a:pt x="8326841" y="0"/>
+                </a:lnTo>
+                <a:cubicBezTo>
+                  <a:pt x="8445481" y="0"/>
+                  <a:pt x="8541658" y="96177"/>
+                  <a:pt x="8541658" y="214817"/>
+                </a:cubicBezTo>
+                <a:lnTo>
+                  <a:pt x="8541658" y="751844"/>
+                </a:lnTo>
+                <a:lnTo>
+                  <a:pt x="8541658" y="751844"/>
+                </a:lnTo>
+                <a:lnTo>
+                  <a:pt x="8541658" y="1074063"/>
+                </a:lnTo>
+                <a:lnTo>
+                  <a:pt x="8541658" y="1074059"/>
+                </a:lnTo>
+                <a:cubicBezTo>
+                  <a:pt x="8541658" y="1192699"/>
+                  <a:pt x="8445481" y="1288876"/>
+                  <a:pt x="8326841" y="1288876"/>
+                </a:cubicBezTo>
+                <a:lnTo>
+                  <a:pt x="1852144" y="1288876"/>
+                </a:lnTo>
+                <a:lnTo>
+                  <a:pt x="1864467" y="1433281"/>
+                </a:lnTo>
+                <a:lnTo>
+                  <a:pt x="1423610" y="1288876"/>
+                </a:lnTo>
+                <a:lnTo>
+                  <a:pt x="214817" y="1288876"/>
+                </a:lnTo>
+                <a:cubicBezTo>
+                  <a:pt x="96177" y="1288876"/>
+                  <a:pt x="0" y="1192699"/>
+                  <a:pt x="0" y="1074059"/>
+                </a:cubicBezTo>
+                <a:lnTo>
+                  <a:pt x="0" y="1074063"/>
+                </a:lnTo>
+                <a:lnTo>
+                  <a:pt x="0" y="751844"/>
+                </a:lnTo>
+                <a:lnTo>
+                  <a:pt x="0" y="751844"/>
+                </a:lnTo>
+                <a:lnTo>
+                  <a:pt x="0" y="214817"/>
+                </a:lnTo>
+                <a:close/>
+              </a:path>
+            </a:pathLst>
+          </a:custGeom>
+          <a:solidFill>
+            <a:srgbClr val="03C924"/>
+          </a:solidFill>
+          <a:ln>
+            <a:noFill/>
+          </a:ln>
+        </p:spPr>
+        <p:style>
+          <a:lnRef idx="2">
+            <a:schemeClr val="accent1">
+              <a:shade val="50000"/>
+            </a:schemeClr>
+          </a:lnRef>
+          <a:fillRef idx="1">
+            <a:schemeClr val="accent1"/>
+          </a:fillRef>
+          <a:effectRef idx="0">
+            <a:schemeClr val="accent1"/>
+          </a:effectRef>
+          <a:fontRef idx="minor">
+            <a:schemeClr val="lt1"/>
+          </a:fontRef>
+        </p:style>
+        <p:txBody>
+          <a:bodyPr lIns="143983" tIns="143983" rIns="143983" bIns="0" rtlCol="0" anchor="ctr"/>
           <a:lstStyle/>
           <a:p>
             <a:r>
-              <a:rPr kumimoji="1" lang="ja-JP" altLang="en-US" dirty="0" smtClean="0"/>
-              <a:t>初期状態</a:t>
-            </a:r>
-            <a:r>
-              <a:rPr kumimoji="1" lang="ja-JP" altLang="en-US" dirty="0" smtClean="0"/>
-              <a:t>。</a:t>
-            </a:r>
-            <a:endParaRPr kumimoji="1" lang="ja-JP" altLang="en-US" dirty="0"/>
+              <a:rPr lang="ja-JP" altLang="en-US" b="1" dirty="0" smtClean="0">
+                <a:ea typeface="ＭＳ ゴシック" panose="020B0609070205080204" pitchFamily="49" charset="-128"/>
+              </a:rPr>
+              <a:t>初期状態。</a:t>
+            </a:r>
+            <a:endParaRPr lang="en-US" altLang="ja-JP" b="1" dirty="0" smtClean="0">
+              <a:ea typeface="ＭＳ ゴシック" panose="020B0609070205080204" pitchFamily="49" charset="-128"/>
+            </a:endParaRPr>
+          </a:p>
+          <a:p>
+            <a:r>
+              <a:rPr lang="en-US" altLang="ja-JP" b="1" dirty="0">
+                <a:ea typeface="ＭＳ ゴシック" panose="020B0609070205080204" pitchFamily="49" charset="-128"/>
+              </a:rPr>
+              <a:t>m</a:t>
+            </a:r>
+            <a:r>
+              <a:rPr lang="en-US" altLang="ja-JP" b="1" dirty="0" smtClean="0">
+                <a:ea typeface="ＭＳ ゴシック" panose="020B0609070205080204" pitchFamily="49" charset="-128"/>
+              </a:rPr>
+              <a:t>aster</a:t>
+            </a:r>
+            <a:r>
+              <a:rPr lang="ja-JP" altLang="en-US" b="1" dirty="0" smtClean="0">
+                <a:ea typeface="ＭＳ ゴシック" panose="020B0609070205080204" pitchFamily="49" charset="-128"/>
+              </a:rPr>
+              <a:t>ブランチが最新コミットを指していて、</a:t>
+            </a:r>
+            <a:endParaRPr lang="en-US" altLang="ja-JP" b="1" dirty="0" smtClean="0">
+              <a:ea typeface="ＭＳ ゴシック" panose="020B0609070205080204" pitchFamily="49" charset="-128"/>
+            </a:endParaRPr>
+          </a:p>
+          <a:p>
+            <a:r>
+              <a:rPr lang="ja-JP" altLang="en-US" b="1" dirty="0" smtClean="0">
+                <a:ea typeface="ＭＳ ゴシック" panose="020B0609070205080204" pitchFamily="49" charset="-128"/>
+              </a:rPr>
+              <a:t>タグはまだない。</a:t>
+            </a:r>
+            <a:endParaRPr lang="en-US" altLang="ja-JP" b="1" dirty="0" smtClean="0">
+              <a:ea typeface="ＭＳ ゴシック" panose="020B0609070205080204" pitchFamily="49" charset="-128"/>
+            </a:endParaRPr>
+          </a:p>
+          <a:p>
+            <a:endParaRPr lang="ja-JP" altLang="en-US" b="1" dirty="0">
+              <a:latin typeface="ＭＳ ゴシック" panose="020B0609070205080204" pitchFamily="49" charset="-128"/>
+              <a:ea typeface="ＭＳ ゴシック" panose="020B0609070205080204" pitchFamily="49" charset="-128"/>
+            </a:endParaRPr>
           </a:p>
         </p:txBody>
       </p:sp>
@@ -3749,7 +4098,7 @@
       </p:grpSpPr>
       <p:sp>
         <p:nvSpPr>
-          <p:cNvPr id="11" name="円/楕円 10"/>
+          <p:cNvPr id="15" name="円/楕円 14"/>
           <p:cNvSpPr/>
           <p:nvPr/>
         </p:nvSpPr>
@@ -3761,6 +4110,12 @@
           <a:prstGeom prst="ellipse">
             <a:avLst/>
           </a:prstGeom>
+          <a:solidFill>
+            <a:srgbClr val="FF0066"/>
+          </a:solidFill>
+          <a:ln>
+            <a:noFill/>
+          </a:ln>
         </p:spPr>
         <p:style>
           <a:lnRef idx="2">
@@ -3779,24 +4134,24 @@
           </a:fontRef>
         </p:style>
         <p:txBody>
-          <a:bodyPr rtlCol="0" anchor="ctr"/>
+          <a:bodyPr lIns="91429" tIns="45715" rIns="91429" bIns="45715" rtlCol="0" anchor="ctr"/>
           <a:lstStyle/>
           <a:p>
-            <a:pPr algn="ctr"/>
-            <a:r>
-              <a:rPr kumimoji="1" lang="en-US" altLang="ja-JP" dirty="0" smtClean="0"/>
+            <a:pPr algn="ctr" defTabSz="914295"/>
+            <a:r>
+              <a:rPr lang="en-US" altLang="ja-JP" dirty="0"/>
               <a:t>A</a:t>
             </a:r>
-            <a:endParaRPr kumimoji="1" lang="ja-JP" altLang="en-US" dirty="0"/>
+            <a:endParaRPr lang="ja-JP" altLang="en-US" dirty="0"/>
           </a:p>
         </p:txBody>
       </p:sp>
       <p:cxnSp>
         <p:nvCxnSpPr>
-          <p:cNvPr id="13" name="直線矢印コネクタ 12"/>
+          <p:cNvPr id="21" name="直線矢印コネクタ 20"/>
           <p:cNvCxnSpPr>
-            <a:stCxn id="14" idx="2"/>
-            <a:endCxn id="11" idx="6"/>
+            <a:stCxn id="22" idx="2"/>
+            <a:endCxn id="15" idx="6"/>
           </p:cNvCxnSpPr>
           <p:nvPr/>
         </p:nvCxnSpPr>
@@ -3808,11 +4163,11 @@
           <a:prstGeom prst="straightConnector1">
             <a:avLst/>
           </a:prstGeom>
-          <a:ln w="19050">
+          <a:ln w="31750">
             <a:solidFill>
               <a:schemeClr val="tx1"/>
             </a:solidFill>
-            <a:prstDash val="sysDash"/>
+            <a:prstDash val="sysDot"/>
             <a:tailEnd type="triangle" w="lg" len="med"/>
           </a:ln>
         </p:spPr>
@@ -3833,7 +4188,7 @@
       </p:cxnSp>
       <p:sp>
         <p:nvSpPr>
-          <p:cNvPr id="14" name="円/楕円 13"/>
+          <p:cNvPr id="22" name="円/楕円 21"/>
           <p:cNvSpPr/>
           <p:nvPr/>
         </p:nvSpPr>
@@ -3845,6 +4200,12 @@
           <a:prstGeom prst="ellipse">
             <a:avLst/>
           </a:prstGeom>
+          <a:solidFill>
+            <a:srgbClr val="FF0066"/>
+          </a:solidFill>
+          <a:ln>
+            <a:noFill/>
+          </a:ln>
         </p:spPr>
         <p:style>
           <a:lnRef idx="2">
@@ -3863,21 +4224,21 @@
           </a:fontRef>
         </p:style>
         <p:txBody>
-          <a:bodyPr rtlCol="0" anchor="ctr"/>
+          <a:bodyPr lIns="91429" tIns="45715" rIns="91429" bIns="45715" rtlCol="0" anchor="ctr"/>
           <a:lstStyle/>
           <a:p>
-            <a:pPr algn="ctr"/>
-            <a:r>
-              <a:rPr kumimoji="1" lang="en-US" altLang="ja-JP" dirty="0" smtClean="0"/>
+            <a:pPr algn="ctr" defTabSz="914295"/>
+            <a:r>
+              <a:rPr lang="en-US" altLang="ja-JP" dirty="0"/>
               <a:t>B</a:t>
             </a:r>
-            <a:endParaRPr kumimoji="1" lang="ja-JP" altLang="en-US" dirty="0"/>
-          </a:p>
-        </p:txBody>
-      </p:sp>
-      <p:sp>
-        <p:nvSpPr>
-          <p:cNvPr id="16" name="円/楕円 15"/>
+            <a:endParaRPr lang="ja-JP" altLang="en-US" dirty="0"/>
+          </a:p>
+        </p:txBody>
+      </p:sp>
+      <p:sp>
+        <p:nvSpPr>
+          <p:cNvPr id="24" name="円/楕円 23"/>
           <p:cNvSpPr/>
           <p:nvPr/>
         </p:nvSpPr>
@@ -3889,6 +4250,12 @@
           <a:prstGeom prst="ellipse">
             <a:avLst/>
           </a:prstGeom>
+          <a:solidFill>
+            <a:srgbClr val="FF0066"/>
+          </a:solidFill>
+          <a:ln>
+            <a:noFill/>
+          </a:ln>
         </p:spPr>
         <p:style>
           <a:lnRef idx="2">
@@ -3907,24 +4274,24 @@
           </a:fontRef>
         </p:style>
         <p:txBody>
-          <a:bodyPr rtlCol="0" anchor="ctr"/>
+          <a:bodyPr lIns="91429" tIns="45715" rIns="91429" bIns="45715" rtlCol="0" anchor="ctr"/>
           <a:lstStyle/>
           <a:p>
-            <a:pPr algn="ctr"/>
-            <a:r>
-              <a:rPr kumimoji="1" lang="en-US" altLang="ja-JP" dirty="0" smtClean="0"/>
+            <a:pPr algn="ctr" defTabSz="914295"/>
+            <a:r>
+              <a:rPr lang="en-US" altLang="ja-JP" dirty="0"/>
               <a:t>C</a:t>
             </a:r>
-            <a:endParaRPr kumimoji="1" lang="ja-JP" altLang="en-US" dirty="0"/>
+            <a:endParaRPr lang="ja-JP" altLang="en-US" dirty="0"/>
           </a:p>
         </p:txBody>
       </p:sp>
       <p:cxnSp>
         <p:nvCxnSpPr>
-          <p:cNvPr id="18" name="直線矢印コネクタ 17"/>
+          <p:cNvPr id="25" name="直線矢印コネクタ 24"/>
           <p:cNvCxnSpPr>
-            <a:stCxn id="16" idx="2"/>
-            <a:endCxn id="14" idx="6"/>
+            <a:stCxn id="24" idx="2"/>
+            <a:endCxn id="22" idx="6"/>
           </p:cNvCxnSpPr>
           <p:nvPr/>
         </p:nvCxnSpPr>
@@ -3936,11 +4303,11 @@
           <a:prstGeom prst="straightConnector1">
             <a:avLst/>
           </a:prstGeom>
-          <a:ln w="19050">
+          <a:ln w="31750">
             <a:solidFill>
               <a:schemeClr val="tx1"/>
             </a:solidFill>
-            <a:prstDash val="sysDash"/>
+            <a:prstDash val="sysDot"/>
             <a:tailEnd type="triangle" w="lg" len="med"/>
           </a:ln>
         </p:spPr>
@@ -3961,7 +4328,7 @@
       </p:cxnSp>
       <p:cxnSp>
         <p:nvCxnSpPr>
-          <p:cNvPr id="19" name="直線矢印コネクタ 18"/>
+          <p:cNvPr id="26" name="直線矢印コネクタ 25"/>
           <p:cNvCxnSpPr/>
           <p:nvPr/>
         </p:nvCxnSpPr>
@@ -3973,11 +4340,11 @@
           <a:prstGeom prst="straightConnector1">
             <a:avLst/>
           </a:prstGeom>
-          <a:ln w="19050">
+          <a:ln w="31750">
             <a:solidFill>
               <a:schemeClr val="tx1"/>
             </a:solidFill>
-            <a:prstDash val="sysDash"/>
+            <a:prstDash val="sysDot"/>
             <a:tailEnd type="triangle" w="lg" len="med"/>
           </a:ln>
         </p:spPr>
@@ -3998,7 +4365,7 @@
       </p:cxnSp>
       <p:sp>
         <p:nvSpPr>
-          <p:cNvPr id="20" name="正方形/長方形 19"/>
+          <p:cNvPr id="27" name="正方形/長方形 26"/>
           <p:cNvSpPr/>
           <p:nvPr/>
         </p:nvSpPr>
@@ -4011,6 +4378,7 @@
             <a:avLst/>
           </a:prstGeom>
           <a:ln>
+            <a:noFill/>
             <a:prstDash val="sysDash"/>
           </a:ln>
         </p:spPr>
@@ -4031,69 +4399,23 @@
           </a:fontRef>
         </p:style>
         <p:txBody>
-          <a:bodyPr rtlCol="0" anchor="ctr"/>
+          <a:bodyPr lIns="91429" tIns="45715" rIns="91429" bIns="45715" rtlCol="0" anchor="ctr"/>
           <a:lstStyle/>
           <a:p>
-            <a:pPr algn="ctr"/>
-            <a:r>
-              <a:rPr kumimoji="1" lang="en-US" altLang="ja-JP" dirty="0" smtClean="0"/>
+            <a:pPr algn="ctr" defTabSz="914295"/>
+            <a:r>
+              <a:rPr lang="en-US" altLang="ja-JP" dirty="0"/>
               <a:t>master</a:t>
             </a:r>
-            <a:endParaRPr kumimoji="1" lang="ja-JP" altLang="en-US" dirty="0"/>
-          </a:p>
-        </p:txBody>
-      </p:sp>
-      <p:sp>
-        <p:nvSpPr>
-          <p:cNvPr id="23" name="テキスト ボックス 22"/>
-          <p:cNvSpPr txBox="1"/>
-          <p:nvPr/>
-        </p:nvSpPr>
-        <p:spPr>
-          <a:xfrm>
-            <a:off x="267552" y="478413"/>
-            <a:ext cx="8624928" cy="369332"/>
-          </a:xfrm>
-          <a:prstGeom prst="rect">
-            <a:avLst/>
-          </a:prstGeom>
-          <a:noFill/>
-        </p:spPr>
-        <p:txBody>
-          <a:bodyPr wrap="square" rtlCol="0">
-            <a:spAutoFit/>
-          </a:bodyPr>
-          <a:lstStyle/>
-          <a:p>
-            <a:r>
-              <a:rPr lang="en-US" altLang="ja-JP" dirty="0"/>
-              <a:t>m</a:t>
-            </a:r>
-            <a:r>
-              <a:rPr lang="en-US" altLang="ja-JP" dirty="0" smtClean="0"/>
-              <a:t>aster</a:t>
-            </a:r>
-            <a:r>
-              <a:rPr lang="ja-JP" altLang="en-US" dirty="0" smtClean="0"/>
-              <a:t>ブランチが指すコミットに軽量タグ</a:t>
-            </a:r>
-            <a:r>
-              <a:rPr lang="en-US" altLang="ja-JP" dirty="0" smtClean="0"/>
-              <a:t>v1.0</a:t>
-            </a:r>
-            <a:r>
-              <a:rPr lang="ja-JP" altLang="en-US" dirty="0" smtClean="0"/>
-              <a:t>を付けた。</a:t>
-            </a:r>
-            <a:endParaRPr kumimoji="1" lang="ja-JP" altLang="en-US" dirty="0"/>
+            <a:endParaRPr lang="ja-JP" altLang="en-US" dirty="0"/>
           </a:p>
         </p:txBody>
       </p:sp>
       <p:cxnSp>
         <p:nvCxnSpPr>
-          <p:cNvPr id="10" name="直線矢印コネクタ 9"/>
+          <p:cNvPr id="28" name="直線矢印コネクタ 27"/>
           <p:cNvCxnSpPr>
-            <a:endCxn id="16" idx="4"/>
+            <a:endCxn id="24" idx="4"/>
           </p:cNvCxnSpPr>
           <p:nvPr/>
         </p:nvCxnSpPr>
@@ -4105,11 +4427,11 @@
           <a:prstGeom prst="straightConnector1">
             <a:avLst/>
           </a:prstGeom>
-          <a:ln w="19050">
+          <a:ln w="31750">
             <a:solidFill>
               <a:schemeClr val="tx1"/>
             </a:solidFill>
-            <a:prstDash val="sysDash"/>
+            <a:prstDash val="sysDot"/>
             <a:tailEnd type="triangle" w="lg" len="med"/>
           </a:ln>
         </p:spPr>
@@ -4130,7 +4452,7 @@
       </p:cxnSp>
       <p:sp>
         <p:nvSpPr>
-          <p:cNvPr id="17" name="正方形/長方形 16"/>
+          <p:cNvPr id="29" name="正方形/長方形 28"/>
           <p:cNvSpPr/>
           <p:nvPr/>
         </p:nvSpPr>
@@ -4143,6 +4465,7 @@
             <a:avLst/>
           </a:prstGeom>
           <a:ln>
+            <a:noFill/>
             <a:prstDash val="sysDash"/>
           </a:ln>
         </p:spPr>
@@ -4163,19 +4486,368 @@
           </a:fontRef>
         </p:style>
         <p:txBody>
-          <a:bodyPr rtlCol="0" anchor="ctr"/>
+          <a:bodyPr lIns="91429" tIns="45715" rIns="91429" bIns="45715" rtlCol="0" anchor="ctr"/>
           <a:lstStyle/>
           <a:p>
-            <a:pPr algn="ctr"/>
+            <a:pPr algn="ctr" defTabSz="914295"/>
             <a:r>
               <a:rPr lang="en-US" altLang="ja-JP" dirty="0"/>
-              <a:t>v</a:t>
-            </a:r>
-            <a:r>
-              <a:rPr kumimoji="1" lang="en-US" altLang="ja-JP" dirty="0" smtClean="0"/>
-              <a:t>1.0</a:t>
-            </a:r>
-            <a:endParaRPr kumimoji="1" lang="ja-JP" altLang="en-US" dirty="0"/>
+              <a:t>v1.0</a:t>
+            </a:r>
+            <a:endParaRPr lang="ja-JP" altLang="en-US" dirty="0"/>
+          </a:p>
+        </p:txBody>
+      </p:sp>
+      <p:sp>
+        <p:nvSpPr>
+          <p:cNvPr id="30" name="角丸四角形吹き出し 70"/>
+          <p:cNvSpPr/>
+          <p:nvPr/>
+        </p:nvSpPr>
+        <p:spPr>
+          <a:xfrm>
+            <a:off x="203401" y="123901"/>
+            <a:ext cx="8737200" cy="1433282"/>
+          </a:xfrm>
+          <a:custGeom>
+            <a:avLst/>
+            <a:gdLst>
+              <a:gd name="connsiteX0" fmla="*/ 0 w 8541658"/>
+              <a:gd name="connsiteY0" fmla="*/ 214817 h 1288876"/>
+              <a:gd name="connsiteX1" fmla="*/ 214817 w 8541658"/>
+              <a:gd name="connsiteY1" fmla="*/ 0 h 1288876"/>
+              <a:gd name="connsiteX2" fmla="*/ 1423610 w 8541658"/>
+              <a:gd name="connsiteY2" fmla="*/ 0 h 1288876"/>
+              <a:gd name="connsiteX3" fmla="*/ 1423610 w 8541658"/>
+              <a:gd name="connsiteY3" fmla="*/ 0 h 1288876"/>
+              <a:gd name="connsiteX4" fmla="*/ 3559024 w 8541658"/>
+              <a:gd name="connsiteY4" fmla="*/ 0 h 1288876"/>
+              <a:gd name="connsiteX5" fmla="*/ 8326841 w 8541658"/>
+              <a:gd name="connsiteY5" fmla="*/ 0 h 1288876"/>
+              <a:gd name="connsiteX6" fmla="*/ 8541658 w 8541658"/>
+              <a:gd name="connsiteY6" fmla="*/ 214817 h 1288876"/>
+              <a:gd name="connsiteX7" fmla="*/ 8541658 w 8541658"/>
+              <a:gd name="connsiteY7" fmla="*/ 751844 h 1288876"/>
+              <a:gd name="connsiteX8" fmla="*/ 8541658 w 8541658"/>
+              <a:gd name="connsiteY8" fmla="*/ 751844 h 1288876"/>
+              <a:gd name="connsiteX9" fmla="*/ 8541658 w 8541658"/>
+              <a:gd name="connsiteY9" fmla="*/ 1074063 h 1288876"/>
+              <a:gd name="connsiteX10" fmla="*/ 8541658 w 8541658"/>
+              <a:gd name="connsiteY10" fmla="*/ 1074059 h 1288876"/>
+              <a:gd name="connsiteX11" fmla="*/ 8326841 w 8541658"/>
+              <a:gd name="connsiteY11" fmla="*/ 1288876 h 1288876"/>
+              <a:gd name="connsiteX12" fmla="*/ 3559024 w 8541658"/>
+              <a:gd name="connsiteY12" fmla="*/ 1288876 h 1288876"/>
+              <a:gd name="connsiteX13" fmla="*/ 2230227 w 8541658"/>
+              <a:gd name="connsiteY13" fmla="*/ 1471381 h 1288876"/>
+              <a:gd name="connsiteX14" fmla="*/ 1423610 w 8541658"/>
+              <a:gd name="connsiteY14" fmla="*/ 1288876 h 1288876"/>
+              <a:gd name="connsiteX15" fmla="*/ 214817 w 8541658"/>
+              <a:gd name="connsiteY15" fmla="*/ 1288876 h 1288876"/>
+              <a:gd name="connsiteX16" fmla="*/ 0 w 8541658"/>
+              <a:gd name="connsiteY16" fmla="*/ 1074059 h 1288876"/>
+              <a:gd name="connsiteX17" fmla="*/ 0 w 8541658"/>
+              <a:gd name="connsiteY17" fmla="*/ 1074063 h 1288876"/>
+              <a:gd name="connsiteX18" fmla="*/ 0 w 8541658"/>
+              <a:gd name="connsiteY18" fmla="*/ 751844 h 1288876"/>
+              <a:gd name="connsiteX19" fmla="*/ 0 w 8541658"/>
+              <a:gd name="connsiteY19" fmla="*/ 751844 h 1288876"/>
+              <a:gd name="connsiteX20" fmla="*/ 0 w 8541658"/>
+              <a:gd name="connsiteY20" fmla="*/ 214817 h 1288876"/>
+              <a:gd name="connsiteX0" fmla="*/ 0 w 8541658"/>
+              <a:gd name="connsiteY0" fmla="*/ 214817 h 1471381"/>
+              <a:gd name="connsiteX1" fmla="*/ 214817 w 8541658"/>
+              <a:gd name="connsiteY1" fmla="*/ 0 h 1471381"/>
+              <a:gd name="connsiteX2" fmla="*/ 1423610 w 8541658"/>
+              <a:gd name="connsiteY2" fmla="*/ 0 h 1471381"/>
+              <a:gd name="connsiteX3" fmla="*/ 1423610 w 8541658"/>
+              <a:gd name="connsiteY3" fmla="*/ 0 h 1471381"/>
+              <a:gd name="connsiteX4" fmla="*/ 3559024 w 8541658"/>
+              <a:gd name="connsiteY4" fmla="*/ 0 h 1471381"/>
+              <a:gd name="connsiteX5" fmla="*/ 8326841 w 8541658"/>
+              <a:gd name="connsiteY5" fmla="*/ 0 h 1471381"/>
+              <a:gd name="connsiteX6" fmla="*/ 8541658 w 8541658"/>
+              <a:gd name="connsiteY6" fmla="*/ 214817 h 1471381"/>
+              <a:gd name="connsiteX7" fmla="*/ 8541658 w 8541658"/>
+              <a:gd name="connsiteY7" fmla="*/ 751844 h 1471381"/>
+              <a:gd name="connsiteX8" fmla="*/ 8541658 w 8541658"/>
+              <a:gd name="connsiteY8" fmla="*/ 751844 h 1471381"/>
+              <a:gd name="connsiteX9" fmla="*/ 8541658 w 8541658"/>
+              <a:gd name="connsiteY9" fmla="*/ 1074063 h 1471381"/>
+              <a:gd name="connsiteX10" fmla="*/ 8541658 w 8541658"/>
+              <a:gd name="connsiteY10" fmla="*/ 1074059 h 1471381"/>
+              <a:gd name="connsiteX11" fmla="*/ 8326841 w 8541658"/>
+              <a:gd name="connsiteY11" fmla="*/ 1288876 h 1471381"/>
+              <a:gd name="connsiteX12" fmla="*/ 1852144 w 8541658"/>
+              <a:gd name="connsiteY12" fmla="*/ 1288876 h 1471381"/>
+              <a:gd name="connsiteX13" fmla="*/ 2230227 w 8541658"/>
+              <a:gd name="connsiteY13" fmla="*/ 1471381 h 1471381"/>
+              <a:gd name="connsiteX14" fmla="*/ 1423610 w 8541658"/>
+              <a:gd name="connsiteY14" fmla="*/ 1288876 h 1471381"/>
+              <a:gd name="connsiteX15" fmla="*/ 214817 w 8541658"/>
+              <a:gd name="connsiteY15" fmla="*/ 1288876 h 1471381"/>
+              <a:gd name="connsiteX16" fmla="*/ 0 w 8541658"/>
+              <a:gd name="connsiteY16" fmla="*/ 1074059 h 1471381"/>
+              <a:gd name="connsiteX17" fmla="*/ 0 w 8541658"/>
+              <a:gd name="connsiteY17" fmla="*/ 1074063 h 1471381"/>
+              <a:gd name="connsiteX18" fmla="*/ 0 w 8541658"/>
+              <a:gd name="connsiteY18" fmla="*/ 751844 h 1471381"/>
+              <a:gd name="connsiteX19" fmla="*/ 0 w 8541658"/>
+              <a:gd name="connsiteY19" fmla="*/ 751844 h 1471381"/>
+              <a:gd name="connsiteX20" fmla="*/ 0 w 8541658"/>
+              <a:gd name="connsiteY20" fmla="*/ 214817 h 1471381"/>
+              <a:gd name="connsiteX0" fmla="*/ 0 w 8541658"/>
+              <a:gd name="connsiteY0" fmla="*/ 214817 h 1433281"/>
+              <a:gd name="connsiteX1" fmla="*/ 214817 w 8541658"/>
+              <a:gd name="connsiteY1" fmla="*/ 0 h 1433281"/>
+              <a:gd name="connsiteX2" fmla="*/ 1423610 w 8541658"/>
+              <a:gd name="connsiteY2" fmla="*/ 0 h 1433281"/>
+              <a:gd name="connsiteX3" fmla="*/ 1423610 w 8541658"/>
+              <a:gd name="connsiteY3" fmla="*/ 0 h 1433281"/>
+              <a:gd name="connsiteX4" fmla="*/ 3559024 w 8541658"/>
+              <a:gd name="connsiteY4" fmla="*/ 0 h 1433281"/>
+              <a:gd name="connsiteX5" fmla="*/ 8326841 w 8541658"/>
+              <a:gd name="connsiteY5" fmla="*/ 0 h 1433281"/>
+              <a:gd name="connsiteX6" fmla="*/ 8541658 w 8541658"/>
+              <a:gd name="connsiteY6" fmla="*/ 214817 h 1433281"/>
+              <a:gd name="connsiteX7" fmla="*/ 8541658 w 8541658"/>
+              <a:gd name="connsiteY7" fmla="*/ 751844 h 1433281"/>
+              <a:gd name="connsiteX8" fmla="*/ 8541658 w 8541658"/>
+              <a:gd name="connsiteY8" fmla="*/ 751844 h 1433281"/>
+              <a:gd name="connsiteX9" fmla="*/ 8541658 w 8541658"/>
+              <a:gd name="connsiteY9" fmla="*/ 1074063 h 1433281"/>
+              <a:gd name="connsiteX10" fmla="*/ 8541658 w 8541658"/>
+              <a:gd name="connsiteY10" fmla="*/ 1074059 h 1433281"/>
+              <a:gd name="connsiteX11" fmla="*/ 8326841 w 8541658"/>
+              <a:gd name="connsiteY11" fmla="*/ 1288876 h 1433281"/>
+              <a:gd name="connsiteX12" fmla="*/ 1852144 w 8541658"/>
+              <a:gd name="connsiteY12" fmla="*/ 1288876 h 1433281"/>
+              <a:gd name="connsiteX13" fmla="*/ 1864467 w 8541658"/>
+              <a:gd name="connsiteY13" fmla="*/ 1433281 h 1433281"/>
+              <a:gd name="connsiteX14" fmla="*/ 1423610 w 8541658"/>
+              <a:gd name="connsiteY14" fmla="*/ 1288876 h 1433281"/>
+              <a:gd name="connsiteX15" fmla="*/ 214817 w 8541658"/>
+              <a:gd name="connsiteY15" fmla="*/ 1288876 h 1433281"/>
+              <a:gd name="connsiteX16" fmla="*/ 0 w 8541658"/>
+              <a:gd name="connsiteY16" fmla="*/ 1074059 h 1433281"/>
+              <a:gd name="connsiteX17" fmla="*/ 0 w 8541658"/>
+              <a:gd name="connsiteY17" fmla="*/ 1074063 h 1433281"/>
+              <a:gd name="connsiteX18" fmla="*/ 0 w 8541658"/>
+              <a:gd name="connsiteY18" fmla="*/ 751844 h 1433281"/>
+              <a:gd name="connsiteX19" fmla="*/ 0 w 8541658"/>
+              <a:gd name="connsiteY19" fmla="*/ 751844 h 1433281"/>
+              <a:gd name="connsiteX20" fmla="*/ 0 w 8541658"/>
+              <a:gd name="connsiteY20" fmla="*/ 214817 h 1433281"/>
+            </a:gdLst>
+            <a:ahLst/>
+            <a:cxnLst>
+              <a:cxn ang="0">
+                <a:pos x="connsiteX0" y="connsiteY0"/>
+              </a:cxn>
+              <a:cxn ang="0">
+                <a:pos x="connsiteX1" y="connsiteY1"/>
+              </a:cxn>
+              <a:cxn ang="0">
+                <a:pos x="connsiteX2" y="connsiteY2"/>
+              </a:cxn>
+              <a:cxn ang="0">
+                <a:pos x="connsiteX3" y="connsiteY3"/>
+              </a:cxn>
+              <a:cxn ang="0">
+                <a:pos x="connsiteX4" y="connsiteY4"/>
+              </a:cxn>
+              <a:cxn ang="0">
+                <a:pos x="connsiteX5" y="connsiteY5"/>
+              </a:cxn>
+              <a:cxn ang="0">
+                <a:pos x="connsiteX6" y="connsiteY6"/>
+              </a:cxn>
+              <a:cxn ang="0">
+                <a:pos x="connsiteX7" y="connsiteY7"/>
+              </a:cxn>
+              <a:cxn ang="0">
+                <a:pos x="connsiteX8" y="connsiteY8"/>
+              </a:cxn>
+              <a:cxn ang="0">
+                <a:pos x="connsiteX9" y="connsiteY9"/>
+              </a:cxn>
+              <a:cxn ang="0">
+                <a:pos x="connsiteX10" y="connsiteY10"/>
+              </a:cxn>
+              <a:cxn ang="0">
+                <a:pos x="connsiteX11" y="connsiteY11"/>
+              </a:cxn>
+              <a:cxn ang="0">
+                <a:pos x="connsiteX12" y="connsiteY12"/>
+              </a:cxn>
+              <a:cxn ang="0">
+                <a:pos x="connsiteX13" y="connsiteY13"/>
+              </a:cxn>
+              <a:cxn ang="0">
+                <a:pos x="connsiteX14" y="connsiteY14"/>
+              </a:cxn>
+              <a:cxn ang="0">
+                <a:pos x="connsiteX15" y="connsiteY15"/>
+              </a:cxn>
+              <a:cxn ang="0">
+                <a:pos x="connsiteX16" y="connsiteY16"/>
+              </a:cxn>
+              <a:cxn ang="0">
+                <a:pos x="connsiteX17" y="connsiteY17"/>
+              </a:cxn>
+              <a:cxn ang="0">
+                <a:pos x="connsiteX18" y="connsiteY18"/>
+              </a:cxn>
+              <a:cxn ang="0">
+                <a:pos x="connsiteX19" y="connsiteY19"/>
+              </a:cxn>
+              <a:cxn ang="0">
+                <a:pos x="connsiteX20" y="connsiteY20"/>
+              </a:cxn>
+            </a:cxnLst>
+            <a:rect l="l" t="t" r="r" b="b"/>
+            <a:pathLst>
+              <a:path w="8541658" h="1433281">
+                <a:moveTo>
+                  <a:pt x="0" y="214817"/>
+                </a:moveTo>
+                <a:cubicBezTo>
+                  <a:pt x="0" y="96177"/>
+                  <a:pt x="96177" y="0"/>
+                  <a:pt x="214817" y="0"/>
+                </a:cubicBezTo>
+                <a:lnTo>
+                  <a:pt x="1423610" y="0"/>
+                </a:lnTo>
+                <a:lnTo>
+                  <a:pt x="1423610" y="0"/>
+                </a:lnTo>
+                <a:lnTo>
+                  <a:pt x="3559024" y="0"/>
+                </a:lnTo>
+                <a:lnTo>
+                  <a:pt x="8326841" y="0"/>
+                </a:lnTo>
+                <a:cubicBezTo>
+                  <a:pt x="8445481" y="0"/>
+                  <a:pt x="8541658" y="96177"/>
+                  <a:pt x="8541658" y="214817"/>
+                </a:cubicBezTo>
+                <a:lnTo>
+                  <a:pt x="8541658" y="751844"/>
+                </a:lnTo>
+                <a:lnTo>
+                  <a:pt x="8541658" y="751844"/>
+                </a:lnTo>
+                <a:lnTo>
+                  <a:pt x="8541658" y="1074063"/>
+                </a:lnTo>
+                <a:lnTo>
+                  <a:pt x="8541658" y="1074059"/>
+                </a:lnTo>
+                <a:cubicBezTo>
+                  <a:pt x="8541658" y="1192699"/>
+                  <a:pt x="8445481" y="1288876"/>
+                  <a:pt x="8326841" y="1288876"/>
+                </a:cubicBezTo>
+                <a:lnTo>
+                  <a:pt x="1852144" y="1288876"/>
+                </a:lnTo>
+                <a:lnTo>
+                  <a:pt x="1864467" y="1433281"/>
+                </a:lnTo>
+                <a:lnTo>
+                  <a:pt x="1423610" y="1288876"/>
+                </a:lnTo>
+                <a:lnTo>
+                  <a:pt x="214817" y="1288876"/>
+                </a:lnTo>
+                <a:cubicBezTo>
+                  <a:pt x="96177" y="1288876"/>
+                  <a:pt x="0" y="1192699"/>
+                  <a:pt x="0" y="1074059"/>
+                </a:cubicBezTo>
+                <a:lnTo>
+                  <a:pt x="0" y="1074063"/>
+                </a:lnTo>
+                <a:lnTo>
+                  <a:pt x="0" y="751844"/>
+                </a:lnTo>
+                <a:lnTo>
+                  <a:pt x="0" y="751844"/>
+                </a:lnTo>
+                <a:lnTo>
+                  <a:pt x="0" y="214817"/>
+                </a:lnTo>
+                <a:close/>
+              </a:path>
+            </a:pathLst>
+          </a:custGeom>
+          <a:solidFill>
+            <a:srgbClr val="03C924"/>
+          </a:solidFill>
+          <a:ln>
+            <a:noFill/>
+          </a:ln>
+        </p:spPr>
+        <p:style>
+          <a:lnRef idx="2">
+            <a:schemeClr val="accent1">
+              <a:shade val="50000"/>
+            </a:schemeClr>
+          </a:lnRef>
+          <a:fillRef idx="1">
+            <a:schemeClr val="accent1"/>
+          </a:fillRef>
+          <a:effectRef idx="0">
+            <a:schemeClr val="accent1"/>
+          </a:effectRef>
+          <a:fontRef idx="minor">
+            <a:schemeClr val="lt1"/>
+          </a:fontRef>
+        </p:style>
+        <p:txBody>
+          <a:bodyPr lIns="143983" tIns="143983" rIns="143983" bIns="0" rtlCol="0" anchor="ctr"/>
+          <a:lstStyle/>
+          <a:p>
+            <a:r>
+              <a:rPr lang="en-US" altLang="ja-JP" b="1" dirty="0">
+                <a:ea typeface="ＭＳ ゴシック" panose="020B0609070205080204" pitchFamily="49" charset="-128"/>
+              </a:rPr>
+              <a:t>master</a:t>
+            </a:r>
+            <a:r>
+              <a:rPr lang="ja-JP" altLang="en-US" b="1" dirty="0">
+                <a:ea typeface="ＭＳ ゴシック" panose="020B0609070205080204" pitchFamily="49" charset="-128"/>
+              </a:rPr>
+              <a:t>ブランチが指すコミットに軽量</a:t>
+            </a:r>
+            <a:r>
+              <a:rPr lang="ja-JP" altLang="en-US" b="1" dirty="0" smtClean="0">
+                <a:ea typeface="ＭＳ ゴシック" panose="020B0609070205080204" pitchFamily="49" charset="-128"/>
+              </a:rPr>
+              <a:t>タグ「</a:t>
+            </a:r>
+            <a:r>
+              <a:rPr lang="en-US" altLang="ja-JP" b="1" dirty="0" smtClean="0">
+                <a:ea typeface="ＭＳ ゴシック" panose="020B0609070205080204" pitchFamily="49" charset="-128"/>
+              </a:rPr>
+              <a:t>v1.0</a:t>
+            </a:r>
+            <a:r>
+              <a:rPr lang="ja-JP" altLang="en-US" b="1" dirty="0" smtClean="0">
+                <a:ea typeface="ＭＳ ゴシック" panose="020B0609070205080204" pitchFamily="49" charset="-128"/>
+              </a:rPr>
+              <a:t>」を付けた。</a:t>
+            </a:r>
+            <a:endParaRPr lang="en-US" altLang="ja-JP" b="1" dirty="0" smtClean="0">
+              <a:ea typeface="ＭＳ ゴシック" panose="020B0609070205080204" pitchFamily="49" charset="-128"/>
+            </a:endParaRPr>
+          </a:p>
+          <a:p>
+            <a:endParaRPr lang="ja-JP" altLang="en-US" b="1" dirty="0">
+              <a:ea typeface="ＭＳ ゴシック" panose="020B0609070205080204" pitchFamily="49" charset="-128"/>
+            </a:endParaRPr>
           </a:p>
         </p:txBody>
       </p:sp>
@@ -4211,7 +4883,7 @@
       </p:grpSpPr>
       <p:sp>
         <p:nvSpPr>
-          <p:cNvPr id="14" name="円/楕円 13"/>
+          <p:cNvPr id="25" name="円/楕円 24"/>
           <p:cNvSpPr/>
           <p:nvPr/>
         </p:nvSpPr>
@@ -4223,6 +4895,12 @@
           <a:prstGeom prst="ellipse">
             <a:avLst/>
           </a:prstGeom>
+          <a:solidFill>
+            <a:srgbClr val="FF0066"/>
+          </a:solidFill>
+          <a:ln>
+            <a:noFill/>
+          </a:ln>
         </p:spPr>
         <p:style>
           <a:lnRef idx="2">
@@ -4241,24 +4919,24 @@
           </a:fontRef>
         </p:style>
         <p:txBody>
-          <a:bodyPr rtlCol="0" anchor="ctr"/>
+          <a:bodyPr lIns="91429" tIns="45715" rIns="91429" bIns="45715" rtlCol="0" anchor="ctr"/>
           <a:lstStyle/>
           <a:p>
-            <a:pPr algn="ctr"/>
-            <a:r>
-              <a:rPr kumimoji="1" lang="en-US" altLang="ja-JP" dirty="0" smtClean="0"/>
+            <a:pPr algn="ctr" defTabSz="914295"/>
+            <a:r>
+              <a:rPr lang="en-US" altLang="ja-JP" dirty="0"/>
               <a:t>A</a:t>
             </a:r>
-            <a:endParaRPr kumimoji="1" lang="ja-JP" altLang="en-US" dirty="0"/>
+            <a:endParaRPr lang="ja-JP" altLang="en-US" dirty="0"/>
           </a:p>
         </p:txBody>
       </p:sp>
       <p:cxnSp>
         <p:nvCxnSpPr>
-          <p:cNvPr id="16" name="直線矢印コネクタ 15"/>
+          <p:cNvPr id="26" name="直線矢印コネクタ 25"/>
           <p:cNvCxnSpPr>
-            <a:stCxn id="18" idx="2"/>
-            <a:endCxn id="14" idx="6"/>
+            <a:stCxn id="28" idx="2"/>
+            <a:endCxn id="25" idx="6"/>
           </p:cNvCxnSpPr>
           <p:nvPr/>
         </p:nvCxnSpPr>
@@ -4270,11 +4948,11 @@
           <a:prstGeom prst="straightConnector1">
             <a:avLst/>
           </a:prstGeom>
-          <a:ln w="19050">
+          <a:ln w="31750">
             <a:solidFill>
               <a:schemeClr val="tx1"/>
             </a:solidFill>
-            <a:prstDash val="sysDash"/>
+            <a:prstDash val="sysDot"/>
             <a:tailEnd type="triangle" w="lg" len="med"/>
           </a:ln>
         </p:spPr>
@@ -4295,7 +4973,7 @@
       </p:cxnSp>
       <p:sp>
         <p:nvSpPr>
-          <p:cNvPr id="18" name="円/楕円 17"/>
+          <p:cNvPr id="28" name="円/楕円 27"/>
           <p:cNvSpPr/>
           <p:nvPr/>
         </p:nvSpPr>
@@ -4307,6 +4985,12 @@
           <a:prstGeom prst="ellipse">
             <a:avLst/>
           </a:prstGeom>
+          <a:solidFill>
+            <a:srgbClr val="FF0066"/>
+          </a:solidFill>
+          <a:ln>
+            <a:noFill/>
+          </a:ln>
         </p:spPr>
         <p:style>
           <a:lnRef idx="2">
@@ -4325,21 +5009,21 @@
           </a:fontRef>
         </p:style>
         <p:txBody>
-          <a:bodyPr rtlCol="0" anchor="ctr"/>
+          <a:bodyPr lIns="91429" tIns="45715" rIns="91429" bIns="45715" rtlCol="0" anchor="ctr"/>
           <a:lstStyle/>
           <a:p>
-            <a:pPr algn="ctr"/>
-            <a:r>
-              <a:rPr kumimoji="1" lang="en-US" altLang="ja-JP" dirty="0" smtClean="0"/>
+            <a:pPr algn="ctr" defTabSz="914295"/>
+            <a:r>
+              <a:rPr lang="en-US" altLang="ja-JP" dirty="0"/>
               <a:t>B</a:t>
             </a:r>
-            <a:endParaRPr kumimoji="1" lang="ja-JP" altLang="en-US" dirty="0"/>
-          </a:p>
-        </p:txBody>
-      </p:sp>
-      <p:sp>
-        <p:nvSpPr>
-          <p:cNvPr id="19" name="円/楕円 18"/>
+            <a:endParaRPr lang="ja-JP" altLang="en-US" dirty="0"/>
+          </a:p>
+        </p:txBody>
+      </p:sp>
+      <p:sp>
+        <p:nvSpPr>
+          <p:cNvPr id="29" name="円/楕円 28"/>
           <p:cNvSpPr/>
           <p:nvPr/>
         </p:nvSpPr>
@@ -4351,6 +5035,12 @@
           <a:prstGeom prst="ellipse">
             <a:avLst/>
           </a:prstGeom>
+          <a:solidFill>
+            <a:srgbClr val="FF0066"/>
+          </a:solidFill>
+          <a:ln>
+            <a:noFill/>
+          </a:ln>
         </p:spPr>
         <p:style>
           <a:lnRef idx="2">
@@ -4369,24 +5059,24 @@
           </a:fontRef>
         </p:style>
         <p:txBody>
-          <a:bodyPr rtlCol="0" anchor="ctr"/>
+          <a:bodyPr lIns="91429" tIns="45715" rIns="91429" bIns="45715" rtlCol="0" anchor="ctr"/>
           <a:lstStyle/>
           <a:p>
-            <a:pPr algn="ctr"/>
-            <a:r>
-              <a:rPr kumimoji="1" lang="en-US" altLang="ja-JP" dirty="0" smtClean="0"/>
+            <a:pPr algn="ctr" defTabSz="914295"/>
+            <a:r>
+              <a:rPr lang="en-US" altLang="ja-JP" dirty="0"/>
               <a:t>C</a:t>
             </a:r>
-            <a:endParaRPr kumimoji="1" lang="ja-JP" altLang="en-US" dirty="0"/>
+            <a:endParaRPr lang="ja-JP" altLang="en-US" dirty="0"/>
           </a:p>
         </p:txBody>
       </p:sp>
       <p:cxnSp>
         <p:nvCxnSpPr>
-          <p:cNvPr id="20" name="直線矢印コネクタ 19"/>
+          <p:cNvPr id="30" name="直線矢印コネクタ 29"/>
           <p:cNvCxnSpPr>
-            <a:stCxn id="19" idx="2"/>
-            <a:endCxn id="18" idx="6"/>
+            <a:stCxn id="29" idx="2"/>
+            <a:endCxn id="28" idx="6"/>
           </p:cNvCxnSpPr>
           <p:nvPr/>
         </p:nvCxnSpPr>
@@ -4398,11 +5088,11 @@
           <a:prstGeom prst="straightConnector1">
             <a:avLst/>
           </a:prstGeom>
-          <a:ln w="19050">
+          <a:ln w="31750">
             <a:solidFill>
               <a:schemeClr val="tx1"/>
             </a:solidFill>
-            <a:prstDash val="sysDash"/>
+            <a:prstDash val="sysDot"/>
             <a:tailEnd type="triangle" w="lg" len="med"/>
           </a:ln>
         </p:spPr>
@@ -4423,7 +5113,7 @@
       </p:cxnSp>
       <p:cxnSp>
         <p:nvCxnSpPr>
-          <p:cNvPr id="21" name="直線矢印コネクタ 20"/>
+          <p:cNvPr id="31" name="直線矢印コネクタ 30"/>
           <p:cNvCxnSpPr/>
           <p:nvPr/>
         </p:nvCxnSpPr>
@@ -4435,11 +5125,11 @@
           <a:prstGeom prst="straightConnector1">
             <a:avLst/>
           </a:prstGeom>
-          <a:ln w="19050">
+          <a:ln w="31750">
             <a:solidFill>
               <a:schemeClr val="tx1"/>
             </a:solidFill>
-            <a:prstDash val="sysDash"/>
+            <a:prstDash val="sysDot"/>
             <a:tailEnd type="triangle" w="lg" len="med"/>
           </a:ln>
         </p:spPr>
@@ -4460,7 +5150,7 @@
       </p:cxnSp>
       <p:sp>
         <p:nvSpPr>
-          <p:cNvPr id="22" name="正方形/長方形 21"/>
+          <p:cNvPr id="32" name="正方形/長方形 31"/>
           <p:cNvSpPr/>
           <p:nvPr/>
         </p:nvSpPr>
@@ -4473,6 +5163,7 @@
             <a:avLst/>
           </a:prstGeom>
           <a:ln>
+            <a:noFill/>
             <a:prstDash val="sysDash"/>
           </a:ln>
         </p:spPr>
@@ -4493,21 +5184,21 @@
           </a:fontRef>
         </p:style>
         <p:txBody>
-          <a:bodyPr rtlCol="0" anchor="ctr"/>
+          <a:bodyPr lIns="91429" tIns="45715" rIns="91429" bIns="45715" rtlCol="0" anchor="ctr"/>
           <a:lstStyle/>
           <a:p>
-            <a:pPr algn="ctr"/>
-            <a:r>
-              <a:rPr kumimoji="1" lang="en-US" altLang="ja-JP" dirty="0" smtClean="0"/>
+            <a:pPr algn="ctr" defTabSz="914295"/>
+            <a:r>
+              <a:rPr lang="en-US" altLang="ja-JP" dirty="0"/>
               <a:t>master</a:t>
             </a:r>
-            <a:endParaRPr kumimoji="1" lang="ja-JP" altLang="en-US" dirty="0"/>
-          </a:p>
-        </p:txBody>
-      </p:sp>
-      <p:sp>
-        <p:nvSpPr>
-          <p:cNvPr id="23" name="円/楕円 22"/>
+            <a:endParaRPr lang="ja-JP" altLang="en-US" dirty="0"/>
+          </a:p>
+        </p:txBody>
+      </p:sp>
+      <p:sp>
+        <p:nvSpPr>
+          <p:cNvPr id="33" name="円/楕円 32"/>
           <p:cNvSpPr/>
           <p:nvPr/>
         </p:nvSpPr>
@@ -4519,6 +5210,12 @@
           <a:prstGeom prst="ellipse">
             <a:avLst/>
           </a:prstGeom>
+          <a:solidFill>
+            <a:srgbClr val="FF0066"/>
+          </a:solidFill>
+          <a:ln>
+            <a:noFill/>
+          </a:ln>
         </p:spPr>
         <p:style>
           <a:lnRef idx="2">
@@ -4537,24 +5234,24 @@
           </a:fontRef>
         </p:style>
         <p:txBody>
-          <a:bodyPr rtlCol="0" anchor="ctr"/>
+          <a:bodyPr lIns="91429" tIns="45715" rIns="91429" bIns="45715" rtlCol="0" anchor="ctr"/>
           <a:lstStyle/>
           <a:p>
-            <a:pPr algn="ctr"/>
-            <a:r>
-              <a:rPr kumimoji="1" lang="en-US" altLang="ja-JP" dirty="0" smtClean="0"/>
+            <a:pPr algn="ctr" defTabSz="914295"/>
+            <a:r>
+              <a:rPr lang="en-US" altLang="ja-JP" dirty="0"/>
               <a:t>D</a:t>
             </a:r>
-            <a:endParaRPr kumimoji="1" lang="ja-JP" altLang="en-US" dirty="0"/>
+            <a:endParaRPr lang="ja-JP" altLang="en-US" dirty="0"/>
           </a:p>
         </p:txBody>
       </p:sp>
       <p:cxnSp>
         <p:nvCxnSpPr>
-          <p:cNvPr id="24" name="直線矢印コネクタ 23"/>
+          <p:cNvPr id="34" name="直線矢印コネクタ 33"/>
           <p:cNvCxnSpPr>
-            <a:stCxn id="23" idx="2"/>
-            <a:endCxn id="19" idx="6"/>
+            <a:stCxn id="33" idx="2"/>
+            <a:endCxn id="29" idx="6"/>
           </p:cNvCxnSpPr>
           <p:nvPr/>
         </p:nvCxnSpPr>
@@ -4566,11 +5263,11 @@
           <a:prstGeom prst="straightConnector1">
             <a:avLst/>
           </a:prstGeom>
-          <a:ln w="19050">
+          <a:ln w="31750">
             <a:solidFill>
               <a:schemeClr val="tx1"/>
             </a:solidFill>
-            <a:prstDash val="sysDash"/>
+            <a:prstDash val="sysDot"/>
             <a:tailEnd type="triangle" w="lg" len="med"/>
           </a:ln>
         </p:spPr>
@@ -4589,82 +5286,9 @@
           </a:fontRef>
         </p:style>
       </p:cxnSp>
-      <p:sp>
-        <p:nvSpPr>
-          <p:cNvPr id="27" name="テキスト ボックス 26"/>
-          <p:cNvSpPr txBox="1"/>
-          <p:nvPr/>
-        </p:nvSpPr>
-        <p:spPr>
-          <a:xfrm>
-            <a:off x="267552" y="478413"/>
-            <a:ext cx="8624928" cy="646331"/>
-          </a:xfrm>
-          <a:prstGeom prst="rect">
-            <a:avLst/>
-          </a:prstGeom>
-          <a:noFill/>
-        </p:spPr>
-        <p:txBody>
-          <a:bodyPr wrap="square" rtlCol="0">
-            <a:spAutoFit/>
-          </a:bodyPr>
-          <a:lstStyle/>
-          <a:p>
-            <a:r>
-              <a:rPr kumimoji="1" lang="ja-JP" altLang="en-US" dirty="0" smtClean="0"/>
-              <a:t>一つコミットを追加した。</a:t>
-            </a:r>
-            <a:endParaRPr kumimoji="1" lang="en-US" altLang="ja-JP" dirty="0" smtClean="0"/>
-          </a:p>
-          <a:p>
-            <a:r>
-              <a:rPr lang="en-US" altLang="ja-JP" dirty="0" smtClean="0"/>
-              <a:t>m</a:t>
-            </a:r>
-            <a:r>
-              <a:rPr kumimoji="1" lang="en-US" altLang="ja-JP" dirty="0" smtClean="0"/>
-              <a:t>aster</a:t>
-            </a:r>
-            <a:r>
-              <a:rPr kumimoji="1" lang="ja-JP" altLang="en-US" dirty="0" smtClean="0"/>
-              <a:t>ブランチは最新のコミットを指すよう更新</a:t>
-            </a:r>
-            <a:r>
-              <a:rPr kumimoji="1" lang="ja-JP" altLang="en-US" dirty="0" smtClean="0"/>
-              <a:t>される</a:t>
-            </a:r>
-            <a:r>
-              <a:rPr lang="ja-JP" altLang="en-US" dirty="0"/>
-              <a:t>が</a:t>
-            </a:r>
-            <a:r>
-              <a:rPr lang="ja-JP" altLang="en-US" dirty="0" smtClean="0"/>
-              <a:t>、タグ</a:t>
-            </a:r>
-            <a:r>
-              <a:rPr lang="en-US" altLang="ja-JP" dirty="0" smtClean="0"/>
-              <a:t>v1.0</a:t>
-            </a:r>
-            <a:r>
-              <a:rPr lang="ja-JP" altLang="en-US" dirty="0" smtClean="0"/>
-              <a:t>は</a:t>
-            </a:r>
-            <a:r>
-              <a:rPr lang="en-US" altLang="ja-JP" dirty="0" smtClean="0"/>
-              <a:t>C</a:t>
-            </a:r>
-            <a:r>
-              <a:rPr lang="ja-JP" altLang="en-US" dirty="0" smtClean="0"/>
-              <a:t>を指し続ける。</a:t>
-            </a:r>
-            <a:endParaRPr kumimoji="1" lang="ja-JP" altLang="en-US" dirty="0"/>
-          </a:p>
-        </p:txBody>
-      </p:sp>
       <p:cxnSp>
         <p:nvCxnSpPr>
-          <p:cNvPr id="12" name="直線矢印コネクタ 11"/>
+          <p:cNvPr id="35" name="直線矢印コネクタ 34"/>
           <p:cNvCxnSpPr/>
           <p:nvPr/>
         </p:nvCxnSpPr>
@@ -4676,11 +5300,11 @@
           <a:prstGeom prst="straightConnector1">
             <a:avLst/>
           </a:prstGeom>
-          <a:ln w="19050">
+          <a:ln w="31750">
             <a:solidFill>
               <a:schemeClr val="tx1"/>
             </a:solidFill>
-            <a:prstDash val="sysDash"/>
+            <a:prstDash val="sysDot"/>
             <a:tailEnd type="triangle" w="lg" len="med"/>
           </a:ln>
         </p:spPr>
@@ -4701,7 +5325,7 @@
       </p:cxnSp>
       <p:sp>
         <p:nvSpPr>
-          <p:cNvPr id="15" name="正方形/長方形 14"/>
+          <p:cNvPr id="36" name="正方形/長方形 35"/>
           <p:cNvSpPr/>
           <p:nvPr/>
         </p:nvSpPr>
@@ -4714,6 +5338,7 @@
             <a:avLst/>
           </a:prstGeom>
           <a:ln>
+            <a:noFill/>
             <a:prstDash val="sysDash"/>
           </a:ln>
         </p:spPr>
@@ -4734,19 +5359,426 @@
           </a:fontRef>
         </p:style>
         <p:txBody>
-          <a:bodyPr rtlCol="0" anchor="ctr"/>
+          <a:bodyPr lIns="91429" tIns="45715" rIns="91429" bIns="45715" rtlCol="0" anchor="ctr"/>
           <a:lstStyle/>
           <a:p>
-            <a:pPr algn="ctr"/>
+            <a:pPr algn="ctr" defTabSz="914295"/>
             <a:r>
               <a:rPr lang="en-US" altLang="ja-JP" dirty="0"/>
-              <a:t>v</a:t>
-            </a:r>
-            <a:r>
-              <a:rPr kumimoji="1" lang="en-US" altLang="ja-JP" dirty="0" smtClean="0"/>
-              <a:t>1.0</a:t>
-            </a:r>
-            <a:endParaRPr kumimoji="1" lang="ja-JP" altLang="en-US" dirty="0"/>
+              <a:t>v1.0</a:t>
+            </a:r>
+            <a:endParaRPr lang="ja-JP" altLang="en-US" dirty="0"/>
+          </a:p>
+        </p:txBody>
+      </p:sp>
+      <p:sp>
+        <p:nvSpPr>
+          <p:cNvPr id="37" name="角丸四角形吹き出し 70"/>
+          <p:cNvSpPr/>
+          <p:nvPr/>
+        </p:nvSpPr>
+        <p:spPr>
+          <a:xfrm>
+            <a:off x="203401" y="123901"/>
+            <a:ext cx="8737200" cy="1433282"/>
+          </a:xfrm>
+          <a:custGeom>
+            <a:avLst/>
+            <a:gdLst>
+              <a:gd name="connsiteX0" fmla="*/ 0 w 8541658"/>
+              <a:gd name="connsiteY0" fmla="*/ 214817 h 1288876"/>
+              <a:gd name="connsiteX1" fmla="*/ 214817 w 8541658"/>
+              <a:gd name="connsiteY1" fmla="*/ 0 h 1288876"/>
+              <a:gd name="connsiteX2" fmla="*/ 1423610 w 8541658"/>
+              <a:gd name="connsiteY2" fmla="*/ 0 h 1288876"/>
+              <a:gd name="connsiteX3" fmla="*/ 1423610 w 8541658"/>
+              <a:gd name="connsiteY3" fmla="*/ 0 h 1288876"/>
+              <a:gd name="connsiteX4" fmla="*/ 3559024 w 8541658"/>
+              <a:gd name="connsiteY4" fmla="*/ 0 h 1288876"/>
+              <a:gd name="connsiteX5" fmla="*/ 8326841 w 8541658"/>
+              <a:gd name="connsiteY5" fmla="*/ 0 h 1288876"/>
+              <a:gd name="connsiteX6" fmla="*/ 8541658 w 8541658"/>
+              <a:gd name="connsiteY6" fmla="*/ 214817 h 1288876"/>
+              <a:gd name="connsiteX7" fmla="*/ 8541658 w 8541658"/>
+              <a:gd name="connsiteY7" fmla="*/ 751844 h 1288876"/>
+              <a:gd name="connsiteX8" fmla="*/ 8541658 w 8541658"/>
+              <a:gd name="connsiteY8" fmla="*/ 751844 h 1288876"/>
+              <a:gd name="connsiteX9" fmla="*/ 8541658 w 8541658"/>
+              <a:gd name="connsiteY9" fmla="*/ 1074063 h 1288876"/>
+              <a:gd name="connsiteX10" fmla="*/ 8541658 w 8541658"/>
+              <a:gd name="connsiteY10" fmla="*/ 1074059 h 1288876"/>
+              <a:gd name="connsiteX11" fmla="*/ 8326841 w 8541658"/>
+              <a:gd name="connsiteY11" fmla="*/ 1288876 h 1288876"/>
+              <a:gd name="connsiteX12" fmla="*/ 3559024 w 8541658"/>
+              <a:gd name="connsiteY12" fmla="*/ 1288876 h 1288876"/>
+              <a:gd name="connsiteX13" fmla="*/ 2230227 w 8541658"/>
+              <a:gd name="connsiteY13" fmla="*/ 1471381 h 1288876"/>
+              <a:gd name="connsiteX14" fmla="*/ 1423610 w 8541658"/>
+              <a:gd name="connsiteY14" fmla="*/ 1288876 h 1288876"/>
+              <a:gd name="connsiteX15" fmla="*/ 214817 w 8541658"/>
+              <a:gd name="connsiteY15" fmla="*/ 1288876 h 1288876"/>
+              <a:gd name="connsiteX16" fmla="*/ 0 w 8541658"/>
+              <a:gd name="connsiteY16" fmla="*/ 1074059 h 1288876"/>
+              <a:gd name="connsiteX17" fmla="*/ 0 w 8541658"/>
+              <a:gd name="connsiteY17" fmla="*/ 1074063 h 1288876"/>
+              <a:gd name="connsiteX18" fmla="*/ 0 w 8541658"/>
+              <a:gd name="connsiteY18" fmla="*/ 751844 h 1288876"/>
+              <a:gd name="connsiteX19" fmla="*/ 0 w 8541658"/>
+              <a:gd name="connsiteY19" fmla="*/ 751844 h 1288876"/>
+              <a:gd name="connsiteX20" fmla="*/ 0 w 8541658"/>
+              <a:gd name="connsiteY20" fmla="*/ 214817 h 1288876"/>
+              <a:gd name="connsiteX0" fmla="*/ 0 w 8541658"/>
+              <a:gd name="connsiteY0" fmla="*/ 214817 h 1471381"/>
+              <a:gd name="connsiteX1" fmla="*/ 214817 w 8541658"/>
+              <a:gd name="connsiteY1" fmla="*/ 0 h 1471381"/>
+              <a:gd name="connsiteX2" fmla="*/ 1423610 w 8541658"/>
+              <a:gd name="connsiteY2" fmla="*/ 0 h 1471381"/>
+              <a:gd name="connsiteX3" fmla="*/ 1423610 w 8541658"/>
+              <a:gd name="connsiteY3" fmla="*/ 0 h 1471381"/>
+              <a:gd name="connsiteX4" fmla="*/ 3559024 w 8541658"/>
+              <a:gd name="connsiteY4" fmla="*/ 0 h 1471381"/>
+              <a:gd name="connsiteX5" fmla="*/ 8326841 w 8541658"/>
+              <a:gd name="connsiteY5" fmla="*/ 0 h 1471381"/>
+              <a:gd name="connsiteX6" fmla="*/ 8541658 w 8541658"/>
+              <a:gd name="connsiteY6" fmla="*/ 214817 h 1471381"/>
+              <a:gd name="connsiteX7" fmla="*/ 8541658 w 8541658"/>
+              <a:gd name="connsiteY7" fmla="*/ 751844 h 1471381"/>
+              <a:gd name="connsiteX8" fmla="*/ 8541658 w 8541658"/>
+              <a:gd name="connsiteY8" fmla="*/ 751844 h 1471381"/>
+              <a:gd name="connsiteX9" fmla="*/ 8541658 w 8541658"/>
+              <a:gd name="connsiteY9" fmla="*/ 1074063 h 1471381"/>
+              <a:gd name="connsiteX10" fmla="*/ 8541658 w 8541658"/>
+              <a:gd name="connsiteY10" fmla="*/ 1074059 h 1471381"/>
+              <a:gd name="connsiteX11" fmla="*/ 8326841 w 8541658"/>
+              <a:gd name="connsiteY11" fmla="*/ 1288876 h 1471381"/>
+              <a:gd name="connsiteX12" fmla="*/ 1852144 w 8541658"/>
+              <a:gd name="connsiteY12" fmla="*/ 1288876 h 1471381"/>
+              <a:gd name="connsiteX13" fmla="*/ 2230227 w 8541658"/>
+              <a:gd name="connsiteY13" fmla="*/ 1471381 h 1471381"/>
+              <a:gd name="connsiteX14" fmla="*/ 1423610 w 8541658"/>
+              <a:gd name="connsiteY14" fmla="*/ 1288876 h 1471381"/>
+              <a:gd name="connsiteX15" fmla="*/ 214817 w 8541658"/>
+              <a:gd name="connsiteY15" fmla="*/ 1288876 h 1471381"/>
+              <a:gd name="connsiteX16" fmla="*/ 0 w 8541658"/>
+              <a:gd name="connsiteY16" fmla="*/ 1074059 h 1471381"/>
+              <a:gd name="connsiteX17" fmla="*/ 0 w 8541658"/>
+              <a:gd name="connsiteY17" fmla="*/ 1074063 h 1471381"/>
+              <a:gd name="connsiteX18" fmla="*/ 0 w 8541658"/>
+              <a:gd name="connsiteY18" fmla="*/ 751844 h 1471381"/>
+              <a:gd name="connsiteX19" fmla="*/ 0 w 8541658"/>
+              <a:gd name="connsiteY19" fmla="*/ 751844 h 1471381"/>
+              <a:gd name="connsiteX20" fmla="*/ 0 w 8541658"/>
+              <a:gd name="connsiteY20" fmla="*/ 214817 h 1471381"/>
+              <a:gd name="connsiteX0" fmla="*/ 0 w 8541658"/>
+              <a:gd name="connsiteY0" fmla="*/ 214817 h 1433281"/>
+              <a:gd name="connsiteX1" fmla="*/ 214817 w 8541658"/>
+              <a:gd name="connsiteY1" fmla="*/ 0 h 1433281"/>
+              <a:gd name="connsiteX2" fmla="*/ 1423610 w 8541658"/>
+              <a:gd name="connsiteY2" fmla="*/ 0 h 1433281"/>
+              <a:gd name="connsiteX3" fmla="*/ 1423610 w 8541658"/>
+              <a:gd name="connsiteY3" fmla="*/ 0 h 1433281"/>
+              <a:gd name="connsiteX4" fmla="*/ 3559024 w 8541658"/>
+              <a:gd name="connsiteY4" fmla="*/ 0 h 1433281"/>
+              <a:gd name="connsiteX5" fmla="*/ 8326841 w 8541658"/>
+              <a:gd name="connsiteY5" fmla="*/ 0 h 1433281"/>
+              <a:gd name="connsiteX6" fmla="*/ 8541658 w 8541658"/>
+              <a:gd name="connsiteY6" fmla="*/ 214817 h 1433281"/>
+              <a:gd name="connsiteX7" fmla="*/ 8541658 w 8541658"/>
+              <a:gd name="connsiteY7" fmla="*/ 751844 h 1433281"/>
+              <a:gd name="connsiteX8" fmla="*/ 8541658 w 8541658"/>
+              <a:gd name="connsiteY8" fmla="*/ 751844 h 1433281"/>
+              <a:gd name="connsiteX9" fmla="*/ 8541658 w 8541658"/>
+              <a:gd name="connsiteY9" fmla="*/ 1074063 h 1433281"/>
+              <a:gd name="connsiteX10" fmla="*/ 8541658 w 8541658"/>
+              <a:gd name="connsiteY10" fmla="*/ 1074059 h 1433281"/>
+              <a:gd name="connsiteX11" fmla="*/ 8326841 w 8541658"/>
+              <a:gd name="connsiteY11" fmla="*/ 1288876 h 1433281"/>
+              <a:gd name="connsiteX12" fmla="*/ 1852144 w 8541658"/>
+              <a:gd name="connsiteY12" fmla="*/ 1288876 h 1433281"/>
+              <a:gd name="connsiteX13" fmla="*/ 1864467 w 8541658"/>
+              <a:gd name="connsiteY13" fmla="*/ 1433281 h 1433281"/>
+              <a:gd name="connsiteX14" fmla="*/ 1423610 w 8541658"/>
+              <a:gd name="connsiteY14" fmla="*/ 1288876 h 1433281"/>
+              <a:gd name="connsiteX15" fmla="*/ 214817 w 8541658"/>
+              <a:gd name="connsiteY15" fmla="*/ 1288876 h 1433281"/>
+              <a:gd name="connsiteX16" fmla="*/ 0 w 8541658"/>
+              <a:gd name="connsiteY16" fmla="*/ 1074059 h 1433281"/>
+              <a:gd name="connsiteX17" fmla="*/ 0 w 8541658"/>
+              <a:gd name="connsiteY17" fmla="*/ 1074063 h 1433281"/>
+              <a:gd name="connsiteX18" fmla="*/ 0 w 8541658"/>
+              <a:gd name="connsiteY18" fmla="*/ 751844 h 1433281"/>
+              <a:gd name="connsiteX19" fmla="*/ 0 w 8541658"/>
+              <a:gd name="connsiteY19" fmla="*/ 751844 h 1433281"/>
+              <a:gd name="connsiteX20" fmla="*/ 0 w 8541658"/>
+              <a:gd name="connsiteY20" fmla="*/ 214817 h 1433281"/>
+            </a:gdLst>
+            <a:ahLst/>
+            <a:cxnLst>
+              <a:cxn ang="0">
+                <a:pos x="connsiteX0" y="connsiteY0"/>
+              </a:cxn>
+              <a:cxn ang="0">
+                <a:pos x="connsiteX1" y="connsiteY1"/>
+              </a:cxn>
+              <a:cxn ang="0">
+                <a:pos x="connsiteX2" y="connsiteY2"/>
+              </a:cxn>
+              <a:cxn ang="0">
+                <a:pos x="connsiteX3" y="connsiteY3"/>
+              </a:cxn>
+              <a:cxn ang="0">
+                <a:pos x="connsiteX4" y="connsiteY4"/>
+              </a:cxn>
+              <a:cxn ang="0">
+                <a:pos x="connsiteX5" y="connsiteY5"/>
+              </a:cxn>
+              <a:cxn ang="0">
+                <a:pos x="connsiteX6" y="connsiteY6"/>
+              </a:cxn>
+              <a:cxn ang="0">
+                <a:pos x="connsiteX7" y="connsiteY7"/>
+              </a:cxn>
+              <a:cxn ang="0">
+                <a:pos x="connsiteX8" y="connsiteY8"/>
+              </a:cxn>
+              <a:cxn ang="0">
+                <a:pos x="connsiteX9" y="connsiteY9"/>
+              </a:cxn>
+              <a:cxn ang="0">
+                <a:pos x="connsiteX10" y="connsiteY10"/>
+              </a:cxn>
+              <a:cxn ang="0">
+                <a:pos x="connsiteX11" y="connsiteY11"/>
+              </a:cxn>
+              <a:cxn ang="0">
+                <a:pos x="connsiteX12" y="connsiteY12"/>
+              </a:cxn>
+              <a:cxn ang="0">
+                <a:pos x="connsiteX13" y="connsiteY13"/>
+              </a:cxn>
+              <a:cxn ang="0">
+                <a:pos x="connsiteX14" y="connsiteY14"/>
+              </a:cxn>
+              <a:cxn ang="0">
+                <a:pos x="connsiteX15" y="connsiteY15"/>
+              </a:cxn>
+              <a:cxn ang="0">
+                <a:pos x="connsiteX16" y="connsiteY16"/>
+              </a:cxn>
+              <a:cxn ang="0">
+                <a:pos x="connsiteX17" y="connsiteY17"/>
+              </a:cxn>
+              <a:cxn ang="0">
+                <a:pos x="connsiteX18" y="connsiteY18"/>
+              </a:cxn>
+              <a:cxn ang="0">
+                <a:pos x="connsiteX19" y="connsiteY19"/>
+              </a:cxn>
+              <a:cxn ang="0">
+                <a:pos x="connsiteX20" y="connsiteY20"/>
+              </a:cxn>
+            </a:cxnLst>
+            <a:rect l="l" t="t" r="r" b="b"/>
+            <a:pathLst>
+              <a:path w="8541658" h="1433281">
+                <a:moveTo>
+                  <a:pt x="0" y="214817"/>
+                </a:moveTo>
+                <a:cubicBezTo>
+                  <a:pt x="0" y="96177"/>
+                  <a:pt x="96177" y="0"/>
+                  <a:pt x="214817" y="0"/>
+                </a:cubicBezTo>
+                <a:lnTo>
+                  <a:pt x="1423610" y="0"/>
+                </a:lnTo>
+                <a:lnTo>
+                  <a:pt x="1423610" y="0"/>
+                </a:lnTo>
+                <a:lnTo>
+                  <a:pt x="3559024" y="0"/>
+                </a:lnTo>
+                <a:lnTo>
+                  <a:pt x="8326841" y="0"/>
+                </a:lnTo>
+                <a:cubicBezTo>
+                  <a:pt x="8445481" y="0"/>
+                  <a:pt x="8541658" y="96177"/>
+                  <a:pt x="8541658" y="214817"/>
+                </a:cubicBezTo>
+                <a:lnTo>
+                  <a:pt x="8541658" y="751844"/>
+                </a:lnTo>
+                <a:lnTo>
+                  <a:pt x="8541658" y="751844"/>
+                </a:lnTo>
+                <a:lnTo>
+                  <a:pt x="8541658" y="1074063"/>
+                </a:lnTo>
+                <a:lnTo>
+                  <a:pt x="8541658" y="1074059"/>
+                </a:lnTo>
+                <a:cubicBezTo>
+                  <a:pt x="8541658" y="1192699"/>
+                  <a:pt x="8445481" y="1288876"/>
+                  <a:pt x="8326841" y="1288876"/>
+                </a:cubicBezTo>
+                <a:lnTo>
+                  <a:pt x="1852144" y="1288876"/>
+                </a:lnTo>
+                <a:lnTo>
+                  <a:pt x="1864467" y="1433281"/>
+                </a:lnTo>
+                <a:lnTo>
+                  <a:pt x="1423610" y="1288876"/>
+                </a:lnTo>
+                <a:lnTo>
+                  <a:pt x="214817" y="1288876"/>
+                </a:lnTo>
+                <a:cubicBezTo>
+                  <a:pt x="96177" y="1288876"/>
+                  <a:pt x="0" y="1192699"/>
+                  <a:pt x="0" y="1074059"/>
+                </a:cubicBezTo>
+                <a:lnTo>
+                  <a:pt x="0" y="1074063"/>
+                </a:lnTo>
+                <a:lnTo>
+                  <a:pt x="0" y="751844"/>
+                </a:lnTo>
+                <a:lnTo>
+                  <a:pt x="0" y="751844"/>
+                </a:lnTo>
+                <a:lnTo>
+                  <a:pt x="0" y="214817"/>
+                </a:lnTo>
+                <a:close/>
+              </a:path>
+            </a:pathLst>
+          </a:custGeom>
+          <a:solidFill>
+            <a:srgbClr val="03C924"/>
+          </a:solidFill>
+          <a:ln>
+            <a:noFill/>
+          </a:ln>
+        </p:spPr>
+        <p:style>
+          <a:lnRef idx="2">
+            <a:schemeClr val="accent1">
+              <a:shade val="50000"/>
+            </a:schemeClr>
+          </a:lnRef>
+          <a:fillRef idx="1">
+            <a:schemeClr val="accent1"/>
+          </a:fillRef>
+          <a:effectRef idx="0">
+            <a:schemeClr val="accent1"/>
+          </a:effectRef>
+          <a:fontRef idx="minor">
+            <a:schemeClr val="lt1"/>
+          </a:fontRef>
+        </p:style>
+        <p:txBody>
+          <a:bodyPr lIns="143983" tIns="143983" rIns="143983" bIns="0" rtlCol="0" anchor="ctr"/>
+          <a:lstStyle/>
+          <a:p>
+            <a:r>
+              <a:rPr lang="ja-JP" altLang="en-US" b="1" dirty="0">
+                <a:ea typeface="ＭＳ ゴシック" panose="020B0609070205080204" pitchFamily="49" charset="-128"/>
+              </a:rPr>
+              <a:t>一つコミットを</a:t>
+            </a:r>
+            <a:r>
+              <a:rPr lang="ja-JP" altLang="en-US" b="1" dirty="0" smtClean="0">
+                <a:ea typeface="ＭＳ ゴシック" panose="020B0609070205080204" pitchFamily="49" charset="-128"/>
+              </a:rPr>
+              <a:t>追加。</a:t>
+            </a:r>
+            <a:endParaRPr lang="ja-JP" altLang="en-US" b="1" dirty="0">
+              <a:ea typeface="ＭＳ ゴシック" panose="020B0609070205080204" pitchFamily="49" charset="-128"/>
+            </a:endParaRPr>
+          </a:p>
+          <a:p>
+            <a:r>
+              <a:rPr lang="en-US" altLang="ja-JP" b="1" dirty="0">
+                <a:ea typeface="ＭＳ ゴシック" panose="020B0609070205080204" pitchFamily="49" charset="-128"/>
+              </a:rPr>
+              <a:t>master</a:t>
+            </a:r>
+            <a:r>
+              <a:rPr lang="ja-JP" altLang="en-US" b="1" dirty="0">
+                <a:ea typeface="ＭＳ ゴシック" panose="020B0609070205080204" pitchFamily="49" charset="-128"/>
+              </a:rPr>
+              <a:t>ブランチは最新のコミットを指すよう更新されるが</a:t>
+            </a:r>
+            <a:r>
+              <a:rPr lang="ja-JP" altLang="en-US" b="1" dirty="0" smtClean="0">
+                <a:ea typeface="ＭＳ ゴシック" panose="020B0609070205080204" pitchFamily="49" charset="-128"/>
+              </a:rPr>
+              <a:t>、</a:t>
+            </a:r>
+            <a:endParaRPr lang="en-US" altLang="ja-JP" b="1" dirty="0" smtClean="0">
+              <a:ea typeface="ＭＳ ゴシック" panose="020B0609070205080204" pitchFamily="49" charset="-128"/>
+            </a:endParaRPr>
+          </a:p>
+          <a:p>
+            <a:r>
+              <a:rPr lang="ja-JP" altLang="en-US" b="1" dirty="0" smtClean="0">
+                <a:ea typeface="ＭＳ ゴシック" panose="020B0609070205080204" pitchFamily="49" charset="-128"/>
+              </a:rPr>
+              <a:t>タグ</a:t>
+            </a:r>
+            <a:r>
+              <a:rPr lang="ja-JP" altLang="en-US" b="1" dirty="0">
+                <a:ea typeface="ＭＳ ゴシック" panose="020B0609070205080204" pitchFamily="49" charset="-128"/>
+              </a:rPr>
+              <a:t>「</a:t>
+            </a:r>
+            <a:r>
+              <a:rPr lang="en-US" altLang="ja-JP" b="1" dirty="0" smtClean="0">
+                <a:ea typeface="ＭＳ ゴシック" panose="020B0609070205080204" pitchFamily="49" charset="-128"/>
+              </a:rPr>
+              <a:t>v1.0</a:t>
+            </a:r>
+            <a:r>
+              <a:rPr lang="ja-JP" altLang="en-US" b="1" dirty="0">
+                <a:ea typeface="ＭＳ ゴシック" panose="020B0609070205080204" pitchFamily="49" charset="-128"/>
+              </a:rPr>
+              <a:t>」</a:t>
+            </a:r>
+            <a:r>
+              <a:rPr lang="ja-JP" altLang="en-US" b="1" dirty="0" smtClean="0">
+                <a:ea typeface="ＭＳ ゴシック" panose="020B0609070205080204" pitchFamily="49" charset="-128"/>
+              </a:rPr>
+              <a:t>は</a:t>
+            </a:r>
+            <a:r>
+              <a:rPr lang="en-US" altLang="ja-JP" b="1" dirty="0">
+                <a:ea typeface="ＭＳ ゴシック" panose="020B0609070205080204" pitchFamily="49" charset="-128"/>
+              </a:rPr>
+              <a:t>C</a:t>
+            </a:r>
+            <a:r>
+              <a:rPr lang="ja-JP" altLang="en-US" b="1" dirty="0">
+                <a:ea typeface="ＭＳ ゴシック" panose="020B0609070205080204" pitchFamily="49" charset="-128"/>
+              </a:rPr>
+              <a:t>を指し続ける</a:t>
+            </a:r>
+            <a:r>
+              <a:rPr lang="ja-JP" altLang="en-US" b="1" dirty="0" smtClean="0">
+                <a:ea typeface="ＭＳ ゴシック" panose="020B0609070205080204" pitchFamily="49" charset="-128"/>
+              </a:rPr>
+              <a:t>。</a:t>
+            </a:r>
+            <a:endParaRPr lang="en-US" altLang="ja-JP" b="1" dirty="0" smtClean="0">
+              <a:ea typeface="ＭＳ ゴシック" panose="020B0609070205080204" pitchFamily="49" charset="-128"/>
+            </a:endParaRPr>
+          </a:p>
+          <a:p>
+            <a:endParaRPr lang="ja-JP" altLang="en-US" b="1" dirty="0">
+              <a:ea typeface="ＭＳ ゴシック" panose="020B0609070205080204" pitchFamily="49" charset="-128"/>
+            </a:endParaRPr>
           </a:p>
         </p:txBody>
       </p:sp>
@@ -4782,7 +5814,7 @@
       </p:grpSpPr>
       <p:sp>
         <p:nvSpPr>
-          <p:cNvPr id="14" name="円/楕円 13"/>
+          <p:cNvPr id="29" name="円/楕円 28"/>
           <p:cNvSpPr/>
           <p:nvPr/>
         </p:nvSpPr>
@@ -4794,6 +5826,12 @@
           <a:prstGeom prst="ellipse">
             <a:avLst/>
           </a:prstGeom>
+          <a:solidFill>
+            <a:srgbClr val="FF0066"/>
+          </a:solidFill>
+          <a:ln>
+            <a:noFill/>
+          </a:ln>
         </p:spPr>
         <p:style>
           <a:lnRef idx="2">
@@ -4812,24 +5850,24 @@
           </a:fontRef>
         </p:style>
         <p:txBody>
-          <a:bodyPr rtlCol="0" anchor="ctr"/>
+          <a:bodyPr lIns="91429" tIns="45715" rIns="91429" bIns="45715" rtlCol="0" anchor="ctr"/>
           <a:lstStyle/>
           <a:p>
-            <a:pPr algn="ctr"/>
-            <a:r>
-              <a:rPr kumimoji="1" lang="en-US" altLang="ja-JP" dirty="0" smtClean="0"/>
+            <a:pPr algn="ctr" defTabSz="914295"/>
+            <a:r>
+              <a:rPr lang="en-US" altLang="ja-JP" dirty="0"/>
               <a:t>A</a:t>
             </a:r>
-            <a:endParaRPr kumimoji="1" lang="ja-JP" altLang="en-US" dirty="0"/>
+            <a:endParaRPr lang="ja-JP" altLang="en-US" dirty="0"/>
           </a:p>
         </p:txBody>
       </p:sp>
       <p:cxnSp>
         <p:nvCxnSpPr>
-          <p:cNvPr id="16" name="直線矢印コネクタ 15"/>
+          <p:cNvPr id="30" name="直線矢印コネクタ 29"/>
           <p:cNvCxnSpPr>
-            <a:stCxn id="18" idx="2"/>
-            <a:endCxn id="14" idx="6"/>
+            <a:stCxn id="31" idx="2"/>
+            <a:endCxn id="29" idx="6"/>
           </p:cNvCxnSpPr>
           <p:nvPr/>
         </p:nvCxnSpPr>
@@ -4841,11 +5879,11 @@
           <a:prstGeom prst="straightConnector1">
             <a:avLst/>
           </a:prstGeom>
-          <a:ln w="19050">
+          <a:ln w="31750">
             <a:solidFill>
               <a:schemeClr val="tx1"/>
             </a:solidFill>
-            <a:prstDash val="sysDash"/>
+            <a:prstDash val="sysDot"/>
             <a:tailEnd type="triangle" w="lg" len="med"/>
           </a:ln>
         </p:spPr>
@@ -4866,7 +5904,7 @@
       </p:cxnSp>
       <p:sp>
         <p:nvSpPr>
-          <p:cNvPr id="18" name="円/楕円 17"/>
+          <p:cNvPr id="31" name="円/楕円 30"/>
           <p:cNvSpPr/>
           <p:nvPr/>
         </p:nvSpPr>
@@ -4878,6 +5916,12 @@
           <a:prstGeom prst="ellipse">
             <a:avLst/>
           </a:prstGeom>
+          <a:solidFill>
+            <a:srgbClr val="FF0066"/>
+          </a:solidFill>
+          <a:ln>
+            <a:noFill/>
+          </a:ln>
         </p:spPr>
         <p:style>
           <a:lnRef idx="2">
@@ -4896,21 +5940,21 @@
           </a:fontRef>
         </p:style>
         <p:txBody>
-          <a:bodyPr rtlCol="0" anchor="ctr"/>
+          <a:bodyPr lIns="91429" tIns="45715" rIns="91429" bIns="45715" rtlCol="0" anchor="ctr"/>
           <a:lstStyle/>
           <a:p>
-            <a:pPr algn="ctr"/>
-            <a:r>
-              <a:rPr kumimoji="1" lang="en-US" altLang="ja-JP" dirty="0" smtClean="0"/>
+            <a:pPr algn="ctr" defTabSz="914295"/>
+            <a:r>
+              <a:rPr lang="en-US" altLang="ja-JP" dirty="0"/>
               <a:t>B</a:t>
             </a:r>
-            <a:endParaRPr kumimoji="1" lang="ja-JP" altLang="en-US" dirty="0"/>
-          </a:p>
-        </p:txBody>
-      </p:sp>
-      <p:sp>
-        <p:nvSpPr>
-          <p:cNvPr id="19" name="円/楕円 18"/>
+            <a:endParaRPr lang="ja-JP" altLang="en-US" dirty="0"/>
+          </a:p>
+        </p:txBody>
+      </p:sp>
+      <p:sp>
+        <p:nvSpPr>
+          <p:cNvPr id="32" name="円/楕円 31"/>
           <p:cNvSpPr/>
           <p:nvPr/>
         </p:nvSpPr>
@@ -4922,6 +5966,12 @@
           <a:prstGeom prst="ellipse">
             <a:avLst/>
           </a:prstGeom>
+          <a:solidFill>
+            <a:srgbClr val="FF0066"/>
+          </a:solidFill>
+          <a:ln>
+            <a:noFill/>
+          </a:ln>
         </p:spPr>
         <p:style>
           <a:lnRef idx="2">
@@ -4940,24 +5990,24 @@
           </a:fontRef>
         </p:style>
         <p:txBody>
-          <a:bodyPr rtlCol="0" anchor="ctr"/>
+          <a:bodyPr lIns="91429" tIns="45715" rIns="91429" bIns="45715" rtlCol="0" anchor="ctr"/>
           <a:lstStyle/>
           <a:p>
-            <a:pPr algn="ctr"/>
-            <a:r>
-              <a:rPr kumimoji="1" lang="en-US" altLang="ja-JP" dirty="0" smtClean="0"/>
+            <a:pPr algn="ctr" defTabSz="914295"/>
+            <a:r>
+              <a:rPr lang="en-US" altLang="ja-JP" dirty="0"/>
               <a:t>C</a:t>
             </a:r>
-            <a:endParaRPr kumimoji="1" lang="ja-JP" altLang="en-US" dirty="0"/>
+            <a:endParaRPr lang="ja-JP" altLang="en-US" dirty="0"/>
           </a:p>
         </p:txBody>
       </p:sp>
       <p:cxnSp>
         <p:nvCxnSpPr>
-          <p:cNvPr id="20" name="直線矢印コネクタ 19"/>
+          <p:cNvPr id="33" name="直線矢印コネクタ 32"/>
           <p:cNvCxnSpPr>
-            <a:stCxn id="19" idx="2"/>
-            <a:endCxn id="18" idx="6"/>
+            <a:stCxn id="32" idx="2"/>
+            <a:endCxn id="31" idx="6"/>
           </p:cNvCxnSpPr>
           <p:nvPr/>
         </p:nvCxnSpPr>
@@ -4969,11 +6019,11 @@
           <a:prstGeom prst="straightConnector1">
             <a:avLst/>
           </a:prstGeom>
-          <a:ln w="19050">
+          <a:ln w="31750">
             <a:solidFill>
               <a:schemeClr val="tx1"/>
             </a:solidFill>
-            <a:prstDash val="sysDash"/>
+            <a:prstDash val="sysDot"/>
             <a:tailEnd type="triangle" w="lg" len="med"/>
           </a:ln>
         </p:spPr>
@@ -4994,7 +6044,7 @@
       </p:cxnSp>
       <p:cxnSp>
         <p:nvCxnSpPr>
-          <p:cNvPr id="21" name="直線矢印コネクタ 20"/>
+          <p:cNvPr id="34" name="直線矢印コネクタ 33"/>
           <p:cNvCxnSpPr/>
           <p:nvPr/>
         </p:nvCxnSpPr>
@@ -5006,11 +6056,11 @@
           <a:prstGeom prst="straightConnector1">
             <a:avLst/>
           </a:prstGeom>
-          <a:ln w="19050">
+          <a:ln w="31750">
             <a:solidFill>
               <a:schemeClr val="tx1"/>
             </a:solidFill>
-            <a:prstDash val="sysDash"/>
+            <a:prstDash val="sysDot"/>
             <a:tailEnd type="triangle" w="lg" len="med"/>
           </a:ln>
         </p:spPr>
@@ -5031,7 +6081,7 @@
       </p:cxnSp>
       <p:sp>
         <p:nvSpPr>
-          <p:cNvPr id="22" name="正方形/長方形 21"/>
+          <p:cNvPr id="35" name="正方形/長方形 34"/>
           <p:cNvSpPr/>
           <p:nvPr/>
         </p:nvSpPr>
@@ -5044,6 +6094,7 @@
             <a:avLst/>
           </a:prstGeom>
           <a:ln>
+            <a:noFill/>
             <a:prstDash val="sysDash"/>
           </a:ln>
         </p:spPr>
@@ -5064,21 +6115,21 @@
           </a:fontRef>
         </p:style>
         <p:txBody>
-          <a:bodyPr rtlCol="0" anchor="ctr"/>
+          <a:bodyPr lIns="91429" tIns="45715" rIns="91429" bIns="45715" rtlCol="0" anchor="ctr"/>
           <a:lstStyle/>
           <a:p>
-            <a:pPr algn="ctr"/>
-            <a:r>
-              <a:rPr kumimoji="1" lang="en-US" altLang="ja-JP" dirty="0" smtClean="0"/>
+            <a:pPr algn="ctr" defTabSz="914295"/>
+            <a:r>
+              <a:rPr lang="en-US" altLang="ja-JP" dirty="0"/>
               <a:t>master</a:t>
             </a:r>
-            <a:endParaRPr kumimoji="1" lang="ja-JP" altLang="en-US" dirty="0"/>
-          </a:p>
-        </p:txBody>
-      </p:sp>
-      <p:sp>
-        <p:nvSpPr>
-          <p:cNvPr id="23" name="円/楕円 22"/>
+            <a:endParaRPr lang="ja-JP" altLang="en-US" dirty="0"/>
+          </a:p>
+        </p:txBody>
+      </p:sp>
+      <p:sp>
+        <p:nvSpPr>
+          <p:cNvPr id="36" name="円/楕円 35"/>
           <p:cNvSpPr/>
           <p:nvPr/>
         </p:nvSpPr>
@@ -5090,6 +6141,12 @@
           <a:prstGeom prst="ellipse">
             <a:avLst/>
           </a:prstGeom>
+          <a:solidFill>
+            <a:srgbClr val="FF0066"/>
+          </a:solidFill>
+          <a:ln>
+            <a:noFill/>
+          </a:ln>
         </p:spPr>
         <p:style>
           <a:lnRef idx="2">
@@ -5108,24 +6165,24 @@
           </a:fontRef>
         </p:style>
         <p:txBody>
-          <a:bodyPr rtlCol="0" anchor="ctr"/>
+          <a:bodyPr lIns="91429" tIns="45715" rIns="91429" bIns="45715" rtlCol="0" anchor="ctr"/>
           <a:lstStyle/>
           <a:p>
-            <a:pPr algn="ctr"/>
-            <a:r>
-              <a:rPr kumimoji="1" lang="en-US" altLang="ja-JP" dirty="0" smtClean="0"/>
+            <a:pPr algn="ctr" defTabSz="914295"/>
+            <a:r>
+              <a:rPr lang="en-US" altLang="ja-JP" dirty="0"/>
               <a:t>D</a:t>
             </a:r>
-            <a:endParaRPr kumimoji="1" lang="ja-JP" altLang="en-US" dirty="0"/>
+            <a:endParaRPr lang="ja-JP" altLang="en-US" dirty="0"/>
           </a:p>
         </p:txBody>
       </p:sp>
       <p:cxnSp>
         <p:nvCxnSpPr>
-          <p:cNvPr id="24" name="直線矢印コネクタ 23"/>
+          <p:cNvPr id="37" name="直線矢印コネクタ 36"/>
           <p:cNvCxnSpPr>
-            <a:stCxn id="23" idx="2"/>
-            <a:endCxn id="19" idx="6"/>
+            <a:stCxn id="36" idx="2"/>
+            <a:endCxn id="32" idx="6"/>
           </p:cNvCxnSpPr>
           <p:nvPr/>
         </p:nvCxnSpPr>
@@ -5137,11 +6194,11 @@
           <a:prstGeom prst="straightConnector1">
             <a:avLst/>
           </a:prstGeom>
-          <a:ln w="19050">
+          <a:ln w="31750">
             <a:solidFill>
               <a:schemeClr val="tx1"/>
             </a:solidFill>
-            <a:prstDash val="sysDash"/>
+            <a:prstDash val="sysDot"/>
             <a:tailEnd type="triangle" w="lg" len="med"/>
           </a:ln>
         </p:spPr>
@@ -5160,94 +6217,9 @@
           </a:fontRef>
         </p:style>
       </p:cxnSp>
-      <p:sp>
-        <p:nvSpPr>
-          <p:cNvPr id="27" name="テキスト ボックス 26"/>
-          <p:cNvSpPr txBox="1"/>
-          <p:nvPr/>
-        </p:nvSpPr>
-        <p:spPr>
-          <a:xfrm>
-            <a:off x="267552" y="478413"/>
-            <a:ext cx="8624928" cy="646331"/>
-          </a:xfrm>
-          <a:prstGeom prst="rect">
-            <a:avLst/>
-          </a:prstGeom>
-          <a:noFill/>
-        </p:spPr>
-        <p:txBody>
-          <a:bodyPr wrap="square" rtlCol="0">
-            <a:spAutoFit/>
-          </a:bodyPr>
-          <a:lstStyle/>
-          <a:p>
-            <a:r>
-              <a:rPr lang="en-US" altLang="ja-JP" dirty="0"/>
-              <a:t>master</a:t>
-            </a:r>
-            <a:r>
-              <a:rPr lang="ja-JP" altLang="en-US" dirty="0"/>
-              <a:t>ブランチが指すコミット</a:t>
-            </a:r>
-            <a:r>
-              <a:rPr lang="ja-JP" altLang="en-US" dirty="0" smtClean="0"/>
-              <a:t>に</a:t>
-            </a:r>
-            <a:r>
-              <a:rPr lang="ja-JP" altLang="en-US" dirty="0"/>
-              <a:t>注釈付き</a:t>
-            </a:r>
-            <a:r>
-              <a:rPr lang="ja-JP" altLang="en-US" dirty="0" smtClean="0"/>
-              <a:t>タグ</a:t>
-            </a:r>
-            <a:r>
-              <a:rPr lang="en-US" altLang="ja-JP" dirty="0" smtClean="0"/>
-              <a:t>v1.1</a:t>
-            </a:r>
-            <a:r>
-              <a:rPr lang="ja-JP" altLang="en-US" dirty="0" smtClean="0"/>
-              <a:t>を</a:t>
-            </a:r>
-            <a:r>
-              <a:rPr lang="ja-JP" altLang="en-US" dirty="0"/>
-              <a:t>付けた</a:t>
-            </a:r>
-            <a:r>
-              <a:rPr lang="ja-JP" altLang="en-US" dirty="0" smtClean="0"/>
-              <a:t>。</a:t>
-            </a:r>
-            <a:endParaRPr lang="en-US" altLang="ja-JP" dirty="0" smtClean="0"/>
-          </a:p>
-          <a:p>
-            <a:r>
-              <a:rPr lang="ja-JP" altLang="en-US" dirty="0"/>
-              <a:t>タグオブジェクト</a:t>
-            </a:r>
-            <a:r>
-              <a:rPr lang="ja-JP" altLang="en-US" dirty="0" smtClean="0"/>
-              <a:t>が生成され、</a:t>
-            </a:r>
-            <a:r>
-              <a:rPr lang="ja-JP" altLang="en-US" dirty="0"/>
-              <a:t>タグ</a:t>
-            </a:r>
-            <a:r>
-              <a:rPr lang="en-US" altLang="ja-JP" dirty="0" smtClean="0"/>
-              <a:t>v1.1</a:t>
-            </a:r>
-            <a:r>
-              <a:rPr lang="ja-JP" altLang="en-US" dirty="0" smtClean="0"/>
-              <a:t>はそのオブジェクトを指す。</a:t>
-            </a:r>
-            <a:endParaRPr kumimoji="1" lang="ja-JP" altLang="en-US" dirty="0"/>
-          </a:p>
-        </p:txBody>
-      </p:sp>
       <p:cxnSp>
         <p:nvCxnSpPr>
-          <p:cNvPr id="12" name="直線矢印コネクタ 11"/>
+          <p:cNvPr id="38" name="直線矢印コネクタ 37"/>
           <p:cNvCxnSpPr/>
           <p:nvPr/>
         </p:nvCxnSpPr>
@@ -5259,11 +6231,11 @@
           <a:prstGeom prst="straightConnector1">
             <a:avLst/>
           </a:prstGeom>
-          <a:ln w="19050">
+          <a:ln w="31750">
             <a:solidFill>
               <a:schemeClr val="tx1"/>
             </a:solidFill>
-            <a:prstDash val="sysDash"/>
+            <a:prstDash val="sysDot"/>
             <a:tailEnd type="triangle" w="lg" len="med"/>
           </a:ln>
         </p:spPr>
@@ -5284,7 +6256,7 @@
       </p:cxnSp>
       <p:sp>
         <p:nvSpPr>
-          <p:cNvPr id="13" name="正方形/長方形 12"/>
+          <p:cNvPr id="39" name="正方形/長方形 38"/>
           <p:cNvSpPr/>
           <p:nvPr/>
         </p:nvSpPr>
@@ -5297,6 +6269,7 @@
             <a:avLst/>
           </a:prstGeom>
           <a:ln>
+            <a:noFill/>
             <a:prstDash val="sysDash"/>
           </a:ln>
         </p:spPr>
@@ -5317,25 +6290,21 @@
           </a:fontRef>
         </p:style>
         <p:txBody>
-          <a:bodyPr rtlCol="0" anchor="ctr"/>
+          <a:bodyPr lIns="91429" tIns="45715" rIns="91429" bIns="45715" rtlCol="0" anchor="ctr"/>
           <a:lstStyle/>
           <a:p>
-            <a:pPr algn="ctr"/>
+            <a:pPr algn="ctr" defTabSz="914295"/>
             <a:r>
               <a:rPr lang="en-US" altLang="ja-JP" dirty="0"/>
-              <a:t>v</a:t>
-            </a:r>
-            <a:r>
-              <a:rPr kumimoji="1" lang="en-US" altLang="ja-JP" dirty="0" smtClean="0"/>
-              <a:t>1.0</a:t>
-            </a:r>
-            <a:endParaRPr kumimoji="1" lang="ja-JP" altLang="en-US" dirty="0"/>
-          </a:p>
-        </p:txBody>
-      </p:sp>
-      <p:sp>
-        <p:nvSpPr>
-          <p:cNvPr id="2" name="ひし形 1"/>
+              <a:t>v1.0</a:t>
+            </a:r>
+            <a:endParaRPr lang="ja-JP" altLang="en-US" dirty="0"/>
+          </a:p>
+        </p:txBody>
+      </p:sp>
+      <p:sp>
+        <p:nvSpPr>
+          <p:cNvPr id="40" name="ひし形 39"/>
           <p:cNvSpPr/>
           <p:nvPr/>
         </p:nvSpPr>
@@ -5347,19 +6316,27 @@
           <a:prstGeom prst="diamond">
             <a:avLst/>
           </a:prstGeom>
+          <a:solidFill>
+            <a:srgbClr val="FF0000"/>
+          </a:solidFill>
+          <a:ln>
+            <a:noFill/>
+          </a:ln>
         </p:spPr>
         <p:style>
-          <a:lnRef idx="1">
-            <a:schemeClr val="accent2"/>
+          <a:lnRef idx="2">
+            <a:schemeClr val="accent2">
+              <a:shade val="50000"/>
+            </a:schemeClr>
           </a:lnRef>
-          <a:fillRef idx="2">
+          <a:fillRef idx="1">
             <a:schemeClr val="accent2"/>
           </a:fillRef>
-          <a:effectRef idx="1">
+          <a:effectRef idx="0">
             <a:schemeClr val="accent2"/>
           </a:effectRef>
           <a:fontRef idx="minor">
-            <a:schemeClr val="dk1"/>
+            <a:schemeClr val="lt1"/>
           </a:fontRef>
         </p:style>
         <p:txBody>
@@ -5388,10 +6365,10 @@
       </p:sp>
       <p:cxnSp>
         <p:nvCxnSpPr>
-          <p:cNvPr id="15" name="直線矢印コネクタ 14"/>
+          <p:cNvPr id="41" name="直線矢印コネクタ 40"/>
           <p:cNvCxnSpPr>
-            <a:stCxn id="2" idx="0"/>
-            <a:endCxn id="23" idx="4"/>
+            <a:stCxn id="40" idx="0"/>
+            <a:endCxn id="36" idx="4"/>
           </p:cNvCxnSpPr>
           <p:nvPr/>
         </p:nvCxnSpPr>
@@ -5403,11 +6380,11 @@
           <a:prstGeom prst="straightConnector1">
             <a:avLst/>
           </a:prstGeom>
-          <a:ln w="19050">
+          <a:ln w="31750">
             <a:solidFill>
               <a:schemeClr val="tx1"/>
             </a:solidFill>
-            <a:prstDash val="sysDash"/>
+            <a:prstDash val="sysDot"/>
             <a:tailEnd type="triangle" w="lg" len="med"/>
           </a:ln>
         </p:spPr>
@@ -5428,7 +6405,7 @@
       </p:cxnSp>
       <p:cxnSp>
         <p:nvCxnSpPr>
-          <p:cNvPr id="25" name="直線矢印コネクタ 24"/>
+          <p:cNvPr id="42" name="直線矢印コネクタ 41"/>
           <p:cNvCxnSpPr/>
           <p:nvPr/>
         </p:nvCxnSpPr>
@@ -5440,11 +6417,11 @@
           <a:prstGeom prst="straightConnector1">
             <a:avLst/>
           </a:prstGeom>
-          <a:ln w="19050">
+          <a:ln w="31750">
             <a:solidFill>
               <a:schemeClr val="tx1"/>
             </a:solidFill>
-            <a:prstDash val="sysDash"/>
+            <a:prstDash val="sysDot"/>
             <a:tailEnd type="triangle" w="lg" len="med"/>
           </a:ln>
         </p:spPr>
@@ -5465,7 +6442,7 @@
       </p:cxnSp>
       <p:sp>
         <p:nvSpPr>
-          <p:cNvPr id="26" name="正方形/長方形 25"/>
+          <p:cNvPr id="43" name="正方形/長方形 42"/>
           <p:cNvSpPr/>
           <p:nvPr/>
         </p:nvSpPr>
@@ -5478,6 +6455,7 @@
             <a:avLst/>
           </a:prstGeom>
           <a:ln>
+            <a:noFill/>
             <a:prstDash val="sysDash"/>
           </a:ln>
         </p:spPr>
@@ -5498,19 +6476,418 @@
           </a:fontRef>
         </p:style>
         <p:txBody>
-          <a:bodyPr rtlCol="0" anchor="ctr"/>
+          <a:bodyPr lIns="91429" tIns="45715" rIns="91429" bIns="45715" rtlCol="0" anchor="ctr"/>
           <a:lstStyle/>
           <a:p>
-            <a:pPr algn="ctr"/>
-            <a:r>
-              <a:rPr lang="en-US" altLang="ja-JP" dirty="0" smtClean="0"/>
-              <a:t>v</a:t>
-            </a:r>
-            <a:r>
-              <a:rPr kumimoji="1" lang="en-US" altLang="ja-JP" dirty="0" smtClean="0"/>
-              <a:t>1.1</a:t>
-            </a:r>
-            <a:endParaRPr kumimoji="1" lang="ja-JP" altLang="en-US" dirty="0"/>
+            <a:pPr algn="ctr" defTabSz="914295"/>
+            <a:r>
+              <a:rPr lang="en-US" altLang="ja-JP" dirty="0"/>
+              <a:t>v1.1</a:t>
+            </a:r>
+            <a:endParaRPr lang="ja-JP" altLang="en-US" dirty="0"/>
+          </a:p>
+        </p:txBody>
+      </p:sp>
+      <p:sp>
+        <p:nvSpPr>
+          <p:cNvPr id="44" name="角丸四角形吹き出し 70"/>
+          <p:cNvSpPr/>
+          <p:nvPr/>
+        </p:nvSpPr>
+        <p:spPr>
+          <a:xfrm>
+            <a:off x="203401" y="123901"/>
+            <a:ext cx="8737200" cy="1433282"/>
+          </a:xfrm>
+          <a:custGeom>
+            <a:avLst/>
+            <a:gdLst>
+              <a:gd name="connsiteX0" fmla="*/ 0 w 8541658"/>
+              <a:gd name="connsiteY0" fmla="*/ 214817 h 1288876"/>
+              <a:gd name="connsiteX1" fmla="*/ 214817 w 8541658"/>
+              <a:gd name="connsiteY1" fmla="*/ 0 h 1288876"/>
+              <a:gd name="connsiteX2" fmla="*/ 1423610 w 8541658"/>
+              <a:gd name="connsiteY2" fmla="*/ 0 h 1288876"/>
+              <a:gd name="connsiteX3" fmla="*/ 1423610 w 8541658"/>
+              <a:gd name="connsiteY3" fmla="*/ 0 h 1288876"/>
+              <a:gd name="connsiteX4" fmla="*/ 3559024 w 8541658"/>
+              <a:gd name="connsiteY4" fmla="*/ 0 h 1288876"/>
+              <a:gd name="connsiteX5" fmla="*/ 8326841 w 8541658"/>
+              <a:gd name="connsiteY5" fmla="*/ 0 h 1288876"/>
+              <a:gd name="connsiteX6" fmla="*/ 8541658 w 8541658"/>
+              <a:gd name="connsiteY6" fmla="*/ 214817 h 1288876"/>
+              <a:gd name="connsiteX7" fmla="*/ 8541658 w 8541658"/>
+              <a:gd name="connsiteY7" fmla="*/ 751844 h 1288876"/>
+              <a:gd name="connsiteX8" fmla="*/ 8541658 w 8541658"/>
+              <a:gd name="connsiteY8" fmla="*/ 751844 h 1288876"/>
+              <a:gd name="connsiteX9" fmla="*/ 8541658 w 8541658"/>
+              <a:gd name="connsiteY9" fmla="*/ 1074063 h 1288876"/>
+              <a:gd name="connsiteX10" fmla="*/ 8541658 w 8541658"/>
+              <a:gd name="connsiteY10" fmla="*/ 1074059 h 1288876"/>
+              <a:gd name="connsiteX11" fmla="*/ 8326841 w 8541658"/>
+              <a:gd name="connsiteY11" fmla="*/ 1288876 h 1288876"/>
+              <a:gd name="connsiteX12" fmla="*/ 3559024 w 8541658"/>
+              <a:gd name="connsiteY12" fmla="*/ 1288876 h 1288876"/>
+              <a:gd name="connsiteX13" fmla="*/ 2230227 w 8541658"/>
+              <a:gd name="connsiteY13" fmla="*/ 1471381 h 1288876"/>
+              <a:gd name="connsiteX14" fmla="*/ 1423610 w 8541658"/>
+              <a:gd name="connsiteY14" fmla="*/ 1288876 h 1288876"/>
+              <a:gd name="connsiteX15" fmla="*/ 214817 w 8541658"/>
+              <a:gd name="connsiteY15" fmla="*/ 1288876 h 1288876"/>
+              <a:gd name="connsiteX16" fmla="*/ 0 w 8541658"/>
+              <a:gd name="connsiteY16" fmla="*/ 1074059 h 1288876"/>
+              <a:gd name="connsiteX17" fmla="*/ 0 w 8541658"/>
+              <a:gd name="connsiteY17" fmla="*/ 1074063 h 1288876"/>
+              <a:gd name="connsiteX18" fmla="*/ 0 w 8541658"/>
+              <a:gd name="connsiteY18" fmla="*/ 751844 h 1288876"/>
+              <a:gd name="connsiteX19" fmla="*/ 0 w 8541658"/>
+              <a:gd name="connsiteY19" fmla="*/ 751844 h 1288876"/>
+              <a:gd name="connsiteX20" fmla="*/ 0 w 8541658"/>
+              <a:gd name="connsiteY20" fmla="*/ 214817 h 1288876"/>
+              <a:gd name="connsiteX0" fmla="*/ 0 w 8541658"/>
+              <a:gd name="connsiteY0" fmla="*/ 214817 h 1471381"/>
+              <a:gd name="connsiteX1" fmla="*/ 214817 w 8541658"/>
+              <a:gd name="connsiteY1" fmla="*/ 0 h 1471381"/>
+              <a:gd name="connsiteX2" fmla="*/ 1423610 w 8541658"/>
+              <a:gd name="connsiteY2" fmla="*/ 0 h 1471381"/>
+              <a:gd name="connsiteX3" fmla="*/ 1423610 w 8541658"/>
+              <a:gd name="connsiteY3" fmla="*/ 0 h 1471381"/>
+              <a:gd name="connsiteX4" fmla="*/ 3559024 w 8541658"/>
+              <a:gd name="connsiteY4" fmla="*/ 0 h 1471381"/>
+              <a:gd name="connsiteX5" fmla="*/ 8326841 w 8541658"/>
+              <a:gd name="connsiteY5" fmla="*/ 0 h 1471381"/>
+              <a:gd name="connsiteX6" fmla="*/ 8541658 w 8541658"/>
+              <a:gd name="connsiteY6" fmla="*/ 214817 h 1471381"/>
+              <a:gd name="connsiteX7" fmla="*/ 8541658 w 8541658"/>
+              <a:gd name="connsiteY7" fmla="*/ 751844 h 1471381"/>
+              <a:gd name="connsiteX8" fmla="*/ 8541658 w 8541658"/>
+              <a:gd name="connsiteY8" fmla="*/ 751844 h 1471381"/>
+              <a:gd name="connsiteX9" fmla="*/ 8541658 w 8541658"/>
+              <a:gd name="connsiteY9" fmla="*/ 1074063 h 1471381"/>
+              <a:gd name="connsiteX10" fmla="*/ 8541658 w 8541658"/>
+              <a:gd name="connsiteY10" fmla="*/ 1074059 h 1471381"/>
+              <a:gd name="connsiteX11" fmla="*/ 8326841 w 8541658"/>
+              <a:gd name="connsiteY11" fmla="*/ 1288876 h 1471381"/>
+              <a:gd name="connsiteX12" fmla="*/ 1852144 w 8541658"/>
+              <a:gd name="connsiteY12" fmla="*/ 1288876 h 1471381"/>
+              <a:gd name="connsiteX13" fmla="*/ 2230227 w 8541658"/>
+              <a:gd name="connsiteY13" fmla="*/ 1471381 h 1471381"/>
+              <a:gd name="connsiteX14" fmla="*/ 1423610 w 8541658"/>
+              <a:gd name="connsiteY14" fmla="*/ 1288876 h 1471381"/>
+              <a:gd name="connsiteX15" fmla="*/ 214817 w 8541658"/>
+              <a:gd name="connsiteY15" fmla="*/ 1288876 h 1471381"/>
+              <a:gd name="connsiteX16" fmla="*/ 0 w 8541658"/>
+              <a:gd name="connsiteY16" fmla="*/ 1074059 h 1471381"/>
+              <a:gd name="connsiteX17" fmla="*/ 0 w 8541658"/>
+              <a:gd name="connsiteY17" fmla="*/ 1074063 h 1471381"/>
+              <a:gd name="connsiteX18" fmla="*/ 0 w 8541658"/>
+              <a:gd name="connsiteY18" fmla="*/ 751844 h 1471381"/>
+              <a:gd name="connsiteX19" fmla="*/ 0 w 8541658"/>
+              <a:gd name="connsiteY19" fmla="*/ 751844 h 1471381"/>
+              <a:gd name="connsiteX20" fmla="*/ 0 w 8541658"/>
+              <a:gd name="connsiteY20" fmla="*/ 214817 h 1471381"/>
+              <a:gd name="connsiteX0" fmla="*/ 0 w 8541658"/>
+              <a:gd name="connsiteY0" fmla="*/ 214817 h 1433281"/>
+              <a:gd name="connsiteX1" fmla="*/ 214817 w 8541658"/>
+              <a:gd name="connsiteY1" fmla="*/ 0 h 1433281"/>
+              <a:gd name="connsiteX2" fmla="*/ 1423610 w 8541658"/>
+              <a:gd name="connsiteY2" fmla="*/ 0 h 1433281"/>
+              <a:gd name="connsiteX3" fmla="*/ 1423610 w 8541658"/>
+              <a:gd name="connsiteY3" fmla="*/ 0 h 1433281"/>
+              <a:gd name="connsiteX4" fmla="*/ 3559024 w 8541658"/>
+              <a:gd name="connsiteY4" fmla="*/ 0 h 1433281"/>
+              <a:gd name="connsiteX5" fmla="*/ 8326841 w 8541658"/>
+              <a:gd name="connsiteY5" fmla="*/ 0 h 1433281"/>
+              <a:gd name="connsiteX6" fmla="*/ 8541658 w 8541658"/>
+              <a:gd name="connsiteY6" fmla="*/ 214817 h 1433281"/>
+              <a:gd name="connsiteX7" fmla="*/ 8541658 w 8541658"/>
+              <a:gd name="connsiteY7" fmla="*/ 751844 h 1433281"/>
+              <a:gd name="connsiteX8" fmla="*/ 8541658 w 8541658"/>
+              <a:gd name="connsiteY8" fmla="*/ 751844 h 1433281"/>
+              <a:gd name="connsiteX9" fmla="*/ 8541658 w 8541658"/>
+              <a:gd name="connsiteY9" fmla="*/ 1074063 h 1433281"/>
+              <a:gd name="connsiteX10" fmla="*/ 8541658 w 8541658"/>
+              <a:gd name="connsiteY10" fmla="*/ 1074059 h 1433281"/>
+              <a:gd name="connsiteX11" fmla="*/ 8326841 w 8541658"/>
+              <a:gd name="connsiteY11" fmla="*/ 1288876 h 1433281"/>
+              <a:gd name="connsiteX12" fmla="*/ 1852144 w 8541658"/>
+              <a:gd name="connsiteY12" fmla="*/ 1288876 h 1433281"/>
+              <a:gd name="connsiteX13" fmla="*/ 1864467 w 8541658"/>
+              <a:gd name="connsiteY13" fmla="*/ 1433281 h 1433281"/>
+              <a:gd name="connsiteX14" fmla="*/ 1423610 w 8541658"/>
+              <a:gd name="connsiteY14" fmla="*/ 1288876 h 1433281"/>
+              <a:gd name="connsiteX15" fmla="*/ 214817 w 8541658"/>
+              <a:gd name="connsiteY15" fmla="*/ 1288876 h 1433281"/>
+              <a:gd name="connsiteX16" fmla="*/ 0 w 8541658"/>
+              <a:gd name="connsiteY16" fmla="*/ 1074059 h 1433281"/>
+              <a:gd name="connsiteX17" fmla="*/ 0 w 8541658"/>
+              <a:gd name="connsiteY17" fmla="*/ 1074063 h 1433281"/>
+              <a:gd name="connsiteX18" fmla="*/ 0 w 8541658"/>
+              <a:gd name="connsiteY18" fmla="*/ 751844 h 1433281"/>
+              <a:gd name="connsiteX19" fmla="*/ 0 w 8541658"/>
+              <a:gd name="connsiteY19" fmla="*/ 751844 h 1433281"/>
+              <a:gd name="connsiteX20" fmla="*/ 0 w 8541658"/>
+              <a:gd name="connsiteY20" fmla="*/ 214817 h 1433281"/>
+            </a:gdLst>
+            <a:ahLst/>
+            <a:cxnLst>
+              <a:cxn ang="0">
+                <a:pos x="connsiteX0" y="connsiteY0"/>
+              </a:cxn>
+              <a:cxn ang="0">
+                <a:pos x="connsiteX1" y="connsiteY1"/>
+              </a:cxn>
+              <a:cxn ang="0">
+                <a:pos x="connsiteX2" y="connsiteY2"/>
+              </a:cxn>
+              <a:cxn ang="0">
+                <a:pos x="connsiteX3" y="connsiteY3"/>
+              </a:cxn>
+              <a:cxn ang="0">
+                <a:pos x="connsiteX4" y="connsiteY4"/>
+              </a:cxn>
+              <a:cxn ang="0">
+                <a:pos x="connsiteX5" y="connsiteY5"/>
+              </a:cxn>
+              <a:cxn ang="0">
+                <a:pos x="connsiteX6" y="connsiteY6"/>
+              </a:cxn>
+              <a:cxn ang="0">
+                <a:pos x="connsiteX7" y="connsiteY7"/>
+              </a:cxn>
+              <a:cxn ang="0">
+                <a:pos x="connsiteX8" y="connsiteY8"/>
+              </a:cxn>
+              <a:cxn ang="0">
+                <a:pos x="connsiteX9" y="connsiteY9"/>
+              </a:cxn>
+              <a:cxn ang="0">
+                <a:pos x="connsiteX10" y="connsiteY10"/>
+              </a:cxn>
+              <a:cxn ang="0">
+                <a:pos x="connsiteX11" y="connsiteY11"/>
+              </a:cxn>
+              <a:cxn ang="0">
+                <a:pos x="connsiteX12" y="connsiteY12"/>
+              </a:cxn>
+              <a:cxn ang="0">
+                <a:pos x="connsiteX13" y="connsiteY13"/>
+              </a:cxn>
+              <a:cxn ang="0">
+                <a:pos x="connsiteX14" y="connsiteY14"/>
+              </a:cxn>
+              <a:cxn ang="0">
+                <a:pos x="connsiteX15" y="connsiteY15"/>
+              </a:cxn>
+              <a:cxn ang="0">
+                <a:pos x="connsiteX16" y="connsiteY16"/>
+              </a:cxn>
+              <a:cxn ang="0">
+                <a:pos x="connsiteX17" y="connsiteY17"/>
+              </a:cxn>
+              <a:cxn ang="0">
+                <a:pos x="connsiteX18" y="connsiteY18"/>
+              </a:cxn>
+              <a:cxn ang="0">
+                <a:pos x="connsiteX19" y="connsiteY19"/>
+              </a:cxn>
+              <a:cxn ang="0">
+                <a:pos x="connsiteX20" y="connsiteY20"/>
+              </a:cxn>
+            </a:cxnLst>
+            <a:rect l="l" t="t" r="r" b="b"/>
+            <a:pathLst>
+              <a:path w="8541658" h="1433281">
+                <a:moveTo>
+                  <a:pt x="0" y="214817"/>
+                </a:moveTo>
+                <a:cubicBezTo>
+                  <a:pt x="0" y="96177"/>
+                  <a:pt x="96177" y="0"/>
+                  <a:pt x="214817" y="0"/>
+                </a:cubicBezTo>
+                <a:lnTo>
+                  <a:pt x="1423610" y="0"/>
+                </a:lnTo>
+                <a:lnTo>
+                  <a:pt x="1423610" y="0"/>
+                </a:lnTo>
+                <a:lnTo>
+                  <a:pt x="3559024" y="0"/>
+                </a:lnTo>
+                <a:lnTo>
+                  <a:pt x="8326841" y="0"/>
+                </a:lnTo>
+                <a:cubicBezTo>
+                  <a:pt x="8445481" y="0"/>
+                  <a:pt x="8541658" y="96177"/>
+                  <a:pt x="8541658" y="214817"/>
+                </a:cubicBezTo>
+                <a:lnTo>
+                  <a:pt x="8541658" y="751844"/>
+                </a:lnTo>
+                <a:lnTo>
+                  <a:pt x="8541658" y="751844"/>
+                </a:lnTo>
+                <a:lnTo>
+                  <a:pt x="8541658" y="1074063"/>
+                </a:lnTo>
+                <a:lnTo>
+                  <a:pt x="8541658" y="1074059"/>
+                </a:lnTo>
+                <a:cubicBezTo>
+                  <a:pt x="8541658" y="1192699"/>
+                  <a:pt x="8445481" y="1288876"/>
+                  <a:pt x="8326841" y="1288876"/>
+                </a:cubicBezTo>
+                <a:lnTo>
+                  <a:pt x="1852144" y="1288876"/>
+                </a:lnTo>
+                <a:lnTo>
+                  <a:pt x="1864467" y="1433281"/>
+                </a:lnTo>
+                <a:lnTo>
+                  <a:pt x="1423610" y="1288876"/>
+                </a:lnTo>
+                <a:lnTo>
+                  <a:pt x="214817" y="1288876"/>
+                </a:lnTo>
+                <a:cubicBezTo>
+                  <a:pt x="96177" y="1288876"/>
+                  <a:pt x="0" y="1192699"/>
+                  <a:pt x="0" y="1074059"/>
+                </a:cubicBezTo>
+                <a:lnTo>
+                  <a:pt x="0" y="1074063"/>
+                </a:lnTo>
+                <a:lnTo>
+                  <a:pt x="0" y="751844"/>
+                </a:lnTo>
+                <a:lnTo>
+                  <a:pt x="0" y="751844"/>
+                </a:lnTo>
+                <a:lnTo>
+                  <a:pt x="0" y="214817"/>
+                </a:lnTo>
+                <a:close/>
+              </a:path>
+            </a:pathLst>
+          </a:custGeom>
+          <a:solidFill>
+            <a:srgbClr val="03C924"/>
+          </a:solidFill>
+          <a:ln>
+            <a:noFill/>
+          </a:ln>
+        </p:spPr>
+        <p:style>
+          <a:lnRef idx="2">
+            <a:schemeClr val="accent1">
+              <a:shade val="50000"/>
+            </a:schemeClr>
+          </a:lnRef>
+          <a:fillRef idx="1">
+            <a:schemeClr val="accent1"/>
+          </a:fillRef>
+          <a:effectRef idx="0">
+            <a:schemeClr val="accent1"/>
+          </a:effectRef>
+          <a:fontRef idx="minor">
+            <a:schemeClr val="lt1"/>
+          </a:fontRef>
+        </p:style>
+        <p:txBody>
+          <a:bodyPr lIns="143983" tIns="143983" rIns="143983" bIns="0" rtlCol="0" anchor="ctr"/>
+          <a:lstStyle/>
+          <a:p>
+            <a:r>
+              <a:rPr lang="en-US" altLang="ja-JP" b="1" dirty="0">
+                <a:ea typeface="ＭＳ ゴシック" panose="020B0609070205080204" pitchFamily="49" charset="-128"/>
+              </a:rPr>
+              <a:t>master</a:t>
+            </a:r>
+            <a:r>
+              <a:rPr lang="ja-JP" altLang="en-US" b="1" dirty="0">
+                <a:ea typeface="ＭＳ ゴシック" panose="020B0609070205080204" pitchFamily="49" charset="-128"/>
+              </a:rPr>
+              <a:t>ブランチが指すコミットに注釈付き</a:t>
+            </a:r>
+            <a:r>
+              <a:rPr lang="ja-JP" altLang="en-US" b="1" dirty="0" smtClean="0">
+                <a:ea typeface="ＭＳ ゴシック" panose="020B0609070205080204" pitchFamily="49" charset="-128"/>
+              </a:rPr>
+              <a:t>タグ「</a:t>
+            </a:r>
+            <a:r>
+              <a:rPr lang="en-US" altLang="ja-JP" b="1" dirty="0" smtClean="0">
+                <a:ea typeface="ＭＳ ゴシック" panose="020B0609070205080204" pitchFamily="49" charset="-128"/>
+              </a:rPr>
+              <a:t>v1.1</a:t>
+            </a:r>
+            <a:r>
+              <a:rPr lang="ja-JP" altLang="en-US" b="1" dirty="0" smtClean="0">
+                <a:ea typeface="ＭＳ ゴシック" panose="020B0609070205080204" pitchFamily="49" charset="-128"/>
+              </a:rPr>
+              <a:t>」を</a:t>
+            </a:r>
+            <a:r>
+              <a:rPr lang="ja-JP" altLang="en-US" b="1" dirty="0">
+                <a:ea typeface="ＭＳ ゴシック" panose="020B0609070205080204" pitchFamily="49" charset="-128"/>
+              </a:rPr>
+              <a:t>付けた。</a:t>
+            </a:r>
+          </a:p>
+          <a:p>
+            <a:r>
+              <a:rPr lang="ja-JP" altLang="en-US" b="1" dirty="0">
+                <a:ea typeface="ＭＳ ゴシック" panose="020B0609070205080204" pitchFamily="49" charset="-128"/>
+              </a:rPr>
+              <a:t>タグオブジェクトが生成され、</a:t>
+            </a:r>
+            <a:r>
+              <a:rPr lang="ja-JP" altLang="en-US" b="1" dirty="0" smtClean="0">
+                <a:ea typeface="ＭＳ ゴシック" panose="020B0609070205080204" pitchFamily="49" charset="-128"/>
+              </a:rPr>
+              <a:t>タグ「</a:t>
+            </a:r>
+            <a:r>
+              <a:rPr lang="en-US" altLang="ja-JP" b="1" dirty="0" smtClean="0">
+                <a:ea typeface="ＭＳ ゴシック" panose="020B0609070205080204" pitchFamily="49" charset="-128"/>
+              </a:rPr>
+              <a:t>v1.1</a:t>
+            </a:r>
+            <a:r>
+              <a:rPr lang="ja-JP" altLang="en-US" b="1" dirty="0">
+                <a:ea typeface="ＭＳ ゴシック" panose="020B0609070205080204" pitchFamily="49" charset="-128"/>
+              </a:rPr>
+              <a:t>」</a:t>
+            </a:r>
+            <a:r>
+              <a:rPr lang="ja-JP" altLang="en-US" b="1" dirty="0" smtClean="0">
+                <a:ea typeface="ＭＳ ゴシック" panose="020B0609070205080204" pitchFamily="49" charset="-128"/>
+              </a:rPr>
+              <a:t>は</a:t>
+            </a:r>
+            <a:r>
+              <a:rPr lang="ja-JP" altLang="en-US" b="1" dirty="0">
+                <a:ea typeface="ＭＳ ゴシック" panose="020B0609070205080204" pitchFamily="49" charset="-128"/>
+              </a:rPr>
+              <a:t>そのオブジェクトを指す</a:t>
+            </a:r>
+            <a:r>
+              <a:rPr lang="ja-JP" altLang="en-US" b="1" dirty="0" smtClean="0">
+                <a:ea typeface="ＭＳ ゴシック" panose="020B0609070205080204" pitchFamily="49" charset="-128"/>
+              </a:rPr>
+              <a:t>。</a:t>
+            </a:r>
+            <a:endParaRPr lang="en-US" altLang="ja-JP" b="1" dirty="0" smtClean="0">
+              <a:ea typeface="ＭＳ ゴシック" panose="020B0609070205080204" pitchFamily="49" charset="-128"/>
+            </a:endParaRPr>
+          </a:p>
+          <a:p>
+            <a:endParaRPr lang="ja-JP" altLang="en-US" b="1" dirty="0">
+              <a:ea typeface="ＭＳ ゴシック" panose="020B0609070205080204" pitchFamily="49" charset="-128"/>
+            </a:endParaRPr>
           </a:p>
         </p:txBody>
       </p:sp>
@@ -5546,7 +6923,7 @@
       </p:grpSpPr>
       <p:sp>
         <p:nvSpPr>
-          <p:cNvPr id="14" name="円/楕円 13"/>
+          <p:cNvPr id="31" name="円/楕円 30"/>
           <p:cNvSpPr/>
           <p:nvPr/>
         </p:nvSpPr>
@@ -5558,6 +6935,12 @@
           <a:prstGeom prst="ellipse">
             <a:avLst/>
           </a:prstGeom>
+          <a:solidFill>
+            <a:srgbClr val="FF0066"/>
+          </a:solidFill>
+          <a:ln>
+            <a:noFill/>
+          </a:ln>
         </p:spPr>
         <p:style>
           <a:lnRef idx="2">
@@ -5576,24 +6959,24 @@
           </a:fontRef>
         </p:style>
         <p:txBody>
-          <a:bodyPr rtlCol="0" anchor="ctr"/>
+          <a:bodyPr lIns="91429" tIns="45715" rIns="91429" bIns="45715" rtlCol="0" anchor="ctr"/>
           <a:lstStyle/>
           <a:p>
-            <a:pPr algn="ctr"/>
-            <a:r>
-              <a:rPr kumimoji="1" lang="en-US" altLang="ja-JP" dirty="0" smtClean="0"/>
+            <a:pPr algn="ctr" defTabSz="914295"/>
+            <a:r>
+              <a:rPr lang="en-US" altLang="ja-JP" dirty="0"/>
               <a:t>A</a:t>
             </a:r>
-            <a:endParaRPr kumimoji="1" lang="ja-JP" altLang="en-US" dirty="0"/>
+            <a:endParaRPr lang="ja-JP" altLang="en-US" dirty="0"/>
           </a:p>
         </p:txBody>
       </p:sp>
       <p:cxnSp>
         <p:nvCxnSpPr>
-          <p:cNvPr id="16" name="直線矢印コネクタ 15"/>
+          <p:cNvPr id="32" name="直線矢印コネクタ 31"/>
           <p:cNvCxnSpPr>
-            <a:stCxn id="18" idx="2"/>
-            <a:endCxn id="14" idx="6"/>
+            <a:stCxn id="33" idx="2"/>
+            <a:endCxn id="31" idx="6"/>
           </p:cNvCxnSpPr>
           <p:nvPr/>
         </p:nvCxnSpPr>
@@ -5605,11 +6988,11 @@
           <a:prstGeom prst="straightConnector1">
             <a:avLst/>
           </a:prstGeom>
-          <a:ln w="19050">
+          <a:ln w="31750">
             <a:solidFill>
               <a:schemeClr val="tx1"/>
             </a:solidFill>
-            <a:prstDash val="sysDash"/>
+            <a:prstDash val="sysDot"/>
             <a:tailEnd type="triangle" w="lg" len="med"/>
           </a:ln>
         </p:spPr>
@@ -5630,7 +7013,7 @@
       </p:cxnSp>
       <p:sp>
         <p:nvSpPr>
-          <p:cNvPr id="18" name="円/楕円 17"/>
+          <p:cNvPr id="33" name="円/楕円 32"/>
           <p:cNvSpPr/>
           <p:nvPr/>
         </p:nvSpPr>
@@ -5642,6 +7025,12 @@
           <a:prstGeom prst="ellipse">
             <a:avLst/>
           </a:prstGeom>
+          <a:solidFill>
+            <a:srgbClr val="FF0066"/>
+          </a:solidFill>
+          <a:ln>
+            <a:noFill/>
+          </a:ln>
         </p:spPr>
         <p:style>
           <a:lnRef idx="2">
@@ -5660,21 +7049,21 @@
           </a:fontRef>
         </p:style>
         <p:txBody>
-          <a:bodyPr rtlCol="0" anchor="ctr"/>
+          <a:bodyPr lIns="91429" tIns="45715" rIns="91429" bIns="45715" rtlCol="0" anchor="ctr"/>
           <a:lstStyle/>
           <a:p>
-            <a:pPr algn="ctr"/>
-            <a:r>
-              <a:rPr kumimoji="1" lang="en-US" altLang="ja-JP" dirty="0" smtClean="0"/>
+            <a:pPr algn="ctr" defTabSz="914295"/>
+            <a:r>
+              <a:rPr lang="en-US" altLang="ja-JP" dirty="0"/>
               <a:t>B</a:t>
             </a:r>
-            <a:endParaRPr kumimoji="1" lang="ja-JP" altLang="en-US" dirty="0"/>
-          </a:p>
-        </p:txBody>
-      </p:sp>
-      <p:sp>
-        <p:nvSpPr>
-          <p:cNvPr id="19" name="円/楕円 18"/>
+            <a:endParaRPr lang="ja-JP" altLang="en-US" dirty="0"/>
+          </a:p>
+        </p:txBody>
+      </p:sp>
+      <p:sp>
+        <p:nvSpPr>
+          <p:cNvPr id="34" name="円/楕円 33"/>
           <p:cNvSpPr/>
           <p:nvPr/>
         </p:nvSpPr>
@@ -5686,6 +7075,12 @@
           <a:prstGeom prst="ellipse">
             <a:avLst/>
           </a:prstGeom>
+          <a:solidFill>
+            <a:srgbClr val="FF0066"/>
+          </a:solidFill>
+          <a:ln>
+            <a:noFill/>
+          </a:ln>
         </p:spPr>
         <p:style>
           <a:lnRef idx="2">
@@ -5704,24 +7099,24 @@
           </a:fontRef>
         </p:style>
         <p:txBody>
-          <a:bodyPr rtlCol="0" anchor="ctr"/>
+          <a:bodyPr lIns="91429" tIns="45715" rIns="91429" bIns="45715" rtlCol="0" anchor="ctr"/>
           <a:lstStyle/>
           <a:p>
-            <a:pPr algn="ctr"/>
-            <a:r>
-              <a:rPr kumimoji="1" lang="en-US" altLang="ja-JP" dirty="0" smtClean="0"/>
+            <a:pPr algn="ctr" defTabSz="914295"/>
+            <a:r>
+              <a:rPr lang="en-US" altLang="ja-JP" dirty="0"/>
               <a:t>C</a:t>
             </a:r>
-            <a:endParaRPr kumimoji="1" lang="ja-JP" altLang="en-US" dirty="0"/>
+            <a:endParaRPr lang="ja-JP" altLang="en-US" dirty="0"/>
           </a:p>
         </p:txBody>
       </p:sp>
       <p:cxnSp>
         <p:nvCxnSpPr>
-          <p:cNvPr id="20" name="直線矢印コネクタ 19"/>
+          <p:cNvPr id="35" name="直線矢印コネクタ 34"/>
           <p:cNvCxnSpPr>
-            <a:stCxn id="19" idx="2"/>
-            <a:endCxn id="18" idx="6"/>
+            <a:stCxn id="34" idx="2"/>
+            <a:endCxn id="33" idx="6"/>
           </p:cNvCxnSpPr>
           <p:nvPr/>
         </p:nvCxnSpPr>
@@ -5733,11 +7128,11 @@
           <a:prstGeom prst="straightConnector1">
             <a:avLst/>
           </a:prstGeom>
-          <a:ln w="19050">
+          <a:ln w="31750">
             <a:solidFill>
               <a:schemeClr val="tx1"/>
             </a:solidFill>
-            <a:prstDash val="sysDash"/>
+            <a:prstDash val="sysDot"/>
             <a:tailEnd type="triangle" w="lg" len="med"/>
           </a:ln>
         </p:spPr>
@@ -5758,7 +7153,7 @@
       </p:cxnSp>
       <p:cxnSp>
         <p:nvCxnSpPr>
-          <p:cNvPr id="21" name="直線矢印コネクタ 20"/>
+          <p:cNvPr id="36" name="直線矢印コネクタ 35"/>
           <p:cNvCxnSpPr/>
           <p:nvPr/>
         </p:nvCxnSpPr>
@@ -5770,11 +7165,11 @@
           <a:prstGeom prst="straightConnector1">
             <a:avLst/>
           </a:prstGeom>
-          <a:ln w="19050">
+          <a:ln w="31750">
             <a:solidFill>
               <a:schemeClr val="tx1"/>
             </a:solidFill>
-            <a:prstDash val="sysDash"/>
+            <a:prstDash val="sysDot"/>
             <a:tailEnd type="triangle" w="lg" len="med"/>
           </a:ln>
         </p:spPr>
@@ -5795,7 +7190,7 @@
       </p:cxnSp>
       <p:sp>
         <p:nvSpPr>
-          <p:cNvPr id="22" name="正方形/長方形 21"/>
+          <p:cNvPr id="37" name="正方形/長方形 36"/>
           <p:cNvSpPr/>
           <p:nvPr/>
         </p:nvSpPr>
@@ -5808,6 +7203,7 @@
             <a:avLst/>
           </a:prstGeom>
           <a:ln>
+            <a:noFill/>
             <a:prstDash val="sysDash"/>
           </a:ln>
         </p:spPr>
@@ -5828,21 +7224,21 @@
           </a:fontRef>
         </p:style>
         <p:txBody>
-          <a:bodyPr rtlCol="0" anchor="ctr"/>
+          <a:bodyPr lIns="91429" tIns="45715" rIns="91429" bIns="45715" rtlCol="0" anchor="ctr"/>
           <a:lstStyle/>
           <a:p>
-            <a:pPr algn="ctr"/>
-            <a:r>
-              <a:rPr kumimoji="1" lang="en-US" altLang="ja-JP" dirty="0" smtClean="0"/>
+            <a:pPr algn="ctr" defTabSz="914295"/>
+            <a:r>
+              <a:rPr lang="en-US" altLang="ja-JP" dirty="0"/>
               <a:t>master</a:t>
             </a:r>
-            <a:endParaRPr kumimoji="1" lang="ja-JP" altLang="en-US" dirty="0"/>
-          </a:p>
-        </p:txBody>
-      </p:sp>
-      <p:sp>
-        <p:nvSpPr>
-          <p:cNvPr id="23" name="円/楕円 22"/>
+            <a:endParaRPr lang="ja-JP" altLang="en-US" dirty="0"/>
+          </a:p>
+        </p:txBody>
+      </p:sp>
+      <p:sp>
+        <p:nvSpPr>
+          <p:cNvPr id="38" name="円/楕円 37"/>
           <p:cNvSpPr/>
           <p:nvPr/>
         </p:nvSpPr>
@@ -5854,6 +7250,12 @@
           <a:prstGeom prst="ellipse">
             <a:avLst/>
           </a:prstGeom>
+          <a:solidFill>
+            <a:srgbClr val="FF0066"/>
+          </a:solidFill>
+          <a:ln>
+            <a:noFill/>
+          </a:ln>
         </p:spPr>
         <p:style>
           <a:lnRef idx="2">
@@ -5872,24 +7274,24 @@
           </a:fontRef>
         </p:style>
         <p:txBody>
-          <a:bodyPr rtlCol="0" anchor="ctr"/>
+          <a:bodyPr lIns="91429" tIns="45715" rIns="91429" bIns="45715" rtlCol="0" anchor="ctr"/>
           <a:lstStyle/>
           <a:p>
-            <a:pPr algn="ctr"/>
-            <a:r>
-              <a:rPr kumimoji="1" lang="en-US" altLang="ja-JP" dirty="0" smtClean="0"/>
+            <a:pPr algn="ctr" defTabSz="914295"/>
+            <a:r>
+              <a:rPr lang="en-US" altLang="ja-JP" dirty="0"/>
               <a:t>D</a:t>
             </a:r>
-            <a:endParaRPr kumimoji="1" lang="ja-JP" altLang="en-US" dirty="0"/>
+            <a:endParaRPr lang="ja-JP" altLang="en-US" dirty="0"/>
           </a:p>
         </p:txBody>
       </p:sp>
       <p:cxnSp>
         <p:nvCxnSpPr>
-          <p:cNvPr id="24" name="直線矢印コネクタ 23"/>
+          <p:cNvPr id="39" name="直線矢印コネクタ 38"/>
           <p:cNvCxnSpPr>
-            <a:stCxn id="23" idx="2"/>
-            <a:endCxn id="19" idx="6"/>
+            <a:stCxn id="38" idx="2"/>
+            <a:endCxn id="34" idx="6"/>
           </p:cNvCxnSpPr>
           <p:nvPr/>
         </p:nvCxnSpPr>
@@ -5901,11 +7303,11 @@
           <a:prstGeom prst="straightConnector1">
             <a:avLst/>
           </a:prstGeom>
-          <a:ln w="19050">
+          <a:ln w="31750">
             <a:solidFill>
               <a:schemeClr val="tx1"/>
             </a:solidFill>
-            <a:prstDash val="sysDash"/>
+            <a:prstDash val="sysDot"/>
             <a:tailEnd type="triangle" w="lg" len="med"/>
           </a:ln>
         </p:spPr>
@@ -5924,39 +7326,9 @@
           </a:fontRef>
         </p:style>
       </p:cxnSp>
-      <p:sp>
-        <p:nvSpPr>
-          <p:cNvPr id="27" name="テキスト ボックス 26"/>
-          <p:cNvSpPr txBox="1"/>
-          <p:nvPr/>
-        </p:nvSpPr>
-        <p:spPr>
-          <a:xfrm>
-            <a:off x="267552" y="478413"/>
-            <a:ext cx="8624928" cy="369332"/>
-          </a:xfrm>
-          <a:prstGeom prst="rect">
-            <a:avLst/>
-          </a:prstGeom>
-          <a:noFill/>
-        </p:spPr>
-        <p:txBody>
-          <a:bodyPr wrap="square" rtlCol="0">
-            <a:spAutoFit/>
-          </a:bodyPr>
-          <a:lstStyle/>
-          <a:p>
-            <a:r>
-              <a:rPr lang="ja-JP" altLang="en-US" dirty="0" smtClean="0"/>
-              <a:t>コミットを追加しても、軽量タグ、注釈付きタグが指すコミットは変わらない。</a:t>
-            </a:r>
-            <a:endParaRPr kumimoji="1" lang="ja-JP" altLang="en-US" dirty="0"/>
-          </a:p>
-        </p:txBody>
-      </p:sp>
       <p:cxnSp>
         <p:nvCxnSpPr>
-          <p:cNvPr id="12" name="直線矢印コネクタ 11"/>
+          <p:cNvPr id="41" name="直線矢印コネクタ 40"/>
           <p:cNvCxnSpPr/>
           <p:nvPr/>
         </p:nvCxnSpPr>
@@ -5968,11 +7340,11 @@
           <a:prstGeom prst="straightConnector1">
             <a:avLst/>
           </a:prstGeom>
-          <a:ln w="19050">
+          <a:ln w="31750">
             <a:solidFill>
               <a:schemeClr val="tx1"/>
             </a:solidFill>
-            <a:prstDash val="sysDash"/>
+            <a:prstDash val="sysDot"/>
             <a:tailEnd type="triangle" w="lg" len="med"/>
           </a:ln>
         </p:spPr>
@@ -5993,7 +7365,7 @@
       </p:cxnSp>
       <p:sp>
         <p:nvSpPr>
-          <p:cNvPr id="13" name="正方形/長方形 12"/>
+          <p:cNvPr id="42" name="正方形/長方形 41"/>
           <p:cNvSpPr/>
           <p:nvPr/>
         </p:nvSpPr>
@@ -6006,6 +7378,7 @@
             <a:avLst/>
           </a:prstGeom>
           <a:ln>
+            <a:noFill/>
             <a:prstDash val="sysDash"/>
           </a:ln>
         </p:spPr>
@@ -6026,25 +7399,21 @@
           </a:fontRef>
         </p:style>
         <p:txBody>
-          <a:bodyPr rtlCol="0" anchor="ctr"/>
+          <a:bodyPr lIns="91429" tIns="45715" rIns="91429" bIns="45715" rtlCol="0" anchor="ctr"/>
           <a:lstStyle/>
           <a:p>
-            <a:pPr algn="ctr"/>
+            <a:pPr algn="ctr" defTabSz="914295"/>
             <a:r>
               <a:rPr lang="en-US" altLang="ja-JP" dirty="0"/>
-              <a:t>v</a:t>
-            </a:r>
-            <a:r>
-              <a:rPr kumimoji="1" lang="en-US" altLang="ja-JP" dirty="0" smtClean="0"/>
-              <a:t>1.0</a:t>
-            </a:r>
-            <a:endParaRPr kumimoji="1" lang="ja-JP" altLang="en-US" dirty="0"/>
-          </a:p>
-        </p:txBody>
-      </p:sp>
-      <p:sp>
-        <p:nvSpPr>
-          <p:cNvPr id="2" name="ひし形 1"/>
+              <a:t>v1.0</a:t>
+            </a:r>
+            <a:endParaRPr lang="ja-JP" altLang="en-US" dirty="0"/>
+          </a:p>
+        </p:txBody>
+      </p:sp>
+      <p:sp>
+        <p:nvSpPr>
+          <p:cNvPr id="43" name="ひし形 42"/>
           <p:cNvSpPr/>
           <p:nvPr/>
         </p:nvSpPr>
@@ -6056,19 +7425,27 @@
           <a:prstGeom prst="diamond">
             <a:avLst/>
           </a:prstGeom>
+          <a:solidFill>
+            <a:srgbClr val="FF0000"/>
+          </a:solidFill>
+          <a:ln>
+            <a:noFill/>
+          </a:ln>
         </p:spPr>
         <p:style>
-          <a:lnRef idx="1">
-            <a:schemeClr val="accent2"/>
+          <a:lnRef idx="2">
+            <a:schemeClr val="accent2">
+              <a:shade val="50000"/>
+            </a:schemeClr>
           </a:lnRef>
-          <a:fillRef idx="2">
+          <a:fillRef idx="1">
             <a:schemeClr val="accent2"/>
           </a:fillRef>
-          <a:effectRef idx="1">
+          <a:effectRef idx="0">
             <a:schemeClr val="accent2"/>
           </a:effectRef>
           <a:fontRef idx="minor">
-            <a:schemeClr val="dk1"/>
+            <a:schemeClr val="lt1"/>
           </a:fontRef>
         </p:style>
         <p:txBody>
@@ -6077,30 +7454,38 @@
           <a:p>
             <a:pPr algn="ctr"/>
             <a:r>
-              <a:rPr lang="en-US" altLang="ja-JP" dirty="0" smtClean="0"/>
-              <a:t>v</a:t>
-            </a:r>
-            <a:r>
-              <a:rPr kumimoji="1" lang="en-US" altLang="ja-JP" dirty="0" smtClean="0"/>
-              <a:t>1.1</a:t>
+              <a:rPr lang="en-US" altLang="ja-JP" dirty="0">
+                <a:solidFill>
+                  <a:schemeClr val="lt1"/>
+                </a:solidFill>
+              </a:rPr>
+              <a:t>v1.1</a:t>
             </a:r>
           </a:p>
           <a:p>
             <a:pPr algn="ctr"/>
             <a:r>
-              <a:rPr lang="en-US" altLang="ja-JP" dirty="0" smtClean="0"/>
+              <a:rPr lang="en-US" altLang="ja-JP" dirty="0">
+                <a:solidFill>
+                  <a:schemeClr val="lt1"/>
+                </a:solidFill>
+              </a:rPr>
               <a:t>patch</a:t>
             </a:r>
-            <a:endParaRPr kumimoji="1" lang="ja-JP" altLang="en-US" dirty="0"/>
+            <a:endParaRPr lang="ja-JP" altLang="en-US" dirty="0">
+              <a:solidFill>
+                <a:schemeClr val="lt1"/>
+              </a:solidFill>
+            </a:endParaRPr>
           </a:p>
         </p:txBody>
       </p:sp>
       <p:cxnSp>
         <p:nvCxnSpPr>
-          <p:cNvPr id="15" name="直線矢印コネクタ 14"/>
+          <p:cNvPr id="44" name="直線矢印コネクタ 43"/>
           <p:cNvCxnSpPr>
-            <a:stCxn id="2" idx="0"/>
-            <a:endCxn id="23" idx="4"/>
+            <a:stCxn id="43" idx="0"/>
+            <a:endCxn id="38" idx="4"/>
           </p:cNvCxnSpPr>
           <p:nvPr/>
         </p:nvCxnSpPr>
@@ -6112,11 +7497,11 @@
           <a:prstGeom prst="straightConnector1">
             <a:avLst/>
           </a:prstGeom>
-          <a:ln w="19050">
+          <a:ln w="31750">
             <a:solidFill>
               <a:schemeClr val="tx1"/>
             </a:solidFill>
-            <a:prstDash val="sysDash"/>
+            <a:prstDash val="sysDot"/>
             <a:tailEnd type="triangle" w="lg" len="med"/>
           </a:ln>
         </p:spPr>
@@ -6137,7 +7522,7 @@
       </p:cxnSp>
       <p:cxnSp>
         <p:nvCxnSpPr>
-          <p:cNvPr id="25" name="直線矢印コネクタ 24"/>
+          <p:cNvPr id="45" name="直線矢印コネクタ 44"/>
           <p:cNvCxnSpPr/>
           <p:nvPr/>
         </p:nvCxnSpPr>
@@ -6149,11 +7534,11 @@
           <a:prstGeom prst="straightConnector1">
             <a:avLst/>
           </a:prstGeom>
-          <a:ln w="19050">
+          <a:ln w="31750">
             <a:solidFill>
               <a:schemeClr val="tx1"/>
             </a:solidFill>
-            <a:prstDash val="sysDash"/>
+            <a:prstDash val="sysDot"/>
             <a:tailEnd type="triangle" w="lg" len="med"/>
           </a:ln>
         </p:spPr>
@@ -6174,7 +7559,7 @@
       </p:cxnSp>
       <p:sp>
         <p:nvSpPr>
-          <p:cNvPr id="26" name="正方形/長方形 25"/>
+          <p:cNvPr id="46" name="正方形/長方形 45"/>
           <p:cNvSpPr/>
           <p:nvPr/>
         </p:nvSpPr>
@@ -6187,6 +7572,7 @@
             <a:avLst/>
           </a:prstGeom>
           <a:ln>
+            <a:noFill/>
             <a:prstDash val="sysDash"/>
           </a:ln>
         </p:spPr>
@@ -6207,25 +7593,21 @@
           </a:fontRef>
         </p:style>
         <p:txBody>
-          <a:bodyPr rtlCol="0" anchor="ctr"/>
+          <a:bodyPr lIns="91429" tIns="45715" rIns="91429" bIns="45715" rtlCol="0" anchor="ctr"/>
           <a:lstStyle/>
           <a:p>
-            <a:pPr algn="ctr"/>
-            <a:r>
-              <a:rPr lang="en-US" altLang="ja-JP" dirty="0" smtClean="0"/>
-              <a:t>v</a:t>
-            </a:r>
-            <a:r>
-              <a:rPr kumimoji="1" lang="en-US" altLang="ja-JP" dirty="0" smtClean="0"/>
-              <a:t>1.1</a:t>
-            </a:r>
-            <a:endParaRPr kumimoji="1" lang="ja-JP" altLang="en-US" dirty="0"/>
-          </a:p>
-        </p:txBody>
-      </p:sp>
-      <p:sp>
-        <p:nvSpPr>
-          <p:cNvPr id="28" name="円/楕円 27"/>
+            <a:pPr algn="ctr" defTabSz="914295"/>
+            <a:r>
+              <a:rPr lang="en-US" altLang="ja-JP" dirty="0"/>
+              <a:t>v1.1</a:t>
+            </a:r>
+            <a:endParaRPr lang="ja-JP" altLang="en-US" dirty="0"/>
+          </a:p>
+        </p:txBody>
+      </p:sp>
+      <p:sp>
+        <p:nvSpPr>
+          <p:cNvPr id="47" name="円/楕円 46"/>
           <p:cNvSpPr/>
           <p:nvPr/>
         </p:nvSpPr>
@@ -6237,6 +7619,12 @@
           <a:prstGeom prst="ellipse">
             <a:avLst/>
           </a:prstGeom>
+          <a:solidFill>
+            <a:srgbClr val="FF0066"/>
+          </a:solidFill>
+          <a:ln>
+            <a:noFill/>
+          </a:ln>
         </p:spPr>
         <p:style>
           <a:lnRef idx="2">
@@ -6255,23 +7643,23 @@
           </a:fontRef>
         </p:style>
         <p:txBody>
-          <a:bodyPr rtlCol="0" anchor="ctr"/>
+          <a:bodyPr lIns="91429" tIns="45715" rIns="91429" bIns="45715" rtlCol="0" anchor="ctr"/>
           <a:lstStyle/>
           <a:p>
-            <a:pPr algn="ctr"/>
-            <a:r>
-              <a:rPr kumimoji="1" lang="en-US" altLang="ja-JP" dirty="0" smtClean="0"/>
+            <a:pPr algn="ctr" defTabSz="914295"/>
+            <a:r>
+              <a:rPr lang="en-US" altLang="ja-JP" dirty="0"/>
               <a:t>E</a:t>
             </a:r>
-            <a:endParaRPr kumimoji="1" lang="ja-JP" altLang="en-US" dirty="0"/>
+            <a:endParaRPr lang="ja-JP" altLang="en-US" dirty="0"/>
           </a:p>
         </p:txBody>
       </p:sp>
       <p:cxnSp>
         <p:nvCxnSpPr>
-          <p:cNvPr id="29" name="直線矢印コネクタ 28"/>
+          <p:cNvPr id="48" name="直線矢印コネクタ 47"/>
           <p:cNvCxnSpPr>
-            <a:stCxn id="28" idx="2"/>
+            <a:stCxn id="47" idx="2"/>
           </p:cNvCxnSpPr>
           <p:nvPr/>
         </p:nvCxnSpPr>
@@ -6283,11 +7671,11 @@
           <a:prstGeom prst="straightConnector1">
             <a:avLst/>
           </a:prstGeom>
-          <a:ln w="19050">
+          <a:ln w="31750">
             <a:solidFill>
               <a:schemeClr val="tx1"/>
             </a:solidFill>
-            <a:prstDash val="sysDash"/>
+            <a:prstDash val="sysDot"/>
             <a:tailEnd type="triangle" w="lg" len="med"/>
           </a:ln>
         </p:spPr>
@@ -6306,6 +7694,406 @@
           </a:fontRef>
         </p:style>
       </p:cxnSp>
+      <p:sp>
+        <p:nvSpPr>
+          <p:cNvPr id="49" name="角丸四角形吹き出し 70"/>
+          <p:cNvSpPr/>
+          <p:nvPr/>
+        </p:nvSpPr>
+        <p:spPr>
+          <a:xfrm>
+            <a:off x="203401" y="123901"/>
+            <a:ext cx="8737200" cy="1433282"/>
+          </a:xfrm>
+          <a:custGeom>
+            <a:avLst/>
+            <a:gdLst>
+              <a:gd name="connsiteX0" fmla="*/ 0 w 8541658"/>
+              <a:gd name="connsiteY0" fmla="*/ 214817 h 1288876"/>
+              <a:gd name="connsiteX1" fmla="*/ 214817 w 8541658"/>
+              <a:gd name="connsiteY1" fmla="*/ 0 h 1288876"/>
+              <a:gd name="connsiteX2" fmla="*/ 1423610 w 8541658"/>
+              <a:gd name="connsiteY2" fmla="*/ 0 h 1288876"/>
+              <a:gd name="connsiteX3" fmla="*/ 1423610 w 8541658"/>
+              <a:gd name="connsiteY3" fmla="*/ 0 h 1288876"/>
+              <a:gd name="connsiteX4" fmla="*/ 3559024 w 8541658"/>
+              <a:gd name="connsiteY4" fmla="*/ 0 h 1288876"/>
+              <a:gd name="connsiteX5" fmla="*/ 8326841 w 8541658"/>
+              <a:gd name="connsiteY5" fmla="*/ 0 h 1288876"/>
+              <a:gd name="connsiteX6" fmla="*/ 8541658 w 8541658"/>
+              <a:gd name="connsiteY6" fmla="*/ 214817 h 1288876"/>
+              <a:gd name="connsiteX7" fmla="*/ 8541658 w 8541658"/>
+              <a:gd name="connsiteY7" fmla="*/ 751844 h 1288876"/>
+              <a:gd name="connsiteX8" fmla="*/ 8541658 w 8541658"/>
+              <a:gd name="connsiteY8" fmla="*/ 751844 h 1288876"/>
+              <a:gd name="connsiteX9" fmla="*/ 8541658 w 8541658"/>
+              <a:gd name="connsiteY9" fmla="*/ 1074063 h 1288876"/>
+              <a:gd name="connsiteX10" fmla="*/ 8541658 w 8541658"/>
+              <a:gd name="connsiteY10" fmla="*/ 1074059 h 1288876"/>
+              <a:gd name="connsiteX11" fmla="*/ 8326841 w 8541658"/>
+              <a:gd name="connsiteY11" fmla="*/ 1288876 h 1288876"/>
+              <a:gd name="connsiteX12" fmla="*/ 3559024 w 8541658"/>
+              <a:gd name="connsiteY12" fmla="*/ 1288876 h 1288876"/>
+              <a:gd name="connsiteX13" fmla="*/ 2230227 w 8541658"/>
+              <a:gd name="connsiteY13" fmla="*/ 1471381 h 1288876"/>
+              <a:gd name="connsiteX14" fmla="*/ 1423610 w 8541658"/>
+              <a:gd name="connsiteY14" fmla="*/ 1288876 h 1288876"/>
+              <a:gd name="connsiteX15" fmla="*/ 214817 w 8541658"/>
+              <a:gd name="connsiteY15" fmla="*/ 1288876 h 1288876"/>
+              <a:gd name="connsiteX16" fmla="*/ 0 w 8541658"/>
+              <a:gd name="connsiteY16" fmla="*/ 1074059 h 1288876"/>
+              <a:gd name="connsiteX17" fmla="*/ 0 w 8541658"/>
+              <a:gd name="connsiteY17" fmla="*/ 1074063 h 1288876"/>
+              <a:gd name="connsiteX18" fmla="*/ 0 w 8541658"/>
+              <a:gd name="connsiteY18" fmla="*/ 751844 h 1288876"/>
+              <a:gd name="connsiteX19" fmla="*/ 0 w 8541658"/>
+              <a:gd name="connsiteY19" fmla="*/ 751844 h 1288876"/>
+              <a:gd name="connsiteX20" fmla="*/ 0 w 8541658"/>
+              <a:gd name="connsiteY20" fmla="*/ 214817 h 1288876"/>
+              <a:gd name="connsiteX0" fmla="*/ 0 w 8541658"/>
+              <a:gd name="connsiteY0" fmla="*/ 214817 h 1471381"/>
+              <a:gd name="connsiteX1" fmla="*/ 214817 w 8541658"/>
+              <a:gd name="connsiteY1" fmla="*/ 0 h 1471381"/>
+              <a:gd name="connsiteX2" fmla="*/ 1423610 w 8541658"/>
+              <a:gd name="connsiteY2" fmla="*/ 0 h 1471381"/>
+              <a:gd name="connsiteX3" fmla="*/ 1423610 w 8541658"/>
+              <a:gd name="connsiteY3" fmla="*/ 0 h 1471381"/>
+              <a:gd name="connsiteX4" fmla="*/ 3559024 w 8541658"/>
+              <a:gd name="connsiteY4" fmla="*/ 0 h 1471381"/>
+              <a:gd name="connsiteX5" fmla="*/ 8326841 w 8541658"/>
+              <a:gd name="connsiteY5" fmla="*/ 0 h 1471381"/>
+              <a:gd name="connsiteX6" fmla="*/ 8541658 w 8541658"/>
+              <a:gd name="connsiteY6" fmla="*/ 214817 h 1471381"/>
+              <a:gd name="connsiteX7" fmla="*/ 8541658 w 8541658"/>
+              <a:gd name="connsiteY7" fmla="*/ 751844 h 1471381"/>
+              <a:gd name="connsiteX8" fmla="*/ 8541658 w 8541658"/>
+              <a:gd name="connsiteY8" fmla="*/ 751844 h 1471381"/>
+              <a:gd name="connsiteX9" fmla="*/ 8541658 w 8541658"/>
+              <a:gd name="connsiteY9" fmla="*/ 1074063 h 1471381"/>
+              <a:gd name="connsiteX10" fmla="*/ 8541658 w 8541658"/>
+              <a:gd name="connsiteY10" fmla="*/ 1074059 h 1471381"/>
+              <a:gd name="connsiteX11" fmla="*/ 8326841 w 8541658"/>
+              <a:gd name="connsiteY11" fmla="*/ 1288876 h 1471381"/>
+              <a:gd name="connsiteX12" fmla="*/ 1852144 w 8541658"/>
+              <a:gd name="connsiteY12" fmla="*/ 1288876 h 1471381"/>
+              <a:gd name="connsiteX13" fmla="*/ 2230227 w 8541658"/>
+              <a:gd name="connsiteY13" fmla="*/ 1471381 h 1471381"/>
+              <a:gd name="connsiteX14" fmla="*/ 1423610 w 8541658"/>
+              <a:gd name="connsiteY14" fmla="*/ 1288876 h 1471381"/>
+              <a:gd name="connsiteX15" fmla="*/ 214817 w 8541658"/>
+              <a:gd name="connsiteY15" fmla="*/ 1288876 h 1471381"/>
+              <a:gd name="connsiteX16" fmla="*/ 0 w 8541658"/>
+              <a:gd name="connsiteY16" fmla="*/ 1074059 h 1471381"/>
+              <a:gd name="connsiteX17" fmla="*/ 0 w 8541658"/>
+              <a:gd name="connsiteY17" fmla="*/ 1074063 h 1471381"/>
+              <a:gd name="connsiteX18" fmla="*/ 0 w 8541658"/>
+              <a:gd name="connsiteY18" fmla="*/ 751844 h 1471381"/>
+              <a:gd name="connsiteX19" fmla="*/ 0 w 8541658"/>
+              <a:gd name="connsiteY19" fmla="*/ 751844 h 1471381"/>
+              <a:gd name="connsiteX20" fmla="*/ 0 w 8541658"/>
+              <a:gd name="connsiteY20" fmla="*/ 214817 h 1471381"/>
+              <a:gd name="connsiteX0" fmla="*/ 0 w 8541658"/>
+              <a:gd name="connsiteY0" fmla="*/ 214817 h 1433281"/>
+              <a:gd name="connsiteX1" fmla="*/ 214817 w 8541658"/>
+              <a:gd name="connsiteY1" fmla="*/ 0 h 1433281"/>
+              <a:gd name="connsiteX2" fmla="*/ 1423610 w 8541658"/>
+              <a:gd name="connsiteY2" fmla="*/ 0 h 1433281"/>
+              <a:gd name="connsiteX3" fmla="*/ 1423610 w 8541658"/>
+              <a:gd name="connsiteY3" fmla="*/ 0 h 1433281"/>
+              <a:gd name="connsiteX4" fmla="*/ 3559024 w 8541658"/>
+              <a:gd name="connsiteY4" fmla="*/ 0 h 1433281"/>
+              <a:gd name="connsiteX5" fmla="*/ 8326841 w 8541658"/>
+              <a:gd name="connsiteY5" fmla="*/ 0 h 1433281"/>
+              <a:gd name="connsiteX6" fmla="*/ 8541658 w 8541658"/>
+              <a:gd name="connsiteY6" fmla="*/ 214817 h 1433281"/>
+              <a:gd name="connsiteX7" fmla="*/ 8541658 w 8541658"/>
+              <a:gd name="connsiteY7" fmla="*/ 751844 h 1433281"/>
+              <a:gd name="connsiteX8" fmla="*/ 8541658 w 8541658"/>
+              <a:gd name="connsiteY8" fmla="*/ 751844 h 1433281"/>
+              <a:gd name="connsiteX9" fmla="*/ 8541658 w 8541658"/>
+              <a:gd name="connsiteY9" fmla="*/ 1074063 h 1433281"/>
+              <a:gd name="connsiteX10" fmla="*/ 8541658 w 8541658"/>
+              <a:gd name="connsiteY10" fmla="*/ 1074059 h 1433281"/>
+              <a:gd name="connsiteX11" fmla="*/ 8326841 w 8541658"/>
+              <a:gd name="connsiteY11" fmla="*/ 1288876 h 1433281"/>
+              <a:gd name="connsiteX12" fmla="*/ 1852144 w 8541658"/>
+              <a:gd name="connsiteY12" fmla="*/ 1288876 h 1433281"/>
+              <a:gd name="connsiteX13" fmla="*/ 1864467 w 8541658"/>
+              <a:gd name="connsiteY13" fmla="*/ 1433281 h 1433281"/>
+              <a:gd name="connsiteX14" fmla="*/ 1423610 w 8541658"/>
+              <a:gd name="connsiteY14" fmla="*/ 1288876 h 1433281"/>
+              <a:gd name="connsiteX15" fmla="*/ 214817 w 8541658"/>
+              <a:gd name="connsiteY15" fmla="*/ 1288876 h 1433281"/>
+              <a:gd name="connsiteX16" fmla="*/ 0 w 8541658"/>
+              <a:gd name="connsiteY16" fmla="*/ 1074059 h 1433281"/>
+              <a:gd name="connsiteX17" fmla="*/ 0 w 8541658"/>
+              <a:gd name="connsiteY17" fmla="*/ 1074063 h 1433281"/>
+              <a:gd name="connsiteX18" fmla="*/ 0 w 8541658"/>
+              <a:gd name="connsiteY18" fmla="*/ 751844 h 1433281"/>
+              <a:gd name="connsiteX19" fmla="*/ 0 w 8541658"/>
+              <a:gd name="connsiteY19" fmla="*/ 751844 h 1433281"/>
+              <a:gd name="connsiteX20" fmla="*/ 0 w 8541658"/>
+              <a:gd name="connsiteY20" fmla="*/ 214817 h 1433281"/>
+            </a:gdLst>
+            <a:ahLst/>
+            <a:cxnLst>
+              <a:cxn ang="0">
+                <a:pos x="connsiteX0" y="connsiteY0"/>
+              </a:cxn>
+              <a:cxn ang="0">
+                <a:pos x="connsiteX1" y="connsiteY1"/>
+              </a:cxn>
+              <a:cxn ang="0">
+                <a:pos x="connsiteX2" y="connsiteY2"/>
+              </a:cxn>
+              <a:cxn ang="0">
+                <a:pos x="connsiteX3" y="connsiteY3"/>
+              </a:cxn>
+              <a:cxn ang="0">
+                <a:pos x="connsiteX4" y="connsiteY4"/>
+              </a:cxn>
+              <a:cxn ang="0">
+                <a:pos x="connsiteX5" y="connsiteY5"/>
+              </a:cxn>
+              <a:cxn ang="0">
+                <a:pos x="connsiteX6" y="connsiteY6"/>
+              </a:cxn>
+              <a:cxn ang="0">
+                <a:pos x="connsiteX7" y="connsiteY7"/>
+              </a:cxn>
+              <a:cxn ang="0">
+                <a:pos x="connsiteX8" y="connsiteY8"/>
+              </a:cxn>
+              <a:cxn ang="0">
+                <a:pos x="connsiteX9" y="connsiteY9"/>
+              </a:cxn>
+              <a:cxn ang="0">
+                <a:pos x="connsiteX10" y="connsiteY10"/>
+              </a:cxn>
+              <a:cxn ang="0">
+                <a:pos x="connsiteX11" y="connsiteY11"/>
+              </a:cxn>
+              <a:cxn ang="0">
+                <a:pos x="connsiteX12" y="connsiteY12"/>
+              </a:cxn>
+              <a:cxn ang="0">
+                <a:pos x="connsiteX13" y="connsiteY13"/>
+              </a:cxn>
+              <a:cxn ang="0">
+                <a:pos x="connsiteX14" y="connsiteY14"/>
+              </a:cxn>
+              <a:cxn ang="0">
+                <a:pos x="connsiteX15" y="connsiteY15"/>
+              </a:cxn>
+              <a:cxn ang="0">
+                <a:pos x="connsiteX16" y="connsiteY16"/>
+              </a:cxn>
+              <a:cxn ang="0">
+                <a:pos x="connsiteX17" y="connsiteY17"/>
+              </a:cxn>
+              <a:cxn ang="0">
+                <a:pos x="connsiteX18" y="connsiteY18"/>
+              </a:cxn>
+              <a:cxn ang="0">
+                <a:pos x="connsiteX19" y="connsiteY19"/>
+              </a:cxn>
+              <a:cxn ang="0">
+                <a:pos x="connsiteX20" y="connsiteY20"/>
+              </a:cxn>
+            </a:cxnLst>
+            <a:rect l="l" t="t" r="r" b="b"/>
+            <a:pathLst>
+              <a:path w="8541658" h="1433281">
+                <a:moveTo>
+                  <a:pt x="0" y="214817"/>
+                </a:moveTo>
+                <a:cubicBezTo>
+                  <a:pt x="0" y="96177"/>
+                  <a:pt x="96177" y="0"/>
+                  <a:pt x="214817" y="0"/>
+                </a:cubicBezTo>
+                <a:lnTo>
+                  <a:pt x="1423610" y="0"/>
+                </a:lnTo>
+                <a:lnTo>
+                  <a:pt x="1423610" y="0"/>
+                </a:lnTo>
+                <a:lnTo>
+                  <a:pt x="3559024" y="0"/>
+                </a:lnTo>
+                <a:lnTo>
+                  <a:pt x="8326841" y="0"/>
+                </a:lnTo>
+                <a:cubicBezTo>
+                  <a:pt x="8445481" y="0"/>
+                  <a:pt x="8541658" y="96177"/>
+                  <a:pt x="8541658" y="214817"/>
+                </a:cubicBezTo>
+                <a:lnTo>
+                  <a:pt x="8541658" y="751844"/>
+                </a:lnTo>
+                <a:lnTo>
+                  <a:pt x="8541658" y="751844"/>
+                </a:lnTo>
+                <a:lnTo>
+                  <a:pt x="8541658" y="1074063"/>
+                </a:lnTo>
+                <a:lnTo>
+                  <a:pt x="8541658" y="1074059"/>
+                </a:lnTo>
+                <a:cubicBezTo>
+                  <a:pt x="8541658" y="1192699"/>
+                  <a:pt x="8445481" y="1288876"/>
+                  <a:pt x="8326841" y="1288876"/>
+                </a:cubicBezTo>
+                <a:lnTo>
+                  <a:pt x="1852144" y="1288876"/>
+                </a:lnTo>
+                <a:lnTo>
+                  <a:pt x="1864467" y="1433281"/>
+                </a:lnTo>
+                <a:lnTo>
+                  <a:pt x="1423610" y="1288876"/>
+                </a:lnTo>
+                <a:lnTo>
+                  <a:pt x="214817" y="1288876"/>
+                </a:lnTo>
+                <a:cubicBezTo>
+                  <a:pt x="96177" y="1288876"/>
+                  <a:pt x="0" y="1192699"/>
+                  <a:pt x="0" y="1074059"/>
+                </a:cubicBezTo>
+                <a:lnTo>
+                  <a:pt x="0" y="1074063"/>
+                </a:lnTo>
+                <a:lnTo>
+                  <a:pt x="0" y="751844"/>
+                </a:lnTo>
+                <a:lnTo>
+                  <a:pt x="0" y="751844"/>
+                </a:lnTo>
+                <a:lnTo>
+                  <a:pt x="0" y="214817"/>
+                </a:lnTo>
+                <a:close/>
+              </a:path>
+            </a:pathLst>
+          </a:custGeom>
+          <a:solidFill>
+            <a:srgbClr val="03C924"/>
+          </a:solidFill>
+          <a:ln>
+            <a:noFill/>
+          </a:ln>
+        </p:spPr>
+        <p:style>
+          <a:lnRef idx="2">
+            <a:schemeClr val="accent1">
+              <a:shade val="50000"/>
+            </a:schemeClr>
+          </a:lnRef>
+          <a:fillRef idx="1">
+            <a:schemeClr val="accent1"/>
+          </a:fillRef>
+          <a:effectRef idx="0">
+            <a:schemeClr val="accent1"/>
+          </a:effectRef>
+          <a:fontRef idx="minor">
+            <a:schemeClr val="lt1"/>
+          </a:fontRef>
+        </p:style>
+        <p:txBody>
+          <a:bodyPr lIns="143983" tIns="143983" rIns="143983" bIns="0" rtlCol="0" anchor="ctr"/>
+          <a:lstStyle/>
+          <a:p>
+            <a:r>
+              <a:rPr lang="ja-JP" altLang="en-US" b="1" dirty="0" smtClean="0">
+                <a:ea typeface="ＭＳ ゴシック" panose="020B0609070205080204" pitchFamily="49" charset="-128"/>
+              </a:rPr>
+              <a:t>一つコミット</a:t>
+            </a:r>
+            <a:r>
+              <a:rPr lang="ja-JP" altLang="en-US" b="1" dirty="0">
+                <a:ea typeface="ＭＳ ゴシック" panose="020B0609070205080204" pitchFamily="49" charset="-128"/>
+              </a:rPr>
+              <a:t>を</a:t>
+            </a:r>
+            <a:r>
+              <a:rPr lang="ja-JP" altLang="en-US" b="1" dirty="0" smtClean="0">
+                <a:ea typeface="ＭＳ ゴシック" panose="020B0609070205080204" pitchFamily="49" charset="-128"/>
+              </a:rPr>
+              <a:t>追加。</a:t>
+            </a:r>
+            <a:endParaRPr lang="en-US" altLang="ja-JP" b="1" dirty="0" smtClean="0">
+              <a:ea typeface="ＭＳ ゴシック" panose="020B0609070205080204" pitchFamily="49" charset="-128"/>
+            </a:endParaRPr>
+          </a:p>
+          <a:p>
+            <a:r>
+              <a:rPr lang="ja-JP" altLang="en-US" b="1" dirty="0" smtClean="0">
+                <a:ea typeface="ＭＳ ゴシック" panose="020B0609070205080204" pitchFamily="49" charset="-128"/>
+              </a:rPr>
+              <a:t>軽量タグ「</a:t>
+            </a:r>
+            <a:r>
+              <a:rPr lang="en-US" altLang="ja-JP" b="1" dirty="0" smtClean="0">
+                <a:ea typeface="ＭＳ ゴシック" panose="020B0609070205080204" pitchFamily="49" charset="-128"/>
+              </a:rPr>
+              <a:t>v1.0</a:t>
+            </a:r>
+            <a:r>
+              <a:rPr lang="ja-JP" altLang="en-US" b="1" dirty="0" smtClean="0">
+                <a:ea typeface="ＭＳ ゴシック" panose="020B0609070205080204" pitchFamily="49" charset="-128"/>
+              </a:rPr>
+              <a:t>」、</a:t>
+            </a:r>
+            <a:r>
+              <a:rPr lang="ja-JP" altLang="en-US" b="1" dirty="0">
+                <a:ea typeface="ＭＳ ゴシック" panose="020B0609070205080204" pitchFamily="49" charset="-128"/>
+              </a:rPr>
+              <a:t>注釈付き</a:t>
+            </a:r>
+            <a:r>
+              <a:rPr lang="ja-JP" altLang="en-US" b="1" dirty="0" smtClean="0">
+                <a:ea typeface="ＭＳ ゴシック" panose="020B0609070205080204" pitchFamily="49" charset="-128"/>
+              </a:rPr>
+              <a:t>タグ「</a:t>
+            </a:r>
+            <a:r>
+              <a:rPr lang="en-US" altLang="ja-JP" b="1" dirty="0" smtClean="0">
+                <a:ea typeface="ＭＳ ゴシック" panose="020B0609070205080204" pitchFamily="49" charset="-128"/>
+              </a:rPr>
+              <a:t>v1.1</a:t>
+            </a:r>
+            <a:r>
+              <a:rPr lang="ja-JP" altLang="en-US" b="1" dirty="0" smtClean="0">
+                <a:ea typeface="ＭＳ ゴシック" panose="020B0609070205080204" pitchFamily="49" charset="-128"/>
+              </a:rPr>
+              <a:t>」が</a:t>
+            </a:r>
+            <a:r>
+              <a:rPr lang="ja-JP" altLang="en-US" b="1" dirty="0">
+                <a:ea typeface="ＭＳ ゴシック" panose="020B0609070205080204" pitchFamily="49" charset="-128"/>
+              </a:rPr>
+              <a:t>指すコミットは変わらない</a:t>
+            </a:r>
+            <a:r>
+              <a:rPr lang="ja-JP" altLang="en-US" b="1" dirty="0" smtClean="0">
+                <a:ea typeface="ＭＳ ゴシック" panose="020B0609070205080204" pitchFamily="49" charset="-128"/>
+              </a:rPr>
+              <a:t>。</a:t>
+            </a:r>
+            <a:endParaRPr lang="en-US" altLang="ja-JP" b="1" dirty="0" smtClean="0">
+              <a:ea typeface="ＭＳ ゴシック" panose="020B0609070205080204" pitchFamily="49" charset="-128"/>
+            </a:endParaRPr>
+          </a:p>
+          <a:p>
+            <a:endParaRPr lang="ja-JP" altLang="en-US" b="1" dirty="0">
+              <a:ea typeface="ＭＳ ゴシック" panose="020B0609070205080204" pitchFamily="49" charset="-128"/>
+            </a:endParaRPr>
+          </a:p>
+        </p:txBody>
+      </p:sp>
     </p:spTree>
     <p:extLst>
       <p:ext uri="{BB962C8B-B14F-4D97-AF65-F5344CB8AC3E}">
